--- a/homeworks/hw2/hw2_flowcharts.pptx
+++ b/homeworks/hw2/hw2_flowcharts.pptx
@@ -6,6 +6,7 @@
   </p:sldMasterIdLst>
   <p:sldIdLst>
     <p:sldId id="258" r:id="rId2"/>
+    <p:sldId id="260" r:id="rId3"/>
   </p:sldIdLst>
   <p:sldSz cx="12192000" cy="6858000"/>
   <p:notesSz cx="6858000" cy="9144000"/>
@@ -104,6 +105,11 @@
       </a:defRPr>
     </a:lvl9pPr>
   </p:defaultTextStyle>
+  <p:extLst>
+    <p:ext uri="{EFAFB233-063F-42B5-8137-9DF3F51BA10A}">
+      <p15:sldGuideLst xmlns:p15="http://schemas.microsoft.com/office/powerpoint/2012/main"/>
+    </p:ext>
+  </p:extLst>
 </p:presentation>
 </file>
 
@@ -3321,281 +3327,6 @@
           <a:chExt cx="0" cy="0"/>
         </a:xfrm>
       </p:grpSpPr>
-      <mc:AlternateContent xmlns:mc="http://schemas.openxmlformats.org/markup-compatibility/2006">
-        <mc:Choice xmlns:a14="http://schemas.microsoft.com/office/drawing/2010/main" Requires="a14">
-          <p:sp>
-            <p:nvSpPr>
-              <p:cNvPr id="5" name="Rectangle: Rounded Corners 4">
-                <a:extLst>
-                  <a:ext uri="{FF2B5EF4-FFF2-40B4-BE49-F238E27FC236}">
-                    <a16:creationId xmlns:a16="http://schemas.microsoft.com/office/drawing/2014/main" id="{7F703718-46E1-C9C3-74EA-E80EA3511113}"/>
-                  </a:ext>
-                </a:extLst>
-              </p:cNvPr>
-              <p:cNvSpPr/>
-              <p:nvPr/>
-            </p:nvSpPr>
-            <p:spPr>
-              <a:xfrm>
-                <a:off x="3074016" y="5340716"/>
-                <a:ext cx="2053048" cy="1282174"/>
-              </a:xfrm>
-              <a:prstGeom prst="roundRect">
-                <a:avLst>
-                  <a:gd name="adj" fmla="val 4292"/>
-                </a:avLst>
-              </a:prstGeom>
-              <a:solidFill>
-                <a:schemeClr val="accent2">
-                  <a:lumMod val="20000"/>
-                  <a:lumOff val="80000"/>
-                </a:schemeClr>
-              </a:solidFill>
-              <a:ln w="6350">
-                <a:solidFill>
-                  <a:schemeClr val="accent1"/>
-                </a:solidFill>
-              </a:ln>
-            </p:spPr>
-            <p:style>
-              <a:lnRef idx="2">
-                <a:schemeClr val="accent1">
-                  <a:shade val="15000"/>
-                </a:schemeClr>
-              </a:lnRef>
-              <a:fillRef idx="1">
-                <a:schemeClr val="accent1"/>
-              </a:fillRef>
-              <a:effectRef idx="0">
-                <a:schemeClr val="accent1"/>
-              </a:effectRef>
-              <a:fontRef idx="minor">
-                <a:schemeClr val="lt1"/>
-              </a:fontRef>
-            </p:style>
-            <p:txBody>
-              <a:bodyPr rtlCol="0" anchor="ctr"/>
-              <a:lstStyle/>
-              <a:p>
-                <a:pPr algn="ctr"/>
-                <a:r>
-                  <a:rPr lang="en-US" sz="1000" dirty="0">
-                    <a:solidFill>
-                      <a:schemeClr val="tx2"/>
-                    </a:solidFill>
-                  </a:rPr>
-                  <a:t>Plot the value of each shape function for the element </a:t>
-                </a:r>
-                <a14:m>
-                  <m:oMath xmlns:m="http://schemas.openxmlformats.org/officeDocument/2006/math">
-                    <m:sSub>
-                      <m:sSubPr>
-                        <m:ctrlPr>
-                          <a:rPr lang="en-US" sz="1000" b="0" i="1" smtClean="0">
-                            <a:solidFill>
-                              <a:schemeClr val="tx2"/>
-                            </a:solidFill>
-                            <a:latin typeface="Cambria Math" panose="02040503050406030204" pitchFamily="18" charset="0"/>
-                          </a:rPr>
-                        </m:ctrlPr>
-                      </m:sSubPr>
-                      <m:e>
-                        <m:r>
-                          <a:rPr lang="en-US" sz="1000" b="0" i="1" smtClean="0">
-                            <a:solidFill>
-                              <a:schemeClr val="tx2"/>
-                            </a:solidFill>
-                            <a:latin typeface="Cambria Math" panose="02040503050406030204" pitchFamily="18" charset="0"/>
-                          </a:rPr>
-                          <m:t>𝑁</m:t>
-                        </m:r>
-                      </m:e>
-                      <m:sub>
-                        <m:r>
-                          <a:rPr lang="en-US" sz="1000" b="0" i="1" smtClean="0">
-                            <a:solidFill>
-                              <a:schemeClr val="tx2"/>
-                            </a:solidFill>
-                            <a:latin typeface="Cambria Math" panose="02040503050406030204" pitchFamily="18" charset="0"/>
-                          </a:rPr>
-                          <m:t>𝑖</m:t>
-                        </m:r>
-                      </m:sub>
-                    </m:sSub>
-                  </m:oMath>
-                </a14:m>
-                <a:r>
-                  <a:rPr lang="en-US" sz="1000" dirty="0">
-                    <a:solidFill>
-                      <a:schemeClr val="tx2"/>
-                    </a:solidFill>
-                  </a:rPr>
-                  <a:t> in either the natural (</a:t>
-                </a:r>
-                <a14:m>
-                  <m:oMath xmlns:m="http://schemas.openxmlformats.org/officeDocument/2006/math">
-                    <m:r>
-                      <a:rPr lang="en-US" sz="1000" b="1" i="1" smtClean="0">
-                        <a:solidFill>
-                          <a:schemeClr val="tx2"/>
-                        </a:solidFill>
-                        <a:latin typeface="Cambria Math" panose="02040503050406030204" pitchFamily="18" charset="0"/>
-                      </a:rPr>
-                      <m:t>𝜼</m:t>
-                    </m:r>
-                  </m:oMath>
-                </a14:m>
-                <a:r>
-                  <a:rPr lang="en-US" sz="1000" dirty="0">
-                    <a:solidFill>
-                      <a:schemeClr val="tx2"/>
-                    </a:solidFill>
-                  </a:rPr>
-                  <a:t>) or local (</a:t>
-                </a:r>
-                <a14:m>
-                  <m:oMath xmlns:m="http://schemas.openxmlformats.org/officeDocument/2006/math">
-                    <m:r>
-                      <a:rPr lang="en-US" sz="1000" b="1" i="1" smtClean="0">
-                        <a:solidFill>
-                          <a:schemeClr val="tx2"/>
-                        </a:solidFill>
-                        <a:latin typeface="Cambria Math" panose="02040503050406030204" pitchFamily="18" charset="0"/>
-                      </a:rPr>
-                      <m:t>𝒙</m:t>
-                    </m:r>
-                  </m:oMath>
-                </a14:m>
-                <a:r>
-                  <a:rPr lang="en-US" sz="1000" dirty="0">
-                    <a:solidFill>
-                      <a:schemeClr val="tx2"/>
-                    </a:solidFill>
-                  </a:rPr>
-                  <a:t>) coordinate systems for a </a:t>
-                </a:r>
-                <a14:m>
-                  <m:oMath xmlns:m="http://schemas.openxmlformats.org/officeDocument/2006/math">
-                    <m:r>
-                      <m:rPr>
-                        <m:sty m:val="p"/>
-                      </m:rPr>
-                      <a:rPr lang="en-US" sz="1000" b="0" i="0" smtClean="0">
-                        <a:solidFill>
-                          <a:schemeClr val="tx2"/>
-                        </a:solidFill>
-                        <a:latin typeface="Cambria Math" panose="02040503050406030204" pitchFamily="18" charset="0"/>
-                      </a:rPr>
-                      <m:t>p</m:t>
-                    </m:r>
-                    <m:r>
-                      <a:rPr lang="en-US" sz="1000" b="0" i="0" smtClean="0">
-                        <a:solidFill>
-                          <a:schemeClr val="tx2"/>
-                        </a:solidFill>
-                        <a:latin typeface="Cambria Math" panose="02040503050406030204" pitchFamily="18" charset="0"/>
-                      </a:rPr>
-                      <m:t> </m:t>
-                    </m:r>
-                    <m:r>
-                      <m:rPr>
-                        <m:sty m:val="p"/>
-                      </m:rPr>
-                      <a:rPr lang="en-US" sz="1000" b="0" i="0" smtClean="0">
-                        <a:solidFill>
-                          <a:schemeClr val="tx2"/>
-                        </a:solidFill>
-                        <a:latin typeface="Cambria Math" panose="02040503050406030204" pitchFamily="18" charset="0"/>
-                      </a:rPr>
-                      <m:t>x</m:t>
-                    </m:r>
-                    <m:r>
-                      <a:rPr lang="en-US" sz="1000" b="0" i="0" smtClean="0">
-                        <a:solidFill>
-                          <a:schemeClr val="tx2"/>
-                        </a:solidFill>
-                        <a:latin typeface="Cambria Math" panose="02040503050406030204" pitchFamily="18" charset="0"/>
-                      </a:rPr>
-                      <m:t> </m:t>
-                    </m:r>
-                    <m:r>
-                      <m:rPr>
-                        <m:sty m:val="p"/>
-                      </m:rPr>
-                      <a:rPr lang="en-US" sz="1000" b="0" i="0" smtClean="0">
-                        <a:solidFill>
-                          <a:schemeClr val="tx2"/>
-                        </a:solidFill>
-                        <a:latin typeface="Cambria Math" panose="02040503050406030204" pitchFamily="18" charset="0"/>
-                      </a:rPr>
-                      <m:t>p</m:t>
-                    </m:r>
-                  </m:oMath>
-                </a14:m>
-                <a:r>
-                  <a:rPr lang="en-US" sz="1000" dirty="0">
-                    <a:solidFill>
-                      <a:schemeClr val="tx2"/>
-                    </a:solidFill>
-                  </a:rPr>
-                  <a:t> grid of coordinates</a:t>
-                </a:r>
-              </a:p>
-            </p:txBody>
-          </p:sp>
-        </mc:Choice>
-        <mc:Fallback>
-          <p:sp>
-            <p:nvSpPr>
-              <p:cNvPr id="5" name="Rectangle: Rounded Corners 4">
-                <a:extLst>
-                  <a:ext uri="{FF2B5EF4-FFF2-40B4-BE49-F238E27FC236}">
-                    <a16:creationId xmlns:a16="http://schemas.microsoft.com/office/drawing/2014/main" id="{7F703718-46E1-C9C3-74EA-E80EA3511113}"/>
-                  </a:ext>
-                </a:extLst>
-              </p:cNvPr>
-              <p:cNvSpPr>
-                <a:spLocks noRot="1" noChangeAspect="1" noMove="1" noResize="1" noEditPoints="1" noAdjustHandles="1" noChangeArrowheads="1" noChangeShapeType="1" noTextEdit="1"/>
-              </p:cNvSpPr>
-              <p:nvPr/>
-            </p:nvSpPr>
-            <p:spPr>
-              <a:xfrm>
-                <a:off x="3074016" y="5340716"/>
-                <a:ext cx="2053048" cy="1282174"/>
-              </a:xfrm>
-              <a:prstGeom prst="roundRect">
-                <a:avLst>
-                  <a:gd name="adj" fmla="val 4292"/>
-                </a:avLst>
-              </a:prstGeom>
-              <a:blipFill>
-                <a:blip r:embed="rId2"/>
-                <a:stretch>
-                  <a:fillRect/>
-                </a:stretch>
-              </a:blipFill>
-              <a:ln w="6350">
-                <a:solidFill>
-                  <a:schemeClr val="accent1"/>
-                </a:solidFill>
-              </a:ln>
-            </p:spPr>
-            <p:txBody>
-              <a:bodyPr/>
-              <a:lstStyle/>
-              <a:p>
-                <a:r>
-                  <a:rPr lang="en-US">
-                    <a:noFill/>
-                  </a:rPr>
-                  <a:t> </a:t>
-                </a:r>
-              </a:p>
-            </p:txBody>
-          </p:sp>
-        </mc:Fallback>
-      </mc:AlternateContent>
       <p:sp>
         <p:nvSpPr>
           <p:cNvPr id="6" name="Rectangle: Rounded Corners 5">
@@ -3610,8 +3341,8 @@
         </p:nvSpPr>
         <p:spPr>
           <a:xfrm>
-            <a:off x="293368" y="200460"/>
-            <a:ext cx="9778096" cy="4430323"/>
+            <a:off x="164592" y="498743"/>
+            <a:ext cx="7822964" cy="5860513"/>
           </a:xfrm>
           <a:prstGeom prst="roundRect">
             <a:avLst>
@@ -3658,300 +3389,6 @@
           </a:p>
         </p:txBody>
       </p:sp>
-      <mc:AlternateContent xmlns:mc="http://schemas.openxmlformats.org/markup-compatibility/2006">
-        <mc:Choice xmlns:a14="http://schemas.microsoft.com/office/drawing/2010/main" Requires="a14">
-          <p:sp>
-            <p:nvSpPr>
-              <p:cNvPr id="8" name="Rectangle: Rounded Corners 7">
-                <a:extLst>
-                  <a:ext uri="{FF2B5EF4-FFF2-40B4-BE49-F238E27FC236}">
-                    <a16:creationId xmlns:a16="http://schemas.microsoft.com/office/drawing/2014/main" id="{917AB4BF-28E7-7906-1956-AC7F7BDB29F3}"/>
-                  </a:ext>
-                </a:extLst>
-              </p:cNvPr>
-              <p:cNvSpPr/>
-              <p:nvPr/>
-            </p:nvSpPr>
-            <p:spPr>
-              <a:xfrm>
-                <a:off x="542109" y="5340717"/>
-                <a:ext cx="2053048" cy="1282174"/>
-              </a:xfrm>
-              <a:prstGeom prst="roundRect">
-                <a:avLst>
-                  <a:gd name="adj" fmla="val 4292"/>
-                </a:avLst>
-              </a:prstGeom>
-              <a:solidFill>
-                <a:schemeClr val="accent2">
-                  <a:lumMod val="20000"/>
-                  <a:lumOff val="80000"/>
-                </a:schemeClr>
-              </a:solidFill>
-              <a:ln w="6350">
-                <a:solidFill>
-                  <a:schemeClr val="accent1"/>
-                </a:solidFill>
-              </a:ln>
-            </p:spPr>
-            <p:style>
-              <a:lnRef idx="2">
-                <a:schemeClr val="accent1">
-                  <a:shade val="15000"/>
-                </a:schemeClr>
-              </a:lnRef>
-              <a:fillRef idx="1">
-                <a:schemeClr val="accent1"/>
-              </a:fillRef>
-              <a:effectRef idx="0">
-                <a:schemeClr val="accent1"/>
-              </a:effectRef>
-              <a:fontRef idx="minor">
-                <a:schemeClr val="lt1"/>
-              </a:fontRef>
-            </p:style>
-            <p:txBody>
-              <a:bodyPr rtlCol="0" anchor="ctr"/>
-              <a:lstStyle/>
-              <a:p>
-                <a:pPr algn="ctr"/>
-                <a:r>
-                  <a:rPr lang="en-US" sz="1000" dirty="0">
-                    <a:solidFill>
-                      <a:schemeClr val="tx2"/>
-                    </a:solidFill>
-                  </a:rPr>
-                  <a:t>Plot the value of interpolated quantity </a:t>
-                </a:r>
-                <a14:m>
-                  <m:oMath xmlns:m="http://schemas.openxmlformats.org/officeDocument/2006/math">
-                    <m:r>
-                      <a:rPr lang="en-US" sz="1000" b="1" i="1" smtClean="0">
-                        <a:solidFill>
-                          <a:schemeClr val="tx2"/>
-                        </a:solidFill>
-                        <a:latin typeface="Cambria Math" panose="02040503050406030204" pitchFamily="18" charset="0"/>
-                      </a:rPr>
-                      <m:t>𝝓</m:t>
-                    </m:r>
-                  </m:oMath>
-                </a14:m>
-                <a:r>
-                  <a:rPr lang="en-US" sz="1000" b="1" dirty="0">
-                    <a:solidFill>
-                      <a:schemeClr val="tx2"/>
-                    </a:solidFill>
-                  </a:rPr>
-                  <a:t> </a:t>
-                </a:r>
-                <a:r>
-                  <a:rPr lang="en-US" sz="1000" dirty="0">
-                    <a:solidFill>
-                      <a:schemeClr val="tx2"/>
-                    </a:solidFill>
-                  </a:rPr>
-                  <a:t>within the element in either the natural (</a:t>
-                </a:r>
-                <a14:m>
-                  <m:oMath xmlns:m="http://schemas.openxmlformats.org/officeDocument/2006/math">
-                    <m:r>
-                      <a:rPr lang="en-US" sz="1000" b="1" i="1" smtClean="0">
-                        <a:solidFill>
-                          <a:schemeClr val="tx2"/>
-                        </a:solidFill>
-                        <a:latin typeface="Cambria Math" panose="02040503050406030204" pitchFamily="18" charset="0"/>
-                      </a:rPr>
-                      <m:t>𝜼</m:t>
-                    </m:r>
-                  </m:oMath>
-                </a14:m>
-                <a:r>
-                  <a:rPr lang="en-US" sz="1000" dirty="0">
-                    <a:solidFill>
-                      <a:schemeClr val="tx2"/>
-                    </a:solidFill>
-                  </a:rPr>
-                  <a:t>) or local (</a:t>
-                </a:r>
-                <a14:m>
-                  <m:oMath xmlns:m="http://schemas.openxmlformats.org/officeDocument/2006/math">
-                    <m:r>
-                      <a:rPr lang="en-US" sz="1000" b="1" i="1" smtClean="0">
-                        <a:solidFill>
-                          <a:schemeClr val="tx2"/>
-                        </a:solidFill>
-                        <a:latin typeface="Cambria Math" panose="02040503050406030204" pitchFamily="18" charset="0"/>
-                      </a:rPr>
-                      <m:t>𝒙</m:t>
-                    </m:r>
-                  </m:oMath>
-                </a14:m>
-                <a:r>
-                  <a:rPr lang="en-US" sz="1000" dirty="0">
-                    <a:solidFill>
-                      <a:schemeClr val="tx2"/>
-                    </a:solidFill>
-                  </a:rPr>
-                  <a:t>) coordinate systems for a </a:t>
-                </a:r>
-                <a14:m>
-                  <m:oMath xmlns:m="http://schemas.openxmlformats.org/officeDocument/2006/math">
-                    <m:r>
-                      <m:rPr>
-                        <m:sty m:val="p"/>
-                      </m:rPr>
-                      <a:rPr lang="en-US" sz="1000" b="0" i="0" smtClean="0">
-                        <a:solidFill>
-                          <a:schemeClr val="tx2"/>
-                        </a:solidFill>
-                        <a:latin typeface="Cambria Math" panose="02040503050406030204" pitchFamily="18" charset="0"/>
-                      </a:rPr>
-                      <m:t>p</m:t>
-                    </m:r>
-                    <m:r>
-                      <a:rPr lang="en-US" sz="1000" b="0" i="0" smtClean="0">
-                        <a:solidFill>
-                          <a:schemeClr val="tx2"/>
-                        </a:solidFill>
-                        <a:latin typeface="Cambria Math" panose="02040503050406030204" pitchFamily="18" charset="0"/>
-                      </a:rPr>
-                      <m:t> </m:t>
-                    </m:r>
-                    <m:r>
-                      <m:rPr>
-                        <m:sty m:val="p"/>
-                      </m:rPr>
-                      <a:rPr lang="en-US" sz="1000" b="0" i="0" smtClean="0">
-                        <a:solidFill>
-                          <a:schemeClr val="tx2"/>
-                        </a:solidFill>
-                        <a:latin typeface="Cambria Math" panose="02040503050406030204" pitchFamily="18" charset="0"/>
-                      </a:rPr>
-                      <m:t>x</m:t>
-                    </m:r>
-                    <m:r>
-                      <a:rPr lang="en-US" sz="1000" b="0" i="0" smtClean="0">
-                        <a:solidFill>
-                          <a:schemeClr val="tx2"/>
-                        </a:solidFill>
-                        <a:latin typeface="Cambria Math" panose="02040503050406030204" pitchFamily="18" charset="0"/>
-                      </a:rPr>
-                      <m:t> </m:t>
-                    </m:r>
-                    <m:r>
-                      <m:rPr>
-                        <m:sty m:val="p"/>
-                      </m:rPr>
-                      <a:rPr lang="en-US" sz="1000" b="0" i="0" smtClean="0">
-                        <a:solidFill>
-                          <a:schemeClr val="tx2"/>
-                        </a:solidFill>
-                        <a:latin typeface="Cambria Math" panose="02040503050406030204" pitchFamily="18" charset="0"/>
-                      </a:rPr>
-                      <m:t>p</m:t>
-                    </m:r>
-                  </m:oMath>
-                </a14:m>
-                <a:r>
-                  <a:rPr lang="en-US" sz="1000" dirty="0">
-                    <a:solidFill>
-                      <a:schemeClr val="tx2"/>
-                    </a:solidFill>
-                  </a:rPr>
-                  <a:t> grid of coordinates given a given a vector of nodal values </a:t>
-                </a:r>
-                <a14:m>
-                  <m:oMath xmlns:m="http://schemas.openxmlformats.org/officeDocument/2006/math">
-                    <m:acc>
-                      <m:accPr>
-                        <m:chr m:val="̂"/>
-                        <m:ctrlPr>
-                          <a:rPr lang="en-US" sz="1000" i="1" smtClean="0">
-                            <a:solidFill>
-                              <a:schemeClr val="tx2"/>
-                            </a:solidFill>
-                            <a:latin typeface="Cambria Math" panose="02040503050406030204" pitchFamily="18" charset="0"/>
-                          </a:rPr>
-                        </m:ctrlPr>
-                      </m:accPr>
-                      <m:e>
-                        <m:r>
-                          <a:rPr lang="en-US" sz="1000" b="1" i="1" smtClean="0">
-                            <a:solidFill>
-                              <a:schemeClr val="tx2"/>
-                            </a:solidFill>
-                            <a:latin typeface="Cambria Math" panose="02040503050406030204" pitchFamily="18" charset="0"/>
-                          </a:rPr>
-                          <m:t>𝝓</m:t>
-                        </m:r>
-                      </m:e>
-                    </m:acc>
-                  </m:oMath>
-                </a14:m>
-                <a:r>
-                  <a:rPr lang="en-US" sz="1000" dirty="0">
-                    <a:solidFill>
-                      <a:schemeClr val="tx2"/>
-                    </a:solidFill>
-                  </a:rPr>
-                  <a:t> </a:t>
-                </a:r>
-              </a:p>
-            </p:txBody>
-          </p:sp>
-        </mc:Choice>
-        <mc:Fallback>
-          <p:sp>
-            <p:nvSpPr>
-              <p:cNvPr id="8" name="Rectangle: Rounded Corners 7">
-                <a:extLst>
-                  <a:ext uri="{FF2B5EF4-FFF2-40B4-BE49-F238E27FC236}">
-                    <a16:creationId xmlns:a16="http://schemas.microsoft.com/office/drawing/2014/main" id="{917AB4BF-28E7-7906-1956-AC7F7BDB29F3}"/>
-                  </a:ext>
-                </a:extLst>
-              </p:cNvPr>
-              <p:cNvSpPr>
-                <a:spLocks noRot="1" noChangeAspect="1" noMove="1" noResize="1" noEditPoints="1" noAdjustHandles="1" noChangeArrowheads="1" noChangeShapeType="1" noTextEdit="1"/>
-              </p:cNvSpPr>
-              <p:nvPr/>
-            </p:nvSpPr>
-            <p:spPr>
-              <a:xfrm>
-                <a:off x="542109" y="5340717"/>
-                <a:ext cx="2053048" cy="1282174"/>
-              </a:xfrm>
-              <a:prstGeom prst="roundRect">
-                <a:avLst>
-                  <a:gd name="adj" fmla="val 4292"/>
-                </a:avLst>
-              </a:prstGeom>
-              <a:blipFill>
-                <a:blip r:embed="rId3"/>
-                <a:stretch>
-                  <a:fillRect/>
-                </a:stretch>
-              </a:blipFill>
-              <a:ln w="6350">
-                <a:solidFill>
-                  <a:schemeClr val="accent1"/>
-                </a:solidFill>
-              </a:ln>
-            </p:spPr>
-            <p:txBody>
-              <a:bodyPr/>
-              <a:lstStyle/>
-              <a:p>
-                <a:r>
-                  <a:rPr lang="en-US">
-                    <a:noFill/>
-                  </a:rPr>
-                  <a:t> </a:t>
-                </a:r>
-              </a:p>
-            </p:txBody>
-          </p:sp>
-        </mc:Fallback>
-      </mc:AlternateContent>
       <p:grpSp>
         <p:nvGrpSpPr>
           <p:cNvPr id="12" name="Group 11">
@@ -3966,7 +3403,7 @@
         </p:nvGrpSpPr>
         <p:grpSpPr>
           <a:xfrm>
-            <a:off x="444898" y="580470"/>
+            <a:off x="427664" y="925862"/>
             <a:ext cx="2390504" cy="1047597"/>
             <a:chOff x="891539" y="1333106"/>
             <a:chExt cx="2390504" cy="1047597"/>
@@ -4103,7 +3540,7 @@
                   </a:avLst>
                 </a:prstGeom>
                 <a:blipFill>
-                  <a:blip r:embed="rId4"/>
+                  <a:blip r:embed="rId2"/>
                   <a:stretch>
                     <a:fillRect/>
                   </a:stretch>
@@ -4129,8 +3566,8 @@
             </p:sp>
           </mc:Fallback>
         </mc:AlternateContent>
-        <mc:AlternateContent xmlns:mc="http://schemas.openxmlformats.org/markup-compatibility/2006">
-          <mc:Choice xmlns:a14="http://schemas.microsoft.com/office/drawing/2010/main" Requires="a14">
+        <mc:AlternateContent xmlns:mc="http://schemas.openxmlformats.org/markup-compatibility/2006" xmlns:a14="http://schemas.microsoft.com/office/drawing/2010/main">
+          <mc:Choice Requires="a14">
             <p:sp>
               <p:nvSpPr>
                 <p:cNvPr id="9" name="Rectangle: Rounded Corners 8">
@@ -4198,6 +3635,7 @@
                           <a:solidFill>
                             <a:schemeClr val="bg1"/>
                           </a:solidFill>
+                          <a:latin typeface="Cambria Math" panose="02040503050406030204" pitchFamily="18" charset="0"/>
                         </a:rPr>
                         <m:t>𝒊</m:t>
                       </m:r>
@@ -4212,7 +3650,7 @@
               </p:txBody>
             </p:sp>
           </mc:Choice>
-          <mc:Fallback>
+          <mc:Fallback xmlns="">
             <p:sp>
               <p:nvSpPr>
                 <p:cNvPr id="9" name="Rectangle: Rounded Corners 8">
@@ -4279,14 +3717,14 @@
         </p:nvGrpSpPr>
         <p:grpSpPr>
           <a:xfrm>
-            <a:off x="3462813" y="1398449"/>
+            <a:off x="2141188" y="2363455"/>
             <a:ext cx="3333699" cy="1210586"/>
             <a:chOff x="3672346" y="1273933"/>
             <a:chExt cx="3333699" cy="1210586"/>
           </a:xfrm>
         </p:grpSpPr>
-        <mc:AlternateContent xmlns:mc="http://schemas.openxmlformats.org/markup-compatibility/2006">
-          <mc:Choice xmlns:a14="http://schemas.microsoft.com/office/drawing/2010/main" Requires="a14">
+        <mc:AlternateContent xmlns:mc="http://schemas.openxmlformats.org/markup-compatibility/2006" xmlns:a14="http://schemas.microsoft.com/office/drawing/2010/main">
+          <mc:Choice Requires="a14">
             <p:sp>
               <p:nvSpPr>
                 <p:cNvPr id="4" name="Rectangle: Rounded Corners 3">
@@ -4354,6 +3792,7 @@
                           <a:solidFill>
                             <a:schemeClr val="tx2"/>
                           </a:solidFill>
+                          <a:latin typeface="Cambria Math" panose="02040503050406030204" pitchFamily="18" charset="0"/>
                         </a:rPr>
                         <m:t>𝐍</m:t>
                       </m:r>
@@ -4374,6 +3813,7 @@
                           <a:solidFill>
                             <a:schemeClr val="tx2"/>
                           </a:solidFill>
+                          <a:latin typeface="Cambria Math" panose="02040503050406030204" pitchFamily="18" charset="0"/>
                         </a:rPr>
                         <m:t>𝒌</m:t>
                       </m:r>
@@ -4394,6 +3834,7 @@
                           <a:solidFill>
                             <a:schemeClr val="tx2"/>
                           </a:solidFill>
+                          <a:latin typeface="Cambria Math" panose="02040503050406030204" pitchFamily="18" charset="0"/>
                         </a:rPr>
                         <m:t>𝜼</m:t>
                       </m:r>
@@ -4426,16 +3867,18 @@
                             <a:solidFill>
                               <a:schemeClr val="tx2"/>
                             </a:solidFill>
+                            <a:latin typeface="Cambria Math" panose="02040503050406030204" pitchFamily="18" charset="0"/>
                           </a:rPr>
                           <m:t>𝐍</m:t>
                         </m:r>
                         <m:d>
                           <m:dPr>
                             <m:ctrlPr>
-                              <a:rPr lang="en-US" sz="1000">
+                              <a:rPr lang="en-US" sz="1000" i="1">
                                 <a:solidFill>
                                   <a:schemeClr val="tx2"/>
                                 </a:solidFill>
+                                <a:latin typeface="Cambria Math" panose="02040503050406030204" pitchFamily="18" charset="0"/>
                               </a:rPr>
                             </m:ctrlPr>
                           </m:dPr>
@@ -4445,6 +3888,7 @@
                                 <a:solidFill>
                                   <a:schemeClr val="tx2"/>
                                 </a:solidFill>
+                                <a:latin typeface="Cambria Math" panose="02040503050406030204" pitchFamily="18" charset="0"/>
                               </a:rPr>
                               <m:t>𝜼</m:t>
                             </m:r>
@@ -4455,6 +3899,7 @@
                             <a:solidFill>
                               <a:schemeClr val="tx2"/>
                             </a:solidFill>
+                            <a:latin typeface="Cambria Math" panose="02040503050406030204" pitchFamily="18" charset="0"/>
                           </a:rPr>
                           <m:t>=</m:t>
                         </m:r>
@@ -4463,10 +3908,11 @@
                             <m:begChr m:val="["/>
                             <m:endChr m:val="]"/>
                             <m:ctrlPr>
-                              <a:rPr lang="en-US" sz="1000">
+                              <a:rPr lang="en-US" sz="1000" i="1">
                                 <a:solidFill>
                                   <a:schemeClr val="tx2"/>
                                 </a:solidFill>
+                                <a:latin typeface="Cambria Math" panose="02040503050406030204" pitchFamily="18" charset="0"/>
                               </a:rPr>
                             </m:ctrlPr>
                           </m:dPr>
@@ -4482,10 +3928,11 @@
                                   </m:mc>
                                 </m:mcs>
                                 <m:ctrlPr>
-                                  <a:rPr lang="en-US" sz="1000">
+                                  <a:rPr lang="en-US" sz="1000" i="1">
                                     <a:solidFill>
                                       <a:schemeClr val="tx2"/>
                                     </a:solidFill>
+                                    <a:latin typeface="Cambria Math" panose="02040503050406030204" pitchFamily="18" charset="0"/>
                                   </a:rPr>
                                 </m:ctrlPr>
                               </m:mPr>
@@ -4494,10 +3941,11 @@
                                   <m:sSub>
                                     <m:sSubPr>
                                       <m:ctrlPr>
-                                        <a:rPr lang="en-US" sz="1000">
+                                        <a:rPr lang="en-US" sz="1000" i="1">
                                           <a:solidFill>
                                             <a:schemeClr val="tx2"/>
                                           </a:solidFill>
+                                          <a:latin typeface="Cambria Math" panose="02040503050406030204" pitchFamily="18" charset="0"/>
                                         </a:rPr>
                                       </m:ctrlPr>
                                     </m:sSubPr>
@@ -4510,6 +3958,7 @@
                                           <a:solidFill>
                                             <a:schemeClr val="tx2"/>
                                           </a:solidFill>
+                                          <a:latin typeface="Cambria Math" panose="02040503050406030204" pitchFamily="18" charset="0"/>
                                         </a:rPr>
                                         <m:t>𝑁</m:t>
                                       </m:r>
@@ -4523,6 +3972,7 @@
                                           <a:solidFill>
                                             <a:schemeClr val="tx2"/>
                                           </a:solidFill>
+                                          <a:latin typeface="Cambria Math" panose="02040503050406030204" pitchFamily="18" charset="0"/>
                                         </a:rPr>
                                         <m:t>1</m:t>
                                       </m:r>
@@ -4531,10 +3981,11 @@
                                   <m:d>
                                     <m:dPr>
                                       <m:ctrlPr>
-                                        <a:rPr lang="en-US" sz="1000">
+                                        <a:rPr lang="en-US" sz="1000" i="1">
                                           <a:solidFill>
                                             <a:schemeClr val="tx2"/>
                                           </a:solidFill>
+                                          <a:latin typeface="Cambria Math" panose="02040503050406030204" pitchFamily="18" charset="0"/>
                                         </a:rPr>
                                       </m:ctrlPr>
                                     </m:dPr>
@@ -4544,6 +3995,7 @@
                                           <a:solidFill>
                                             <a:schemeClr val="tx2"/>
                                           </a:solidFill>
+                                          <a:latin typeface="Cambria Math" panose="02040503050406030204" pitchFamily="18" charset="0"/>
                                         </a:rPr>
                                         <m:t>𝜼</m:t>
                                       </m:r>
@@ -4556,6 +4008,7 @@
                                       <a:solidFill>
                                         <a:schemeClr val="tx2"/>
                                       </a:solidFill>
+                                      <a:latin typeface="Cambria Math" panose="02040503050406030204" pitchFamily="18" charset="0"/>
                                     </a:rPr>
                                     <m:t>0</m:t>
                                   </m:r>
@@ -4566,6 +4019,7 @@
                                       <a:solidFill>
                                         <a:schemeClr val="tx2"/>
                                       </a:solidFill>
+                                      <a:latin typeface="Cambria Math" panose="02040503050406030204" pitchFamily="18" charset="0"/>
                                     </a:rPr>
                                     <m:t>⋯</m:t>
                                   </m:r>
@@ -4574,10 +4028,11 @@
                                   <m:sSub>
                                     <m:sSubPr>
                                       <m:ctrlPr>
-                                        <a:rPr lang="en-US" sz="1000">
+                                        <a:rPr lang="en-US" sz="1000" i="1">
                                           <a:solidFill>
                                             <a:schemeClr val="tx2"/>
                                           </a:solidFill>
+                                          <a:latin typeface="Cambria Math" panose="02040503050406030204" pitchFamily="18" charset="0"/>
                                         </a:rPr>
                                       </m:ctrlPr>
                                     </m:sSubPr>
@@ -4587,6 +4042,7 @@
                                           <a:solidFill>
                                             <a:schemeClr val="tx2"/>
                                           </a:solidFill>
+                                          <a:latin typeface="Cambria Math" panose="02040503050406030204" pitchFamily="18" charset="0"/>
                                         </a:rPr>
                                         <m:t>𝑁</m:t>
                                       </m:r>
@@ -4597,6 +4053,7 @@
                                           <a:solidFill>
                                             <a:schemeClr val="tx2"/>
                                           </a:solidFill>
+                                          <a:latin typeface="Cambria Math" panose="02040503050406030204" pitchFamily="18" charset="0"/>
                                         </a:rPr>
                                         <m:t>𝑘</m:t>
                                       </m:r>
@@ -4605,10 +4062,11 @@
                                   <m:d>
                                     <m:dPr>
                                       <m:ctrlPr>
-                                        <a:rPr lang="en-US" sz="1000">
+                                        <a:rPr lang="en-US" sz="1000" i="1">
                                           <a:solidFill>
                                             <a:schemeClr val="tx2"/>
                                           </a:solidFill>
+                                          <a:latin typeface="Cambria Math" panose="02040503050406030204" pitchFamily="18" charset="0"/>
                                         </a:rPr>
                                       </m:ctrlPr>
                                     </m:dPr>
@@ -4618,6 +4076,7 @@
                                           <a:solidFill>
                                             <a:schemeClr val="tx2"/>
                                           </a:solidFill>
+                                          <a:latin typeface="Cambria Math" panose="02040503050406030204" pitchFamily="18" charset="0"/>
                                         </a:rPr>
                                         <m:t>𝜼</m:t>
                                       </m:r>
@@ -4630,6 +4089,7 @@
                                       <a:solidFill>
                                         <a:schemeClr val="tx2"/>
                                       </a:solidFill>
+                                      <a:latin typeface="Cambria Math" panose="02040503050406030204" pitchFamily="18" charset="0"/>
                                     </a:rPr>
                                     <m:t>0</m:t>
                                   </m:r>
@@ -4642,6 +4102,7 @@
                                       <a:solidFill>
                                         <a:schemeClr val="tx2"/>
                                       </a:solidFill>
+                                      <a:latin typeface="Cambria Math" panose="02040503050406030204" pitchFamily="18" charset="0"/>
                                     </a:rPr>
                                     <m:t>0</m:t>
                                   </m:r>
@@ -4650,10 +4111,11 @@
                                   <m:sSub>
                                     <m:sSubPr>
                                       <m:ctrlPr>
-                                        <a:rPr lang="en-US" sz="1000">
+                                        <a:rPr lang="en-US" sz="1000" i="1">
                                           <a:solidFill>
                                             <a:schemeClr val="tx2"/>
                                           </a:solidFill>
+                                          <a:latin typeface="Cambria Math" panose="02040503050406030204" pitchFamily="18" charset="0"/>
                                         </a:rPr>
                                       </m:ctrlPr>
                                     </m:sSubPr>
@@ -4666,6 +4128,7 @@
                                           <a:solidFill>
                                             <a:schemeClr val="tx2"/>
                                           </a:solidFill>
+                                          <a:latin typeface="Cambria Math" panose="02040503050406030204" pitchFamily="18" charset="0"/>
                                         </a:rPr>
                                         <m:t>𝑁</m:t>
                                       </m:r>
@@ -4679,6 +4142,7 @@
                                           <a:solidFill>
                                             <a:schemeClr val="tx2"/>
                                           </a:solidFill>
+                                          <a:latin typeface="Cambria Math" panose="02040503050406030204" pitchFamily="18" charset="0"/>
                                         </a:rPr>
                                         <m:t>1</m:t>
                                       </m:r>
@@ -4687,10 +4151,11 @@
                                   <m:d>
                                     <m:dPr>
                                       <m:ctrlPr>
-                                        <a:rPr lang="en-US" sz="1000">
+                                        <a:rPr lang="en-US" sz="1000" i="1">
                                           <a:solidFill>
                                             <a:schemeClr val="tx2"/>
                                           </a:solidFill>
+                                          <a:latin typeface="Cambria Math" panose="02040503050406030204" pitchFamily="18" charset="0"/>
                                         </a:rPr>
                                       </m:ctrlPr>
                                     </m:dPr>
@@ -4700,6 +4165,7 @@
                                           <a:solidFill>
                                             <a:schemeClr val="tx2"/>
                                           </a:solidFill>
+                                          <a:latin typeface="Cambria Math" panose="02040503050406030204" pitchFamily="18" charset="0"/>
                                         </a:rPr>
                                         <m:t>𝜼</m:t>
                                       </m:r>
@@ -4712,6 +4178,7 @@
                                       <a:solidFill>
                                         <a:schemeClr val="tx2"/>
                                       </a:solidFill>
+                                      <a:latin typeface="Cambria Math" panose="02040503050406030204" pitchFamily="18" charset="0"/>
                                     </a:rPr>
                                     <m:t>⋯</m:t>
                                   </m:r>
@@ -4722,6 +4189,7 @@
                                       <a:solidFill>
                                         <a:schemeClr val="tx2"/>
                                       </a:solidFill>
+                                      <a:latin typeface="Cambria Math" panose="02040503050406030204" pitchFamily="18" charset="0"/>
                                     </a:rPr>
                                     <m:t>0</m:t>
                                   </m:r>
@@ -4730,10 +4198,11 @@
                                   <m:sSub>
                                     <m:sSubPr>
                                       <m:ctrlPr>
-                                        <a:rPr lang="en-US" sz="1000">
+                                        <a:rPr lang="en-US" sz="1000" i="1">
                                           <a:solidFill>
                                             <a:schemeClr val="tx2"/>
                                           </a:solidFill>
+                                          <a:latin typeface="Cambria Math" panose="02040503050406030204" pitchFamily="18" charset="0"/>
                                         </a:rPr>
                                       </m:ctrlPr>
                                     </m:sSubPr>
@@ -4743,6 +4212,7 @@
                                           <a:solidFill>
                                             <a:schemeClr val="tx2"/>
                                           </a:solidFill>
+                                          <a:latin typeface="Cambria Math" panose="02040503050406030204" pitchFamily="18" charset="0"/>
                                         </a:rPr>
                                         <m:t>𝑁</m:t>
                                       </m:r>
@@ -4753,6 +4223,7 @@
                                           <a:solidFill>
                                             <a:schemeClr val="tx2"/>
                                           </a:solidFill>
+                                          <a:latin typeface="Cambria Math" panose="02040503050406030204" pitchFamily="18" charset="0"/>
                                         </a:rPr>
                                         <m:t>𝑘</m:t>
                                       </m:r>
@@ -4761,10 +4232,11 @@
                                   <m:d>
                                     <m:dPr>
                                       <m:ctrlPr>
-                                        <a:rPr lang="en-US" sz="1000">
+                                        <a:rPr lang="en-US" sz="1000" i="1">
                                           <a:solidFill>
                                             <a:schemeClr val="tx2"/>
                                           </a:solidFill>
+                                          <a:latin typeface="Cambria Math" panose="02040503050406030204" pitchFamily="18" charset="0"/>
                                         </a:rPr>
                                       </m:ctrlPr>
                                     </m:dPr>
@@ -4774,6 +4246,7 @@
                                           <a:solidFill>
                                             <a:schemeClr val="tx2"/>
                                           </a:solidFill>
+                                          <a:latin typeface="Cambria Math" panose="02040503050406030204" pitchFamily="18" charset="0"/>
                                         </a:rPr>
                                         <m:t>𝜼</m:t>
                                       </m:r>
@@ -4796,7 +4269,7 @@
               </p:txBody>
             </p:sp>
           </mc:Choice>
-          <mc:Fallback>
+          <mc:Fallback xmlns="">
             <p:sp>
               <p:nvSpPr>
                 <p:cNvPr id="4" name="Rectangle: Rounded Corners 3">
@@ -4934,7 +4407,7 @@
         </p:nvGrpSpPr>
         <p:grpSpPr>
           <a:xfrm>
-            <a:off x="7319043" y="3085856"/>
+            <a:off x="5087907" y="4724026"/>
             <a:ext cx="2592979" cy="1429452"/>
             <a:chOff x="758731" y="2978905"/>
             <a:chExt cx="2592979" cy="1429452"/>
@@ -5009,6 +4482,7 @@
                           <a:solidFill>
                             <a:schemeClr val="tx2"/>
                           </a:solidFill>
+                          <a:latin typeface="Cambria Math" panose="02040503050406030204" pitchFamily="18" charset="0"/>
                         </a:rPr>
                         <m:t>𝝓</m:t>
                       </m:r>
@@ -5028,10 +4502,11 @@
                         <m:accPr>
                           <m:chr m:val="̂"/>
                           <m:ctrlPr>
-                            <a:rPr lang="en-US" sz="1000">
+                            <a:rPr lang="en-US" sz="1000" i="1">
                               <a:solidFill>
                                 <a:schemeClr val="tx2"/>
                               </a:solidFill>
+                              <a:latin typeface="Cambria Math" panose="02040503050406030204" pitchFamily="18" charset="0"/>
                             </a:rPr>
                           </m:ctrlPr>
                         </m:accPr>
@@ -5041,6 +4516,7 @@
                               <a:solidFill>
                                 <a:schemeClr val="tx2"/>
                               </a:solidFill>
+                              <a:latin typeface="Cambria Math" panose="02040503050406030204" pitchFamily="18" charset="0"/>
                             </a:rPr>
                             <m:t>𝝓</m:t>
                           </m:r>
@@ -5059,13 +4535,16 @@
                   <a14:m>
                     <m:oMath xmlns:m="http://schemas.openxmlformats.org/officeDocument/2006/math">
                       <m:r>
-                        <a:rPr lang="en-US" sz="1000" i="1" dirty="0" smtClean="0">
+                        <m:rPr>
+                          <m:sty m:val="p"/>
+                        </m:rPr>
+                        <a:rPr lang="en-US" sz="1000" b="0" i="0" smtClean="0">
                           <a:solidFill>
                             <a:schemeClr val="tx2"/>
                           </a:solidFill>
                           <a:latin typeface="Cambria Math" panose="02040503050406030204" pitchFamily="18" charset="0"/>
                         </a:rPr>
-                        <m:t>𝑝</m:t>
+                        <m:t>p</m:t>
                       </m:r>
                     </m:oMath>
                   </a14:m>
@@ -5084,6 +4563,7 @@
                           <a:solidFill>
                             <a:schemeClr val="tx2"/>
                           </a:solidFill>
+                          <a:latin typeface="Cambria Math" panose="02040503050406030204" pitchFamily="18" charset="0"/>
                         </a:rPr>
                         <m:t>𝜼</m:t>
                       </m:r>
@@ -5119,16 +4599,18 @@
                             <a:solidFill>
                               <a:schemeClr val="tx2"/>
                             </a:solidFill>
+                            <a:latin typeface="Cambria Math" panose="02040503050406030204" pitchFamily="18" charset="0"/>
                           </a:rPr>
                           <m:t>𝝓</m:t>
                         </m:r>
                         <m:d>
                           <m:dPr>
                             <m:ctrlPr>
-                              <a:rPr lang="en-US" sz="1000">
+                              <a:rPr lang="en-US" sz="1000" i="1">
                                 <a:solidFill>
                                   <a:schemeClr val="tx2"/>
                                 </a:solidFill>
+                                <a:latin typeface="Cambria Math" panose="02040503050406030204" pitchFamily="18" charset="0"/>
                               </a:rPr>
                             </m:ctrlPr>
                           </m:dPr>
@@ -5138,6 +4620,7 @@
                                 <a:solidFill>
                                   <a:schemeClr val="tx2"/>
                                 </a:solidFill>
+                                <a:latin typeface="Cambria Math" panose="02040503050406030204" pitchFamily="18" charset="0"/>
                               </a:rPr>
                               <m:t>𝜼</m:t>
                             </m:r>
@@ -5148,6 +4631,7 @@
                             <a:solidFill>
                               <a:schemeClr val="tx2"/>
                             </a:solidFill>
+                            <a:latin typeface="Cambria Math" panose="02040503050406030204" pitchFamily="18" charset="0"/>
                           </a:rPr>
                           <m:t>=</m:t>
                         </m:r>
@@ -5156,6 +4640,7 @@
                             <a:solidFill>
                               <a:schemeClr val="tx2"/>
                             </a:solidFill>
+                            <a:latin typeface="Cambria Math" panose="02040503050406030204" pitchFamily="18" charset="0"/>
                           </a:rPr>
                           <m:t>𝐍</m:t>
                         </m:r>
@@ -5164,6 +4649,7 @@
                             <a:solidFill>
                               <a:schemeClr val="tx2"/>
                             </a:solidFill>
+                            <a:latin typeface="Cambria Math" panose="02040503050406030204" pitchFamily="18" charset="0"/>
                           </a:rPr>
                           <m:t>(</m:t>
                         </m:r>
@@ -5172,6 +4658,7 @@
                             <a:solidFill>
                               <a:schemeClr val="tx2"/>
                             </a:solidFill>
+                            <a:latin typeface="Cambria Math" panose="02040503050406030204" pitchFamily="18" charset="0"/>
                           </a:rPr>
                           <m:t>𝜼</m:t>
                         </m:r>
@@ -5180,6 +4667,7 @@
                             <a:solidFill>
                               <a:schemeClr val="tx2"/>
                             </a:solidFill>
+                            <a:latin typeface="Cambria Math" panose="02040503050406030204" pitchFamily="18" charset="0"/>
                           </a:rPr>
                           <m:t>)</m:t>
                         </m:r>
@@ -5187,10 +4675,11 @@
                           <m:accPr>
                             <m:chr m:val="̂"/>
                             <m:ctrlPr>
-                              <a:rPr lang="en-US" sz="1000">
+                              <a:rPr lang="en-US" sz="1000" i="1">
                                 <a:solidFill>
                                   <a:schemeClr val="tx2"/>
                                 </a:solidFill>
+                                <a:latin typeface="Cambria Math" panose="02040503050406030204" pitchFamily="18" charset="0"/>
                               </a:rPr>
                             </m:ctrlPr>
                           </m:accPr>
@@ -5200,6 +4689,7 @@
                                 <a:solidFill>
                                   <a:schemeClr val="tx2"/>
                                 </a:solidFill>
+                                <a:latin typeface="Cambria Math" panose="02040503050406030204" pitchFamily="18" charset="0"/>
                               </a:rPr>
                               <m:t>𝝓</m:t>
                             </m:r>
@@ -5357,7 +4847,7 @@
             </p:nvSpPr>
             <p:spPr>
               <a:xfrm>
-                <a:off x="543683" y="3544534"/>
+                <a:off x="429471" y="4548635"/>
                 <a:ext cx="2530333" cy="649524"/>
               </a:xfrm>
               <a:prstGeom prst="roundRect">
@@ -5445,7 +4935,7 @@
             </p:nvSpPr>
             <p:spPr>
               <a:xfrm>
-                <a:off x="543683" y="3544534"/>
+                <a:off x="429471" y="4548635"/>
                 <a:ext cx="2530333" cy="649524"/>
               </a:xfrm>
               <a:prstGeom prst="roundRect">
@@ -5494,7 +4984,7 @@
         </p:nvSpPr>
         <p:spPr>
           <a:xfrm>
-            <a:off x="878121" y="3444384"/>
+            <a:off x="763909" y="4448485"/>
             <a:ext cx="1861457" cy="200299"/>
           </a:xfrm>
           <a:prstGeom prst="roundRect">
@@ -5566,8 +5056,8 @@
         </p:nvCxnSpPr>
         <p:spPr>
           <a:xfrm rot="16200000" flipH="1">
-            <a:off x="2338236" y="929980"/>
-            <a:ext cx="426491" cy="1822663"/>
+            <a:off x="1359000" y="2237375"/>
+            <a:ext cx="1046105" cy="518272"/>
           </a:xfrm>
           <a:prstGeom prst="curvedConnector2">
             <a:avLst/>
@@ -5612,12 +5102,12 @@
         </p:nvCxnSpPr>
         <p:spPr>
           <a:xfrm rot="16200000" flipV="1">
-            <a:off x="3011841" y="-719373"/>
-            <a:ext cx="817979" cy="3417666"/>
+            <a:off x="2032605" y="588021"/>
+            <a:ext cx="1437593" cy="2113275"/>
           </a:xfrm>
           <a:prstGeom prst="curvedConnector3">
             <a:avLst>
-              <a:gd name="adj1" fmla="val 127947"/>
+              <a:gd name="adj1" fmla="val 115902"/>
             </a:avLst>
           </a:prstGeom>
           <a:ln>
@@ -5655,7 +5145,7 @@
             </p:nvSpPr>
             <p:spPr>
               <a:xfrm>
-                <a:off x="3616485" y="346774"/>
+                <a:off x="3082732" y="1315102"/>
                 <a:ext cx="824046" cy="182880"/>
               </a:xfrm>
               <a:prstGeom prst="rect">
@@ -5832,7 +5322,7 @@
             </p:nvSpPr>
             <p:spPr>
               <a:xfrm>
-                <a:off x="3616485" y="346774"/>
+                <a:off x="3082732" y="1315102"/>
                 <a:ext cx="824046" cy="182880"/>
               </a:xfrm>
               <a:prstGeom prst="rect">
@@ -5841,7 +5331,7 @@
               <a:blipFill>
                 <a:blip r:embed="rId9"/>
                 <a:stretch>
-                  <a:fillRect b="-13333"/>
+                  <a:fillRect b="-10000"/>
                 </a:stretch>
               </a:blipFill>
               <a:ln w="3175">
@@ -5880,7 +5370,7 @@
             </p:nvSpPr>
             <p:spPr>
               <a:xfrm>
-                <a:off x="2185722" y="1910483"/>
+                <a:off x="1333819" y="2371685"/>
                 <a:ext cx="731520" cy="182880"/>
               </a:xfrm>
               <a:prstGeom prst="rect">
@@ -6014,7 +5504,7 @@
             </p:nvSpPr>
             <p:spPr>
               <a:xfrm>
-                <a:off x="2185722" y="1910483"/>
+                <a:off x="1333819" y="2371685"/>
                 <a:ext cx="731520" cy="182880"/>
               </a:xfrm>
               <a:prstGeom prst="rect">
@@ -6057,20 +5547,18 @@
           </p:cNvPr>
           <p:cNvCxnSpPr>
             <a:cxnSpLocks/>
-            <a:stCxn id="27" idx="3"/>
+            <a:stCxn id="28" idx="0"/>
             <a:endCxn id="4" idx="1"/>
           </p:cNvCxnSpPr>
           <p:nvPr/>
         </p:nvCxnSpPr>
         <p:spPr>
-          <a:xfrm flipV="1">
-            <a:off x="3074016" y="2054558"/>
-            <a:ext cx="388797" cy="1814738"/>
+          <a:xfrm rot="5400000" flipH="1" flipV="1">
+            <a:off x="1203453" y="3510750"/>
+            <a:ext cx="1428921" cy="446550"/>
           </a:xfrm>
-          <a:prstGeom prst="curvedConnector3">
-            <a:avLst>
-              <a:gd name="adj1" fmla="val 50000"/>
-            </a:avLst>
+          <a:prstGeom prst="curvedConnector2">
+            <a:avLst/>
           </a:prstGeom>
           <a:ln>
             <a:solidFill>
@@ -6110,7 +5598,7 @@
             </p:nvSpPr>
             <p:spPr>
               <a:xfrm>
-                <a:off x="2800349" y="3003125"/>
+                <a:off x="1330967" y="3792376"/>
                 <a:ext cx="966651" cy="182880"/>
               </a:xfrm>
               <a:prstGeom prst="rect">
@@ -6321,7 +5809,7 @@
             </p:nvSpPr>
             <p:spPr>
               <a:xfrm>
-                <a:off x="2800349" y="3003125"/>
+                <a:off x="1330967" y="3792376"/>
                 <a:ext cx="966651" cy="182880"/>
               </a:xfrm>
               <a:prstGeom prst="rect">
@@ -6330,7 +5818,7 @@
               <a:blipFill>
                 <a:blip r:embed="rId11"/>
                 <a:stretch>
-                  <a:fillRect b="-10000"/>
+                  <a:fillRect b="-13333"/>
                 </a:stretch>
               </a:blipFill>
               <a:ln w="3175">
@@ -6371,13 +5859,932 @@
         </p:nvCxnSpPr>
         <p:spPr>
           <a:xfrm rot="16200000" flipV="1">
-            <a:off x="7190374" y="1660696"/>
-            <a:ext cx="1031298" cy="1819021"/>
+            <a:off x="5077411" y="3417040"/>
+            <a:ext cx="1704462" cy="909510"/>
           </a:xfrm>
           <a:prstGeom prst="curvedConnector2">
             <a:avLst/>
           </a:prstGeom>
           <a:ln>
+            <a:tailEnd type="triangle"/>
+          </a:ln>
+        </p:spPr>
+        <p:style>
+          <a:lnRef idx="2">
+            <a:schemeClr val="accent1"/>
+          </a:lnRef>
+          <a:fillRef idx="0">
+            <a:schemeClr val="accent1"/>
+          </a:fillRef>
+          <a:effectRef idx="1">
+            <a:schemeClr val="accent1"/>
+          </a:effectRef>
+          <a:fontRef idx="minor">
+            <a:schemeClr val="tx1"/>
+          </a:fontRef>
+        </p:style>
+      </p:cxnSp>
+      <p:cxnSp>
+        <p:nvCxnSpPr>
+          <p:cNvPr id="71" name="Connector: Curved 70">
+            <a:extLst>
+              <a:ext uri="{FF2B5EF4-FFF2-40B4-BE49-F238E27FC236}">
+                <a16:creationId xmlns:a16="http://schemas.microsoft.com/office/drawing/2014/main" id="{CBA653CE-DB91-F9AF-6C81-C2724CA035B8}"/>
+              </a:ext>
+            </a:extLst>
+          </p:cNvPr>
+          <p:cNvCxnSpPr>
+            <a:cxnSpLocks/>
+            <a:stCxn id="4" idx="2"/>
+            <a:endCxn id="3" idx="1"/>
+          </p:cNvCxnSpPr>
+          <p:nvPr/>
+        </p:nvCxnSpPr>
+        <p:spPr>
+          <a:xfrm rot="16200000" flipH="1">
+            <a:off x="3490579" y="3891499"/>
+            <a:ext cx="1914786" cy="1279869"/>
+          </a:xfrm>
+          <a:prstGeom prst="curvedConnector2">
+            <a:avLst/>
+          </a:prstGeom>
+          <a:ln>
+            <a:solidFill>
+              <a:schemeClr val="accent5"/>
+            </a:solidFill>
+            <a:tailEnd type="triangle"/>
+          </a:ln>
+        </p:spPr>
+        <p:style>
+          <a:lnRef idx="2">
+            <a:schemeClr val="accent1"/>
+          </a:lnRef>
+          <a:fillRef idx="0">
+            <a:schemeClr val="accent1"/>
+          </a:fillRef>
+          <a:effectRef idx="1">
+            <a:schemeClr val="accent1"/>
+          </a:effectRef>
+          <a:fontRef idx="minor">
+            <a:schemeClr val="tx1"/>
+          </a:fontRef>
+        </p:style>
+      </p:cxnSp>
+      <mc:AlternateContent xmlns:mc="http://schemas.openxmlformats.org/markup-compatibility/2006">
+        <mc:Choice xmlns:a14="http://schemas.microsoft.com/office/drawing/2010/main" Requires="a14">
+          <p:sp>
+            <p:nvSpPr>
+              <p:cNvPr id="74" name="Rectangle 73">
+                <a:extLst>
+                  <a:ext uri="{FF2B5EF4-FFF2-40B4-BE49-F238E27FC236}">
+                    <a16:creationId xmlns:a16="http://schemas.microsoft.com/office/drawing/2014/main" id="{FD658CDF-8F56-A113-7C7D-3D829332C147}"/>
+                  </a:ext>
+                </a:extLst>
+              </p:cNvPr>
+              <p:cNvSpPr/>
+              <p:nvPr/>
+            </p:nvSpPr>
+            <p:spPr>
+              <a:xfrm>
+                <a:off x="3623926" y="4462322"/>
+                <a:ext cx="824046" cy="182880"/>
+              </a:xfrm>
+              <a:prstGeom prst="rect">
+                <a:avLst/>
+              </a:prstGeom>
+              <a:solidFill>
+                <a:schemeClr val="accent5">
+                  <a:lumMod val="20000"/>
+                  <a:lumOff val="80000"/>
+                </a:schemeClr>
+              </a:solidFill>
+              <a:ln w="3175">
+                <a:noFill/>
+                <a:prstDash val="sysDot"/>
+              </a:ln>
+            </p:spPr>
+            <p:style>
+              <a:lnRef idx="2">
+                <a:schemeClr val="accent1">
+                  <a:shade val="15000"/>
+                </a:schemeClr>
+              </a:lnRef>
+              <a:fillRef idx="1">
+                <a:schemeClr val="accent1"/>
+              </a:fillRef>
+              <a:effectRef idx="0">
+                <a:schemeClr val="accent1"/>
+              </a:effectRef>
+              <a:fontRef idx="minor">
+                <a:schemeClr val="lt1"/>
+              </a:fontRef>
+            </p:style>
+            <p:txBody>
+              <a:bodyPr rtlCol="0" anchor="ctr"/>
+              <a:lstStyle/>
+              <a:p>
+                <a:pPr algn="ctr"/>
+                <a14:m>
+                  <m:oMathPara xmlns:m="http://schemas.openxmlformats.org/officeDocument/2006/math">
+                    <m:oMathParaPr>
+                      <m:jc m:val="centerGroup"/>
+                    </m:oMathParaPr>
+                    <m:oMath xmlns:m="http://schemas.openxmlformats.org/officeDocument/2006/math">
+                      <m:r>
+                        <a:rPr lang="en-US" sz="900" b="1" i="0" smtClean="0">
+                          <a:solidFill>
+                            <a:schemeClr val="tx1"/>
+                          </a:solidFill>
+                          <a:latin typeface="Cambria Math" panose="02040503050406030204" pitchFamily="18" charset="0"/>
+                        </a:rPr>
+                        <m:t>𝐍</m:t>
+                      </m:r>
+                      <m:r>
+                        <a:rPr lang="en-US" sz="900" b="1" i="0" smtClean="0">
+                          <a:solidFill>
+                            <a:schemeClr val="tx1"/>
+                          </a:solidFill>
+                          <a:latin typeface="Cambria Math" panose="02040503050406030204" pitchFamily="18" charset="0"/>
+                        </a:rPr>
+                        <m:t>(</m:t>
+                      </m:r>
+                      <m:r>
+                        <a:rPr lang="en-US" sz="900" b="1" i="1" smtClean="0">
+                          <a:solidFill>
+                            <a:schemeClr val="tx1"/>
+                          </a:solidFill>
+                          <a:latin typeface="Cambria Math" panose="02040503050406030204" pitchFamily="18" charset="0"/>
+                        </a:rPr>
+                        <m:t>𝜼</m:t>
+                      </m:r>
+                      <m:r>
+                        <a:rPr lang="en-US" sz="900" b="1" i="1" smtClean="0">
+                          <a:solidFill>
+                            <a:schemeClr val="tx1"/>
+                          </a:solidFill>
+                          <a:latin typeface="Cambria Math" panose="02040503050406030204" pitchFamily="18" charset="0"/>
+                        </a:rPr>
+                        <m:t>)</m:t>
+                      </m:r>
+                    </m:oMath>
+                  </m:oMathPara>
+                </a14:m>
+                <a:endParaRPr lang="en-US" sz="900" b="1" dirty="0">
+                  <a:solidFill>
+                    <a:schemeClr val="tx1"/>
+                  </a:solidFill>
+                </a:endParaRPr>
+              </a:p>
+            </p:txBody>
+          </p:sp>
+        </mc:Choice>
+        <mc:Fallback>
+          <p:sp>
+            <p:nvSpPr>
+              <p:cNvPr id="74" name="Rectangle 73">
+                <a:extLst>
+                  <a:ext uri="{FF2B5EF4-FFF2-40B4-BE49-F238E27FC236}">
+                    <a16:creationId xmlns:a16="http://schemas.microsoft.com/office/drawing/2014/main" id="{FD658CDF-8F56-A113-7C7D-3D829332C147}"/>
+                  </a:ext>
+                </a:extLst>
+              </p:cNvPr>
+              <p:cNvSpPr>
+                <a:spLocks noRot="1" noChangeAspect="1" noMove="1" noResize="1" noEditPoints="1" noAdjustHandles="1" noChangeArrowheads="1" noChangeShapeType="1" noTextEdit="1"/>
+              </p:cNvSpPr>
+              <p:nvPr/>
+            </p:nvSpPr>
+            <p:spPr>
+              <a:xfrm>
+                <a:off x="3623926" y="4462322"/>
+                <a:ext cx="824046" cy="182880"/>
+              </a:xfrm>
+              <a:prstGeom prst="rect">
+                <a:avLst/>
+              </a:prstGeom>
+              <a:blipFill>
+                <a:blip r:embed="rId12"/>
+                <a:stretch>
+                  <a:fillRect b="-13333"/>
+                </a:stretch>
+              </a:blipFill>
+              <a:ln w="3175">
+                <a:noFill/>
+                <a:prstDash val="sysDot"/>
+              </a:ln>
+            </p:spPr>
+            <p:txBody>
+              <a:bodyPr/>
+              <a:lstStyle/>
+              <a:p>
+                <a:r>
+                  <a:rPr lang="en-US">
+                    <a:noFill/>
+                  </a:rPr>
+                  <a:t> </a:t>
+                </a:r>
+              </a:p>
+            </p:txBody>
+          </p:sp>
+        </mc:Fallback>
+      </mc:AlternateContent>
+      <p:sp>
+        <p:nvSpPr>
+          <p:cNvPr id="79" name="Rectangle: Rounded Corners 78">
+            <a:extLst>
+              <a:ext uri="{FF2B5EF4-FFF2-40B4-BE49-F238E27FC236}">
+                <a16:creationId xmlns:a16="http://schemas.microsoft.com/office/drawing/2014/main" id="{8C710B8A-6EE8-B392-1B23-818A844BDE04}"/>
+              </a:ext>
+            </a:extLst>
+          </p:cNvPr>
+          <p:cNvSpPr/>
+          <p:nvPr/>
+        </p:nvSpPr>
+        <p:spPr>
+          <a:xfrm>
+            <a:off x="6031655" y="566972"/>
+            <a:ext cx="1861458" cy="259758"/>
+          </a:xfrm>
+          <a:prstGeom prst="roundRect">
+            <a:avLst>
+              <a:gd name="adj" fmla="val 0"/>
+            </a:avLst>
+          </a:prstGeom>
+          <a:solidFill>
+            <a:schemeClr val="accent3"/>
+          </a:solidFill>
+          <a:ln w="6350">
+            <a:solidFill>
+              <a:schemeClr val="accent3"/>
+            </a:solidFill>
+          </a:ln>
+        </p:spPr>
+        <p:style>
+          <a:lnRef idx="2">
+            <a:schemeClr val="accent1">
+              <a:shade val="15000"/>
+            </a:schemeClr>
+          </a:lnRef>
+          <a:fillRef idx="1">
+            <a:schemeClr val="accent1"/>
+          </a:fillRef>
+          <a:effectRef idx="0">
+            <a:schemeClr val="accent1"/>
+          </a:effectRef>
+          <a:fontRef idx="minor">
+            <a:schemeClr val="lt1"/>
+          </a:fontRef>
+        </p:style>
+        <p:txBody>
+          <a:bodyPr rtlCol="0" anchor="ctr"/>
+          <a:lstStyle/>
+          <a:p>
+            <a:pPr algn="ctr"/>
+            <a:r>
+              <a:rPr lang="en-US" sz="1100" b="1" dirty="0">
+                <a:solidFill>
+                  <a:schemeClr val="accent6">
+                    <a:lumMod val="20000"/>
+                    <a:lumOff val="80000"/>
+                  </a:schemeClr>
+                </a:solidFill>
+              </a:rPr>
+              <a:t>Generic 2D element class</a:t>
+            </a:r>
+            <a:endParaRPr lang="en-US" sz="1100" dirty="0">
+              <a:solidFill>
+                <a:schemeClr val="accent6">
+                  <a:lumMod val="20000"/>
+                  <a:lumOff val="80000"/>
+                </a:schemeClr>
+              </a:solidFill>
+            </a:endParaRPr>
+          </a:p>
+        </p:txBody>
+      </p:sp>
+      <mc:AlternateContent xmlns:mc="http://schemas.openxmlformats.org/markup-compatibility/2006">
+        <mc:Choice xmlns:a14="http://schemas.microsoft.com/office/drawing/2010/main" Requires="a14">
+          <p:sp>
+            <p:nvSpPr>
+              <p:cNvPr id="17" name="Rectangle: Rounded Corners 16">
+                <a:extLst>
+                  <a:ext uri="{FF2B5EF4-FFF2-40B4-BE49-F238E27FC236}">
+                    <a16:creationId xmlns:a16="http://schemas.microsoft.com/office/drawing/2014/main" id="{7F703718-46E1-C9C3-74EA-E80EA3511113}"/>
+                  </a:ext>
+                </a:extLst>
+              </p:cNvPr>
+              <p:cNvSpPr/>
+              <p:nvPr/>
+            </p:nvSpPr>
+            <p:spPr>
+              <a:xfrm>
+                <a:off x="9050790" y="1584227"/>
+                <a:ext cx="2053048" cy="1049836"/>
+              </a:xfrm>
+              <a:prstGeom prst="roundRect">
+                <a:avLst>
+                  <a:gd name="adj" fmla="val 4292"/>
+                </a:avLst>
+              </a:prstGeom>
+              <a:solidFill>
+                <a:schemeClr val="accent2">
+                  <a:lumMod val="20000"/>
+                  <a:lumOff val="80000"/>
+                </a:schemeClr>
+              </a:solidFill>
+              <a:ln w="6350">
+                <a:solidFill>
+                  <a:schemeClr val="accent1"/>
+                </a:solidFill>
+              </a:ln>
+            </p:spPr>
+            <p:style>
+              <a:lnRef idx="2">
+                <a:schemeClr val="accent1">
+                  <a:shade val="15000"/>
+                </a:schemeClr>
+              </a:lnRef>
+              <a:fillRef idx="1">
+                <a:schemeClr val="accent1"/>
+              </a:fillRef>
+              <a:effectRef idx="0">
+                <a:schemeClr val="accent1"/>
+              </a:effectRef>
+              <a:fontRef idx="minor">
+                <a:schemeClr val="lt1"/>
+              </a:fontRef>
+            </p:style>
+            <p:txBody>
+              <a:bodyPr rtlCol="0" anchor="ctr"/>
+              <a:lstStyle/>
+              <a:p>
+                <a:pPr algn="ctr"/>
+                <a:r>
+                  <a:rPr lang="en-US" sz="1000" dirty="0">
+                    <a:solidFill>
+                      <a:schemeClr val="tx2"/>
+                    </a:solidFill>
+                  </a:rPr>
+                  <a:t>Plot the value of each shape function for the element </a:t>
+                </a:r>
+                <a14:m>
+                  <m:oMath xmlns:m="http://schemas.openxmlformats.org/officeDocument/2006/math">
+                    <m:sSub>
+                      <m:sSubPr>
+                        <m:ctrlPr>
+                          <a:rPr lang="en-US" sz="1000" b="0" i="1" smtClean="0">
+                            <a:solidFill>
+                              <a:schemeClr val="tx2"/>
+                            </a:solidFill>
+                            <a:latin typeface="Cambria Math" panose="02040503050406030204" pitchFamily="18" charset="0"/>
+                          </a:rPr>
+                        </m:ctrlPr>
+                      </m:sSubPr>
+                      <m:e>
+                        <m:r>
+                          <a:rPr lang="en-US" sz="1000" b="0" i="1" smtClean="0">
+                            <a:solidFill>
+                              <a:schemeClr val="tx2"/>
+                            </a:solidFill>
+                            <a:latin typeface="Cambria Math" panose="02040503050406030204" pitchFamily="18" charset="0"/>
+                          </a:rPr>
+                          <m:t>𝑁</m:t>
+                        </m:r>
+                      </m:e>
+                      <m:sub>
+                        <m:r>
+                          <a:rPr lang="en-US" sz="1000" b="0" i="1" smtClean="0">
+                            <a:solidFill>
+                              <a:schemeClr val="tx2"/>
+                            </a:solidFill>
+                            <a:latin typeface="Cambria Math" panose="02040503050406030204" pitchFamily="18" charset="0"/>
+                          </a:rPr>
+                          <m:t>𝑖</m:t>
+                        </m:r>
+                      </m:sub>
+                    </m:sSub>
+                  </m:oMath>
+                </a14:m>
+                <a:r>
+                  <a:rPr lang="en-US" sz="1000" dirty="0">
+                    <a:solidFill>
+                      <a:schemeClr val="tx2"/>
+                    </a:solidFill>
+                  </a:rPr>
+                  <a:t> in either the natural (</a:t>
+                </a:r>
+                <a14:m>
+                  <m:oMath xmlns:m="http://schemas.openxmlformats.org/officeDocument/2006/math">
+                    <m:r>
+                      <a:rPr lang="en-US" sz="1000" b="1" i="1" smtClean="0">
+                        <a:solidFill>
+                          <a:schemeClr val="tx2"/>
+                        </a:solidFill>
+                        <a:latin typeface="Cambria Math" panose="02040503050406030204" pitchFamily="18" charset="0"/>
+                      </a:rPr>
+                      <m:t>𝜼</m:t>
+                    </m:r>
+                  </m:oMath>
+                </a14:m>
+                <a:r>
+                  <a:rPr lang="en-US" sz="1000" dirty="0">
+                    <a:solidFill>
+                      <a:schemeClr val="tx2"/>
+                    </a:solidFill>
+                  </a:rPr>
+                  <a:t>) or local (</a:t>
+                </a:r>
+                <a14:m>
+                  <m:oMath xmlns:m="http://schemas.openxmlformats.org/officeDocument/2006/math">
+                    <m:r>
+                      <a:rPr lang="en-US" sz="1000" b="1" i="1" smtClean="0">
+                        <a:solidFill>
+                          <a:schemeClr val="tx2"/>
+                        </a:solidFill>
+                        <a:latin typeface="Cambria Math" panose="02040503050406030204" pitchFamily="18" charset="0"/>
+                      </a:rPr>
+                      <m:t>𝒙</m:t>
+                    </m:r>
+                  </m:oMath>
+                </a14:m>
+                <a:r>
+                  <a:rPr lang="en-US" sz="1000" dirty="0">
+                    <a:solidFill>
+                      <a:schemeClr val="tx2"/>
+                    </a:solidFill>
+                  </a:rPr>
+                  <a:t>) coordinate systems for a </a:t>
+                </a:r>
+                <a14:m>
+                  <m:oMath xmlns:m="http://schemas.openxmlformats.org/officeDocument/2006/math">
+                    <m:r>
+                      <m:rPr>
+                        <m:sty m:val="p"/>
+                      </m:rPr>
+                      <a:rPr lang="en-US" sz="1000" i="0" smtClean="0">
+                        <a:solidFill>
+                          <a:schemeClr val="tx2"/>
+                        </a:solidFill>
+                        <a:latin typeface="Cambria Math" panose="02040503050406030204" pitchFamily="18" charset="0"/>
+                      </a:rPr>
+                      <m:t>p</m:t>
+                    </m:r>
+                    <m:r>
+                      <a:rPr lang="en-US" sz="1000" b="0" i="0" smtClean="0">
+                        <a:solidFill>
+                          <a:schemeClr val="tx2"/>
+                        </a:solidFill>
+                        <a:latin typeface="Cambria Math" panose="02040503050406030204" pitchFamily="18" charset="0"/>
+                      </a:rPr>
+                      <m:t> </m:t>
+                    </m:r>
+                    <m:r>
+                      <m:rPr>
+                        <m:sty m:val="p"/>
+                      </m:rPr>
+                      <a:rPr lang="en-US" sz="1000" b="0" i="0" smtClean="0">
+                        <a:solidFill>
+                          <a:schemeClr val="tx2"/>
+                        </a:solidFill>
+                        <a:latin typeface="Cambria Math" panose="02040503050406030204" pitchFamily="18" charset="0"/>
+                      </a:rPr>
+                      <m:t>x</m:t>
+                    </m:r>
+                    <m:r>
+                      <a:rPr lang="en-US" sz="1000" b="0" i="0" smtClean="0">
+                        <a:solidFill>
+                          <a:schemeClr val="tx2"/>
+                        </a:solidFill>
+                        <a:latin typeface="Cambria Math" panose="02040503050406030204" pitchFamily="18" charset="0"/>
+                      </a:rPr>
+                      <m:t> </m:t>
+                    </m:r>
+                    <m:r>
+                      <m:rPr>
+                        <m:sty m:val="p"/>
+                      </m:rPr>
+                      <a:rPr lang="en-US" sz="1000" b="0" i="0" smtClean="0">
+                        <a:solidFill>
+                          <a:schemeClr val="tx2"/>
+                        </a:solidFill>
+                        <a:latin typeface="Cambria Math" panose="02040503050406030204" pitchFamily="18" charset="0"/>
+                      </a:rPr>
+                      <m:t>p</m:t>
+                    </m:r>
+                  </m:oMath>
+                </a14:m>
+                <a:r>
+                  <a:rPr lang="en-US" sz="1000" dirty="0">
+                    <a:solidFill>
+                      <a:schemeClr val="tx2"/>
+                    </a:solidFill>
+                  </a:rPr>
+                  <a:t> grid of coordinates</a:t>
+                </a:r>
+              </a:p>
+            </p:txBody>
+          </p:sp>
+        </mc:Choice>
+        <mc:Fallback>
+          <p:sp>
+            <p:nvSpPr>
+              <p:cNvPr id="17" name="Rectangle: Rounded Corners 16">
+                <a:extLst>
+                  <a:ext uri="{FF2B5EF4-FFF2-40B4-BE49-F238E27FC236}">
+                    <a16:creationId xmlns:a16="http://schemas.microsoft.com/office/drawing/2014/main" id="{7F703718-46E1-C9C3-74EA-E80EA3511113}"/>
+                  </a:ext>
+                </a:extLst>
+              </p:cNvPr>
+              <p:cNvSpPr>
+                <a:spLocks noRot="1" noChangeAspect="1" noMove="1" noResize="1" noEditPoints="1" noAdjustHandles="1" noChangeArrowheads="1" noChangeShapeType="1" noTextEdit="1"/>
+              </p:cNvSpPr>
+              <p:nvPr/>
+            </p:nvSpPr>
+            <p:spPr>
+              <a:xfrm>
+                <a:off x="9050790" y="1584227"/>
+                <a:ext cx="2053048" cy="1049836"/>
+              </a:xfrm>
+              <a:prstGeom prst="roundRect">
+                <a:avLst>
+                  <a:gd name="adj" fmla="val 4292"/>
+                </a:avLst>
+              </a:prstGeom>
+              <a:blipFill>
+                <a:blip r:embed="rId13"/>
+                <a:stretch>
+                  <a:fillRect/>
+                </a:stretch>
+              </a:blipFill>
+              <a:ln w="6350">
+                <a:solidFill>
+                  <a:schemeClr val="accent1"/>
+                </a:solidFill>
+              </a:ln>
+            </p:spPr>
+            <p:txBody>
+              <a:bodyPr/>
+              <a:lstStyle/>
+              <a:p>
+                <a:r>
+                  <a:rPr lang="en-US">
+                    <a:noFill/>
+                  </a:rPr>
+                  <a:t> </a:t>
+                </a:r>
+              </a:p>
+            </p:txBody>
+          </p:sp>
+        </mc:Fallback>
+      </mc:AlternateContent>
+      <p:sp>
+        <p:nvSpPr>
+          <p:cNvPr id="21" name="Rectangle: Rounded Corners 20">
+            <a:extLst>
+              <a:ext uri="{FF2B5EF4-FFF2-40B4-BE49-F238E27FC236}">
+                <a16:creationId xmlns:a16="http://schemas.microsoft.com/office/drawing/2014/main" id="{4B692998-8BA8-64BF-74AE-86E4CFC5C414}"/>
+              </a:ext>
+            </a:extLst>
+          </p:cNvPr>
+          <p:cNvSpPr/>
+          <p:nvPr/>
+        </p:nvSpPr>
+        <p:spPr>
+          <a:xfrm>
+            <a:off x="9146586" y="1484078"/>
+            <a:ext cx="1861457" cy="200299"/>
+          </a:xfrm>
+          <a:prstGeom prst="roundRect">
+            <a:avLst>
+              <a:gd name="adj" fmla="val 50000"/>
+            </a:avLst>
+          </a:prstGeom>
+          <a:solidFill>
+            <a:schemeClr val="tx2"/>
+          </a:solidFill>
+          <a:ln w="6350">
+            <a:solidFill>
+              <a:schemeClr val="tx1"/>
+            </a:solidFill>
+          </a:ln>
+        </p:spPr>
+        <p:style>
+          <a:lnRef idx="2">
+            <a:schemeClr val="accent1">
+              <a:shade val="15000"/>
+            </a:schemeClr>
+          </a:lnRef>
+          <a:fillRef idx="1">
+            <a:schemeClr val="accent1"/>
+          </a:fillRef>
+          <a:effectRef idx="0">
+            <a:schemeClr val="accent1"/>
+          </a:effectRef>
+          <a:fontRef idx="minor">
+            <a:schemeClr val="lt1"/>
+          </a:fontRef>
+        </p:style>
+        <p:txBody>
+          <a:bodyPr rtlCol="0" anchor="ctr"/>
+          <a:lstStyle/>
+          <a:p>
+            <a:pPr algn="ctr"/>
+            <a:r>
+              <a:rPr lang="en-US" sz="1000" b="1" dirty="0" err="1">
+                <a:solidFill>
+                  <a:schemeClr val="bg1"/>
+                </a:solidFill>
+              </a:rPr>
+              <a:t>plot_shape_functions</a:t>
+            </a:r>
+            <a:endParaRPr lang="en-US" sz="1000" b="1" dirty="0">
+              <a:solidFill>
+                <a:schemeClr val="bg1"/>
+              </a:solidFill>
+            </a:endParaRPr>
+          </a:p>
+        </p:txBody>
+      </p:sp>
+      <p:cxnSp>
+        <p:nvCxnSpPr>
+          <p:cNvPr id="22" name="Connector: Curved 21">
+            <a:extLst>
+              <a:ext uri="{FF2B5EF4-FFF2-40B4-BE49-F238E27FC236}">
+                <a16:creationId xmlns:a16="http://schemas.microsoft.com/office/drawing/2014/main" id="{4CF4F8DA-D040-A216-076C-B74EFE685A5F}"/>
+              </a:ext>
+            </a:extLst>
+          </p:cNvPr>
+          <p:cNvCxnSpPr>
+            <a:cxnSpLocks/>
+            <a:stCxn id="17" idx="2"/>
+            <a:endCxn id="3" idx="3"/>
+          </p:cNvCxnSpPr>
+          <p:nvPr/>
+        </p:nvCxnSpPr>
+        <p:spPr>
+          <a:xfrm rot="5400000">
+            <a:off x="7451718" y="2863231"/>
+            <a:ext cx="2854764" cy="2396428"/>
+          </a:xfrm>
+          <a:prstGeom prst="curvedConnector2">
+            <a:avLst/>
+          </a:prstGeom>
+          <a:ln>
+            <a:tailEnd type="triangle"/>
+          </a:ln>
+        </p:spPr>
+        <p:style>
+          <a:lnRef idx="2">
+            <a:schemeClr val="accent1"/>
+          </a:lnRef>
+          <a:fillRef idx="0">
+            <a:schemeClr val="accent1"/>
+          </a:fillRef>
+          <a:effectRef idx="1">
+            <a:schemeClr val="accent1"/>
+          </a:effectRef>
+          <a:fontRef idx="minor">
+            <a:schemeClr val="tx1"/>
+          </a:fontRef>
+        </p:style>
+      </p:cxnSp>
+      <mc:AlternateContent xmlns:mc="http://schemas.openxmlformats.org/markup-compatibility/2006">
+        <mc:Choice xmlns:a14="http://schemas.microsoft.com/office/drawing/2010/main" Requires="a14">
+          <p:sp>
+            <p:nvSpPr>
+              <p:cNvPr id="29" name="Rectangle 28">
+                <a:extLst>
+                  <a:ext uri="{FF2B5EF4-FFF2-40B4-BE49-F238E27FC236}">
+                    <a16:creationId xmlns:a16="http://schemas.microsoft.com/office/drawing/2014/main" id="{F2081628-EE62-E6A4-3D52-BB83408CA877}"/>
+                  </a:ext>
+                </a:extLst>
+              </p:cNvPr>
+              <p:cNvSpPr/>
+              <p:nvPr/>
+            </p:nvSpPr>
+            <p:spPr>
+              <a:xfrm>
+                <a:off x="9085952" y="4139196"/>
+                <a:ext cx="824046" cy="409438"/>
+              </a:xfrm>
+              <a:prstGeom prst="rect">
+                <a:avLst/>
+              </a:prstGeom>
+              <a:solidFill>
+                <a:schemeClr val="accent4">
+                  <a:lumMod val="20000"/>
+                  <a:lumOff val="80000"/>
+                </a:schemeClr>
+              </a:solidFill>
+              <a:ln w="3175">
+                <a:noFill/>
+                <a:prstDash val="sysDot"/>
+              </a:ln>
+            </p:spPr>
+            <p:style>
+              <a:lnRef idx="2">
+                <a:schemeClr val="accent1">
+                  <a:shade val="15000"/>
+                </a:schemeClr>
+              </a:lnRef>
+              <a:fillRef idx="1">
+                <a:schemeClr val="accent1"/>
+              </a:fillRef>
+              <a:effectRef idx="0">
+                <a:schemeClr val="accent1"/>
+              </a:effectRef>
+              <a:fontRef idx="minor">
+                <a:schemeClr val="lt1"/>
+              </a:fontRef>
+            </p:style>
+            <p:txBody>
+              <a:bodyPr rtlCol="0" anchor="ctr"/>
+              <a:lstStyle/>
+              <a:p>
+                <a:pPr algn="ctr"/>
+                <a14:m>
+                  <m:oMathPara xmlns:m="http://schemas.openxmlformats.org/officeDocument/2006/math">
+                    <m:oMathParaPr>
+                      <m:jc m:val="centerGroup"/>
+                    </m:oMathParaPr>
+                    <m:oMath xmlns:m="http://schemas.openxmlformats.org/officeDocument/2006/math">
+                      <m:r>
+                        <a:rPr lang="en-US" sz="900" b="1" i="1">
+                          <a:solidFill>
+                            <a:schemeClr val="tx1"/>
+                          </a:solidFill>
+                          <a:latin typeface="Cambria Math" panose="02040503050406030204" pitchFamily="18" charset="0"/>
+                        </a:rPr>
+                        <m:t>𝒑</m:t>
+                      </m:r>
+                      <m:r>
+                        <a:rPr lang="en-US" sz="900" b="1" i="1">
+                          <a:solidFill>
+                            <a:schemeClr val="tx1"/>
+                          </a:solidFill>
+                          <a:latin typeface="Cambria Math" panose="02040503050406030204" pitchFamily="18" charset="0"/>
+                        </a:rPr>
+                        <m:t>:</m:t>
+                      </m:r>
+                      <m:r>
+                        <a:rPr lang="en-US" sz="900" b="1" i="1">
+                          <a:solidFill>
+                            <a:schemeClr val="tx1"/>
+                          </a:solidFill>
+                          <a:latin typeface="Cambria Math" panose="02040503050406030204" pitchFamily="18" charset="0"/>
+                        </a:rPr>
+                        <m:t>𝒈𝒓𝒊𝒅</m:t>
+                      </m:r>
+                      <m:r>
+                        <a:rPr lang="en-US" sz="900" b="1" i="1">
+                          <a:solidFill>
+                            <a:schemeClr val="tx1"/>
+                          </a:solidFill>
+                          <a:latin typeface="Cambria Math" panose="02040503050406030204" pitchFamily="18" charset="0"/>
+                        </a:rPr>
+                        <m:t> </m:t>
+                      </m:r>
+                      <m:r>
+                        <a:rPr lang="en-US" sz="900" b="1" i="1">
+                          <a:solidFill>
+                            <a:schemeClr val="tx1"/>
+                          </a:solidFill>
+                          <a:latin typeface="Cambria Math" panose="02040503050406030204" pitchFamily="18" charset="0"/>
+                        </a:rPr>
+                        <m:t>𝒔𝒊𝒛𝒆</m:t>
+                      </m:r>
+                    </m:oMath>
+                  </m:oMathPara>
+                </a14:m>
+                <a:endParaRPr lang="en-US" sz="900" b="1" dirty="0">
+                  <a:solidFill>
+                    <a:schemeClr val="tx1"/>
+                  </a:solidFill>
+                </a:endParaRPr>
+              </a:p>
+              <a:p>
+                <a:pPr algn="ctr"/>
+                <a14:m>
+                  <m:oMathPara xmlns:m="http://schemas.openxmlformats.org/officeDocument/2006/math">
+                    <m:oMathParaPr>
+                      <m:jc m:val="centerGroup"/>
+                    </m:oMathParaPr>
+                    <m:oMath xmlns:m="http://schemas.openxmlformats.org/officeDocument/2006/math">
+                      <m:r>
+                        <a:rPr lang="en-US" sz="900" b="1" i="1">
+                          <a:solidFill>
+                            <a:schemeClr val="tx1"/>
+                          </a:solidFill>
+                          <a:latin typeface="Cambria Math" panose="02040503050406030204" pitchFamily="18" charset="0"/>
+                        </a:rPr>
+                        <m:t>𝒄𝒐𝒐𝒓𝒅</m:t>
+                      </m:r>
+                      <m:r>
+                        <a:rPr lang="en-US" sz="900" b="1" i="1">
+                          <a:solidFill>
+                            <a:schemeClr val="tx1"/>
+                          </a:solidFill>
+                          <a:latin typeface="Cambria Math" panose="02040503050406030204" pitchFamily="18" charset="0"/>
+                        </a:rPr>
+                        <m:t>. </m:t>
+                      </m:r>
+                      <m:r>
+                        <a:rPr lang="en-US" sz="900" b="1" i="1">
+                          <a:solidFill>
+                            <a:schemeClr val="tx1"/>
+                          </a:solidFill>
+                          <a:latin typeface="Cambria Math" panose="02040503050406030204" pitchFamily="18" charset="0"/>
+                        </a:rPr>
+                        <m:t>𝒔𝒚𝒔</m:t>
+                      </m:r>
+                    </m:oMath>
+                  </m:oMathPara>
+                </a14:m>
+                <a:endParaRPr lang="en-US" sz="900" b="1" dirty="0">
+                  <a:solidFill>
+                    <a:schemeClr val="tx1"/>
+                  </a:solidFill>
+                </a:endParaRPr>
+              </a:p>
+            </p:txBody>
+          </p:sp>
+        </mc:Choice>
+        <mc:Fallback>
+          <p:sp>
+            <p:nvSpPr>
+              <p:cNvPr id="29" name="Rectangle 28">
+                <a:extLst>
+                  <a:ext uri="{FF2B5EF4-FFF2-40B4-BE49-F238E27FC236}">
+                    <a16:creationId xmlns:a16="http://schemas.microsoft.com/office/drawing/2014/main" id="{F2081628-EE62-E6A4-3D52-BB83408CA877}"/>
+                  </a:ext>
+                </a:extLst>
+              </p:cNvPr>
+              <p:cNvSpPr>
+                <a:spLocks noRot="1" noChangeAspect="1" noMove="1" noResize="1" noEditPoints="1" noAdjustHandles="1" noChangeArrowheads="1" noChangeShapeType="1" noTextEdit="1"/>
+              </p:cNvSpPr>
+              <p:nvPr/>
+            </p:nvSpPr>
+            <p:spPr>
+              <a:xfrm>
+                <a:off x="9085952" y="4139196"/>
+                <a:ext cx="824046" cy="409438"/>
+              </a:xfrm>
+              <a:prstGeom prst="rect">
+                <a:avLst/>
+              </a:prstGeom>
+              <a:blipFill>
+                <a:blip r:embed="rId14"/>
+                <a:stretch>
+                  <a:fillRect/>
+                </a:stretch>
+              </a:blipFill>
+              <a:ln w="3175">
+                <a:noFill/>
+                <a:prstDash val="sysDot"/>
+              </a:ln>
+            </p:spPr>
+            <p:txBody>
+              <a:bodyPr/>
+              <a:lstStyle/>
+              <a:p>
+                <a:r>
+                  <a:rPr lang="en-US">
+                    <a:noFill/>
+                  </a:rPr>
+                  <a:t> </a:t>
+                </a:r>
+              </a:p>
+            </p:txBody>
+          </p:sp>
+        </mc:Fallback>
+      </mc:AlternateContent>
+      <p:cxnSp>
+        <p:nvCxnSpPr>
+          <p:cNvPr id="35" name="Connector: Curved 34">
+            <a:extLst>
+              <a:ext uri="{FF2B5EF4-FFF2-40B4-BE49-F238E27FC236}">
+                <a16:creationId xmlns:a16="http://schemas.microsoft.com/office/drawing/2014/main" id="{2E87D520-32EF-158C-63CC-8308CDDF29E0}"/>
+              </a:ext>
+            </a:extLst>
+          </p:cNvPr>
+          <p:cNvCxnSpPr>
+            <a:cxnSpLocks/>
+            <a:stCxn id="25" idx="0"/>
+            <a:endCxn id="17" idx="1"/>
+          </p:cNvCxnSpPr>
+          <p:nvPr/>
+        </p:nvCxnSpPr>
+        <p:spPr>
+          <a:xfrm rot="5400000" flipH="1" flipV="1">
+            <a:off x="6410153" y="2083390"/>
+            <a:ext cx="2614881" cy="2666393"/>
+          </a:xfrm>
+          <a:prstGeom prst="curvedConnector2">
+            <a:avLst/>
+          </a:prstGeom>
+          <a:ln>
+            <a:solidFill>
+              <a:schemeClr val="accent5"/>
+            </a:solidFill>
             <a:tailEnd type="triangle"/>
           </a:ln>
         </p:spPr>
@@ -6412,7 +6819,7 @@
             </p:nvSpPr>
             <p:spPr>
               <a:xfrm>
-                <a:off x="7706023" y="2295887"/>
+                <a:off x="5661590" y="3391160"/>
                 <a:ext cx="824046" cy="182880"/>
               </a:xfrm>
               <a:prstGeom prst="rect">
@@ -6589,14 +6996,2619 @@
             </p:nvSpPr>
             <p:spPr>
               <a:xfrm>
-                <a:off x="7706023" y="2295887"/>
+                <a:off x="5661590" y="3391160"/>
                 <a:ext cx="824046" cy="182880"/>
               </a:xfrm>
               <a:prstGeom prst="rect">
                 <a:avLst/>
               </a:prstGeom>
               <a:blipFill>
-                <a:blip r:embed="rId12"/>
+                <a:blip r:embed="rId15"/>
+                <a:stretch>
+                  <a:fillRect b="-13333"/>
+                </a:stretch>
+              </a:blipFill>
+              <a:ln w="3175">
+                <a:noFill/>
+                <a:prstDash val="sysDot"/>
+              </a:ln>
+            </p:spPr>
+            <p:txBody>
+              <a:bodyPr/>
+              <a:lstStyle/>
+              <a:p>
+                <a:r>
+                  <a:rPr lang="en-US">
+                    <a:noFill/>
+                  </a:rPr>
+                  <a:t> </a:t>
+                </a:r>
+              </a:p>
+            </p:txBody>
+          </p:sp>
+        </mc:Fallback>
+      </mc:AlternateContent>
+      <mc:AlternateContent xmlns:mc="http://schemas.openxmlformats.org/markup-compatibility/2006">
+        <mc:Choice xmlns:a14="http://schemas.microsoft.com/office/drawing/2010/main" Requires="a14">
+          <p:sp>
+            <p:nvSpPr>
+              <p:cNvPr id="43" name="Rectangle 42">
+                <a:extLst>
+                  <a:ext uri="{FF2B5EF4-FFF2-40B4-BE49-F238E27FC236}">
+                    <a16:creationId xmlns:a16="http://schemas.microsoft.com/office/drawing/2014/main" id="{C270D549-046F-EC4F-1E4B-9A045C3FB6FE}"/>
+                  </a:ext>
+                </a:extLst>
+              </p:cNvPr>
+              <p:cNvSpPr/>
+              <p:nvPr/>
+            </p:nvSpPr>
+            <p:spPr>
+              <a:xfrm>
+                <a:off x="6599331" y="2634062"/>
+                <a:ext cx="1431588" cy="382005"/>
+              </a:xfrm>
+              <a:prstGeom prst="rect">
+                <a:avLst/>
+              </a:prstGeom>
+              <a:solidFill>
+                <a:schemeClr val="accent5">
+                  <a:lumMod val="20000"/>
+                  <a:lumOff val="80000"/>
+                </a:schemeClr>
+              </a:solidFill>
+              <a:ln w="3175">
+                <a:noFill/>
+                <a:prstDash val="sysDot"/>
+              </a:ln>
+            </p:spPr>
+            <p:style>
+              <a:lnRef idx="2">
+                <a:schemeClr val="accent1">
+                  <a:shade val="15000"/>
+                </a:schemeClr>
+              </a:lnRef>
+              <a:fillRef idx="1">
+                <a:schemeClr val="accent1"/>
+              </a:fillRef>
+              <a:effectRef idx="0">
+                <a:schemeClr val="accent1"/>
+              </a:effectRef>
+              <a:fontRef idx="minor">
+                <a:schemeClr val="lt1"/>
+              </a:fontRef>
+            </p:style>
+            <p:txBody>
+              <a:bodyPr rtlCol="0" anchor="ctr"/>
+              <a:lstStyle/>
+              <a:p>
+                <a:pPr algn="ctr"/>
+                <a14:m>
+                  <m:oMath xmlns:m="http://schemas.openxmlformats.org/officeDocument/2006/math">
+                    <m:r>
+                      <a:rPr lang="en-US" sz="900" b="1">
+                        <a:solidFill>
+                          <a:schemeClr val="tx1"/>
+                        </a:solidFill>
+                      </a:rPr>
+                      <m:t>𝝓</m:t>
+                    </m:r>
+                    <m:d>
+                      <m:dPr>
+                        <m:ctrlPr>
+                          <a:rPr lang="en-US" sz="900" b="1">
+                            <a:solidFill>
+                              <a:schemeClr val="tx1"/>
+                            </a:solidFill>
+                          </a:rPr>
+                        </m:ctrlPr>
+                      </m:dPr>
+                      <m:e>
+                        <m:r>
+                          <a:rPr lang="en-US" sz="900" b="1">
+                            <a:solidFill>
+                              <a:schemeClr val="tx1"/>
+                            </a:solidFill>
+                          </a:rPr>
+                          <m:t>𝜼</m:t>
+                        </m:r>
+                      </m:e>
+                    </m:d>
+                  </m:oMath>
+                </a14:m>
+                <a:r>
+                  <a:rPr lang="en-US" sz="900" b="1" dirty="0">
+                    <a:solidFill>
+                      <a:schemeClr val="tx1"/>
+                    </a:solidFill>
+                  </a:rPr>
+                  <a:t>: </a:t>
+                </a:r>
+                <a14:m>
+                  <m:oMath xmlns:m="http://schemas.openxmlformats.org/officeDocument/2006/math">
+                    <m:r>
+                      <a:rPr lang="en-US" sz="900" b="1">
+                        <a:solidFill>
+                          <a:schemeClr val="tx1"/>
+                        </a:solidFill>
+                      </a:rPr>
+                      <m:t>𝜼</m:t>
+                    </m:r>
+                  </m:oMath>
+                </a14:m>
+                <a:r>
+                  <a:rPr lang="en-US" sz="900" b="1" dirty="0">
+                    <a:solidFill>
+                      <a:schemeClr val="tx1"/>
+                    </a:solidFill>
+                  </a:rPr>
+                  <a:t> or </a:t>
+                </a:r>
+                <a14:m>
+                  <m:oMath xmlns:m="http://schemas.openxmlformats.org/officeDocument/2006/math">
+                    <m:r>
+                      <a:rPr lang="en-US" sz="900" b="1">
+                        <a:solidFill>
+                          <a:schemeClr val="tx1"/>
+                        </a:solidFill>
+                      </a:rPr>
+                      <m:t>𝒙</m:t>
+                    </m:r>
+                  </m:oMath>
+                </a14:m>
+                <a:r>
+                  <a:rPr lang="en-US" sz="900" b="1" dirty="0">
+                    <a:solidFill>
+                      <a:schemeClr val="tx1"/>
+                    </a:solidFill>
+                  </a:rPr>
+                  <a:t> positions within the element</a:t>
+                </a:r>
+              </a:p>
+            </p:txBody>
+          </p:sp>
+        </mc:Choice>
+        <mc:Fallback>
+          <p:sp>
+            <p:nvSpPr>
+              <p:cNvPr id="43" name="Rectangle 42">
+                <a:extLst>
+                  <a:ext uri="{FF2B5EF4-FFF2-40B4-BE49-F238E27FC236}">
+                    <a16:creationId xmlns:a16="http://schemas.microsoft.com/office/drawing/2014/main" id="{C270D549-046F-EC4F-1E4B-9A045C3FB6FE}"/>
+                  </a:ext>
+                </a:extLst>
+              </p:cNvPr>
+              <p:cNvSpPr>
+                <a:spLocks noRot="1" noChangeAspect="1" noMove="1" noResize="1" noEditPoints="1" noAdjustHandles="1" noChangeArrowheads="1" noChangeShapeType="1" noTextEdit="1"/>
+              </p:cNvSpPr>
+              <p:nvPr/>
+            </p:nvSpPr>
+            <p:spPr>
+              <a:xfrm>
+                <a:off x="6599331" y="2634062"/>
+                <a:ext cx="1431588" cy="382005"/>
+              </a:xfrm>
+              <a:prstGeom prst="rect">
+                <a:avLst/>
+              </a:prstGeom>
+              <a:blipFill>
+                <a:blip r:embed="rId16"/>
+                <a:stretch>
+                  <a:fillRect b="-4762"/>
+                </a:stretch>
+              </a:blipFill>
+              <a:ln w="3175">
+                <a:noFill/>
+                <a:prstDash val="sysDot"/>
+              </a:ln>
+            </p:spPr>
+            <p:txBody>
+              <a:bodyPr/>
+              <a:lstStyle/>
+              <a:p>
+                <a:r>
+                  <a:rPr lang="en-US">
+                    <a:noFill/>
+                  </a:rPr>
+                  <a:t> </a:t>
+                </a:r>
+              </a:p>
+            </p:txBody>
+          </p:sp>
+        </mc:Fallback>
+      </mc:AlternateContent>
+      <p:cxnSp>
+        <p:nvCxnSpPr>
+          <p:cNvPr id="50" name="Connector: Curved 49">
+            <a:extLst>
+              <a:ext uri="{FF2B5EF4-FFF2-40B4-BE49-F238E27FC236}">
+                <a16:creationId xmlns:a16="http://schemas.microsoft.com/office/drawing/2014/main" id="{14876F95-09A7-3F08-B230-FD44CE4ECA3F}"/>
+              </a:ext>
+            </a:extLst>
+          </p:cNvPr>
+          <p:cNvCxnSpPr>
+            <a:cxnSpLocks/>
+            <a:stCxn id="17" idx="3"/>
+            <a:endCxn id="58" idx="0"/>
+          </p:cNvCxnSpPr>
+          <p:nvPr/>
+        </p:nvCxnSpPr>
+        <p:spPr>
+          <a:xfrm>
+            <a:off x="11103838" y="2109145"/>
+            <a:ext cx="217416" cy="1769768"/>
+          </a:xfrm>
+          <a:prstGeom prst="curvedConnector2">
+            <a:avLst/>
+          </a:prstGeom>
+          <a:ln>
+            <a:solidFill>
+              <a:schemeClr val="accent5"/>
+            </a:solidFill>
+            <a:tailEnd type="triangle"/>
+          </a:ln>
+        </p:spPr>
+        <p:style>
+          <a:lnRef idx="2">
+            <a:schemeClr val="accent1"/>
+          </a:lnRef>
+          <a:fillRef idx="0">
+            <a:schemeClr val="accent1"/>
+          </a:fillRef>
+          <a:effectRef idx="1">
+            <a:schemeClr val="accent1"/>
+          </a:effectRef>
+          <a:fontRef idx="minor">
+            <a:schemeClr val="tx1"/>
+          </a:fontRef>
+        </p:style>
+      </p:cxnSp>
+      <p:sp>
+        <p:nvSpPr>
+          <p:cNvPr id="58" name="Oval 57">
+            <a:extLst>
+              <a:ext uri="{FF2B5EF4-FFF2-40B4-BE49-F238E27FC236}">
+                <a16:creationId xmlns:a16="http://schemas.microsoft.com/office/drawing/2014/main" id="{02C5E808-FE5F-623E-BA07-6C55860B08D9}"/>
+              </a:ext>
+            </a:extLst>
+          </p:cNvPr>
+          <p:cNvSpPr/>
+          <p:nvPr/>
+        </p:nvSpPr>
+        <p:spPr>
+          <a:xfrm>
+            <a:off x="10704897" y="3878913"/>
+            <a:ext cx="1232713" cy="280789"/>
+          </a:xfrm>
+          <a:prstGeom prst="ellipse">
+            <a:avLst/>
+          </a:prstGeom>
+          <a:solidFill>
+            <a:schemeClr val="tx1"/>
+          </a:solidFill>
+          <a:ln w="6350">
+            <a:solidFill>
+              <a:schemeClr val="accent1"/>
+            </a:solidFill>
+          </a:ln>
+        </p:spPr>
+        <p:style>
+          <a:lnRef idx="2">
+            <a:schemeClr val="accent1">
+              <a:shade val="15000"/>
+            </a:schemeClr>
+          </a:lnRef>
+          <a:fillRef idx="1">
+            <a:schemeClr val="accent1"/>
+          </a:fillRef>
+          <a:effectRef idx="0">
+            <a:schemeClr val="accent1"/>
+          </a:effectRef>
+          <a:fontRef idx="minor">
+            <a:schemeClr val="lt1"/>
+          </a:fontRef>
+        </p:style>
+        <p:txBody>
+          <a:bodyPr rtlCol="0" anchor="ctr"/>
+          <a:lstStyle/>
+          <a:p>
+            <a:pPr algn="ctr"/>
+            <a:r>
+              <a:rPr lang="en-US" sz="1000" dirty="0">
+                <a:solidFill>
+                  <a:schemeClr val="bg1"/>
+                </a:solidFill>
+              </a:rPr>
+              <a:t>Figure(s)</a:t>
+            </a:r>
+          </a:p>
+        </p:txBody>
+      </p:sp>
+      <mc:AlternateContent xmlns:mc="http://schemas.openxmlformats.org/markup-compatibility/2006">
+        <mc:Choice xmlns:a14="http://schemas.microsoft.com/office/drawing/2010/main" Requires="a14">
+          <p:sp>
+            <p:nvSpPr>
+              <p:cNvPr id="42" name="Rectangle 41">
+                <a:extLst>
+                  <a:ext uri="{FF2B5EF4-FFF2-40B4-BE49-F238E27FC236}">
+                    <a16:creationId xmlns:a16="http://schemas.microsoft.com/office/drawing/2014/main" id="{6BF6B8E9-2654-5425-7A87-C62BA0FF4EB3}"/>
+                  </a:ext>
+                </a:extLst>
+              </p:cNvPr>
+              <p:cNvSpPr/>
+              <p:nvPr/>
+            </p:nvSpPr>
+            <p:spPr>
+              <a:xfrm>
+                <a:off x="10737720" y="3085188"/>
+                <a:ext cx="1167066" cy="382005"/>
+              </a:xfrm>
+              <a:prstGeom prst="rect">
+                <a:avLst/>
+              </a:prstGeom>
+              <a:solidFill>
+                <a:schemeClr val="accent5">
+                  <a:lumMod val="20000"/>
+                  <a:lumOff val="80000"/>
+                </a:schemeClr>
+              </a:solidFill>
+              <a:ln w="3175">
+                <a:noFill/>
+                <a:prstDash val="sysDot"/>
+              </a:ln>
+            </p:spPr>
+            <p:style>
+              <a:lnRef idx="2">
+                <a:schemeClr val="accent1">
+                  <a:shade val="15000"/>
+                </a:schemeClr>
+              </a:lnRef>
+              <a:fillRef idx="1">
+                <a:schemeClr val="accent1"/>
+              </a:fillRef>
+              <a:effectRef idx="0">
+                <a:schemeClr val="accent1"/>
+              </a:effectRef>
+              <a:fontRef idx="minor">
+                <a:schemeClr val="lt1"/>
+              </a:fontRef>
+            </p:style>
+            <p:txBody>
+              <a:bodyPr rtlCol="0" anchor="ctr"/>
+              <a:lstStyle/>
+              <a:p>
+                <a:pPr algn="ctr"/>
+                <a14:m>
+                  <m:oMath xmlns:m="http://schemas.openxmlformats.org/officeDocument/2006/math">
+                    <m:sSub>
+                      <m:sSubPr>
+                        <m:ctrlPr>
+                          <a:rPr lang="en-US" sz="900" b="1" i="1" smtClean="0">
+                            <a:solidFill>
+                              <a:schemeClr val="tx1"/>
+                            </a:solidFill>
+                            <a:latin typeface="Cambria Math" panose="02040503050406030204" pitchFamily="18" charset="0"/>
+                          </a:rPr>
+                        </m:ctrlPr>
+                      </m:sSubPr>
+                      <m:e>
+                        <m:r>
+                          <a:rPr lang="en-US" sz="900" b="1" i="1" smtClean="0">
+                            <a:solidFill>
+                              <a:schemeClr val="tx1"/>
+                            </a:solidFill>
+                            <a:latin typeface="Cambria Math" panose="02040503050406030204" pitchFamily="18" charset="0"/>
+                          </a:rPr>
+                          <m:t>𝑵</m:t>
+                        </m:r>
+                      </m:e>
+                      <m:sub>
+                        <m:r>
+                          <a:rPr lang="en-US" sz="900" b="1" i="1" smtClean="0">
+                            <a:solidFill>
+                              <a:schemeClr val="tx1"/>
+                            </a:solidFill>
+                            <a:latin typeface="Cambria Math" panose="02040503050406030204" pitchFamily="18" charset="0"/>
+                          </a:rPr>
+                          <m:t>𝒊</m:t>
+                        </m:r>
+                      </m:sub>
+                    </m:sSub>
+                    <m:r>
+                      <a:rPr lang="en-US" sz="900" b="1" i="1" smtClean="0">
+                        <a:solidFill>
+                          <a:schemeClr val="tx1"/>
+                        </a:solidFill>
+                        <a:latin typeface="Cambria Math" panose="02040503050406030204" pitchFamily="18" charset="0"/>
+                      </a:rPr>
+                      <m:t>(</m:t>
+                    </m:r>
+                    <m:r>
+                      <a:rPr lang="en-US" sz="900" b="1" i="1" smtClean="0">
+                        <a:solidFill>
+                          <a:schemeClr val="tx1"/>
+                        </a:solidFill>
+                        <a:latin typeface="Cambria Math" panose="02040503050406030204" pitchFamily="18" charset="0"/>
+                      </a:rPr>
+                      <m:t>𝜼</m:t>
+                    </m:r>
+                    <m:r>
+                      <a:rPr lang="en-US" sz="900" b="1" i="1" smtClean="0">
+                        <a:solidFill>
+                          <a:schemeClr val="tx1"/>
+                        </a:solidFill>
+                        <a:latin typeface="Cambria Math" panose="02040503050406030204" pitchFamily="18" charset="0"/>
+                      </a:rPr>
+                      <m:t>)</m:t>
+                    </m:r>
+                  </m:oMath>
+                </a14:m>
+                <a:r>
+                  <a:rPr lang="en-US" sz="900" b="1" dirty="0">
+                    <a:solidFill>
+                      <a:schemeClr val="tx1"/>
+                    </a:solidFill>
+                  </a:rPr>
+                  <a:t> or </a:t>
+                </a:r>
+                <a14:m>
+                  <m:oMath xmlns:m="http://schemas.openxmlformats.org/officeDocument/2006/math">
+                    <m:sSub>
+                      <m:sSubPr>
+                        <m:ctrlPr>
+                          <a:rPr lang="en-US" sz="900" b="1" i="1" smtClean="0">
+                            <a:solidFill>
+                              <a:schemeClr val="tx1"/>
+                            </a:solidFill>
+                            <a:latin typeface="Cambria Math" panose="02040503050406030204" pitchFamily="18" charset="0"/>
+                          </a:rPr>
+                        </m:ctrlPr>
+                      </m:sSubPr>
+                      <m:e>
+                        <m:r>
+                          <a:rPr lang="en-US" sz="900" b="1" i="1" smtClean="0">
+                            <a:solidFill>
+                              <a:schemeClr val="tx1"/>
+                            </a:solidFill>
+                            <a:latin typeface="Cambria Math" panose="02040503050406030204" pitchFamily="18" charset="0"/>
+                          </a:rPr>
+                          <m:t>𝑵</m:t>
+                        </m:r>
+                      </m:e>
+                      <m:sub>
+                        <m:r>
+                          <a:rPr lang="en-US" sz="900" b="1" i="1" smtClean="0">
+                            <a:solidFill>
+                              <a:schemeClr val="tx1"/>
+                            </a:solidFill>
+                            <a:latin typeface="Cambria Math" panose="02040503050406030204" pitchFamily="18" charset="0"/>
+                          </a:rPr>
+                          <m:t>𝒊</m:t>
+                        </m:r>
+                      </m:sub>
+                    </m:sSub>
+                    <m:r>
+                      <a:rPr lang="en-US" sz="900" b="1" i="1" smtClean="0">
+                        <a:solidFill>
+                          <a:schemeClr val="tx1"/>
+                        </a:solidFill>
+                        <a:latin typeface="Cambria Math" panose="02040503050406030204" pitchFamily="18" charset="0"/>
+                      </a:rPr>
+                      <m:t>(</m:t>
+                    </m:r>
+                    <m:r>
+                      <a:rPr lang="en-US" sz="900" b="1" i="1" smtClean="0">
+                        <a:solidFill>
+                          <a:schemeClr val="tx1"/>
+                        </a:solidFill>
+                        <a:latin typeface="Cambria Math" panose="02040503050406030204" pitchFamily="18" charset="0"/>
+                      </a:rPr>
+                      <m:t>𝒙</m:t>
+                    </m:r>
+                    <m:r>
+                      <a:rPr lang="en-US" sz="900" b="1" i="1" smtClean="0">
+                        <a:solidFill>
+                          <a:schemeClr val="tx1"/>
+                        </a:solidFill>
+                        <a:latin typeface="Cambria Math" panose="02040503050406030204" pitchFamily="18" charset="0"/>
+                      </a:rPr>
+                      <m:t>)</m:t>
+                    </m:r>
+                  </m:oMath>
+                </a14:m>
+                <a:r>
+                  <a:rPr lang="en-US" sz="900" b="1" dirty="0">
+                    <a:solidFill>
+                      <a:schemeClr val="tx1"/>
+                    </a:solidFill>
+                  </a:rPr>
+                  <a:t> within the element</a:t>
+                </a:r>
+              </a:p>
+            </p:txBody>
+          </p:sp>
+        </mc:Choice>
+        <mc:Fallback>
+          <p:sp>
+            <p:nvSpPr>
+              <p:cNvPr id="42" name="Rectangle 41">
+                <a:extLst>
+                  <a:ext uri="{FF2B5EF4-FFF2-40B4-BE49-F238E27FC236}">
+                    <a16:creationId xmlns:a16="http://schemas.microsoft.com/office/drawing/2014/main" id="{6BF6B8E9-2654-5425-7A87-C62BA0FF4EB3}"/>
+                  </a:ext>
+                </a:extLst>
+              </p:cNvPr>
+              <p:cNvSpPr>
+                <a:spLocks noRot="1" noChangeAspect="1" noMove="1" noResize="1" noEditPoints="1" noAdjustHandles="1" noChangeArrowheads="1" noChangeShapeType="1" noTextEdit="1"/>
+              </p:cNvSpPr>
+              <p:nvPr/>
+            </p:nvSpPr>
+            <p:spPr>
+              <a:xfrm>
+                <a:off x="10737720" y="3085188"/>
+                <a:ext cx="1167066" cy="382005"/>
+              </a:xfrm>
+              <a:prstGeom prst="rect">
+                <a:avLst/>
+              </a:prstGeom>
+              <a:blipFill>
+                <a:blip r:embed="rId17"/>
+                <a:stretch>
+                  <a:fillRect b="-4762"/>
+                </a:stretch>
+              </a:blipFill>
+              <a:ln w="3175">
+                <a:noFill/>
+                <a:prstDash val="sysDot"/>
+              </a:ln>
+            </p:spPr>
+            <p:txBody>
+              <a:bodyPr/>
+              <a:lstStyle/>
+              <a:p>
+                <a:r>
+                  <a:rPr lang="en-US">
+                    <a:noFill/>
+                  </a:rPr>
+                  <a:t> </a:t>
+                </a:r>
+              </a:p>
+            </p:txBody>
+          </p:sp>
+        </mc:Fallback>
+      </mc:AlternateContent>
+    </p:spTree>
+    <p:extLst>
+      <p:ext uri="{BB962C8B-B14F-4D97-AF65-F5344CB8AC3E}">
+        <p14:creationId xmlns:p14="http://schemas.microsoft.com/office/powerpoint/2010/main" val="1401571357"/>
+      </p:ext>
+    </p:extLst>
+  </p:cSld>
+  <p:clrMapOvr>
+    <a:masterClrMapping/>
+  </p:clrMapOvr>
+</p:sld>
+</file>
+
+<file path=ppt/slides/slide2.xml><?xml version="1.0" encoding="utf-8"?>
+<p:sld xmlns:a="http://schemas.openxmlformats.org/drawingml/2006/main" xmlns:r="http://schemas.openxmlformats.org/officeDocument/2006/relationships" xmlns:p="http://schemas.openxmlformats.org/presentationml/2006/main">
+  <p:cSld>
+    <p:spTree>
+      <p:nvGrpSpPr>
+        <p:cNvPr id="1" name=""/>
+        <p:cNvGrpSpPr/>
+        <p:nvPr/>
+      </p:nvGrpSpPr>
+      <p:grpSpPr>
+        <a:xfrm>
+          <a:off x="0" y="0"/>
+          <a:ext cx="0" cy="0"/>
+          <a:chOff x="0" y="0"/>
+          <a:chExt cx="0" cy="0"/>
+        </a:xfrm>
+      </p:grpSpPr>
+      <p:sp>
+        <p:nvSpPr>
+          <p:cNvPr id="6" name="Rectangle: Rounded Corners 5">
+            <a:extLst>
+              <a:ext uri="{FF2B5EF4-FFF2-40B4-BE49-F238E27FC236}">
+                <a16:creationId xmlns:a16="http://schemas.microsoft.com/office/drawing/2014/main" id="{3A5931F8-D19E-2D97-1B7A-FB7DB44CF63A}"/>
+              </a:ext>
+            </a:extLst>
+          </p:cNvPr>
+          <p:cNvSpPr/>
+          <p:nvPr/>
+        </p:nvSpPr>
+        <p:spPr>
+          <a:xfrm>
+            <a:off x="164592" y="498743"/>
+            <a:ext cx="7822964" cy="5860513"/>
+          </a:xfrm>
+          <a:prstGeom prst="roundRect">
+            <a:avLst>
+              <a:gd name="adj" fmla="val 1385"/>
+            </a:avLst>
+          </a:prstGeom>
+          <a:solidFill>
+            <a:schemeClr val="bg1">
+              <a:lumMod val="95000"/>
+            </a:schemeClr>
+          </a:solidFill>
+          <a:ln w="6350">
+            <a:solidFill>
+              <a:schemeClr val="accent3"/>
+            </a:solidFill>
+          </a:ln>
+        </p:spPr>
+        <p:style>
+          <a:lnRef idx="2">
+            <a:schemeClr val="accent1">
+              <a:shade val="15000"/>
+            </a:schemeClr>
+          </a:lnRef>
+          <a:fillRef idx="1">
+            <a:schemeClr val="accent1"/>
+          </a:fillRef>
+          <a:effectRef idx="0">
+            <a:schemeClr val="accent1"/>
+          </a:effectRef>
+          <a:fontRef idx="minor">
+            <a:schemeClr val="lt1"/>
+          </a:fontRef>
+        </p:style>
+        <p:txBody>
+          <a:bodyPr rtlCol="0" anchor="ctr"/>
+          <a:lstStyle/>
+          <a:p>
+            <a:pPr algn="ctr"/>
+            <a:endParaRPr lang="en-US" sz="1000" dirty="0">
+              <a:solidFill>
+                <a:schemeClr val="tx2"/>
+              </a:solidFill>
+            </a:endParaRPr>
+          </a:p>
+        </p:txBody>
+      </p:sp>
+      <p:grpSp>
+        <p:nvGrpSpPr>
+          <p:cNvPr id="12" name="Group 11">
+            <a:extLst>
+              <a:ext uri="{FF2B5EF4-FFF2-40B4-BE49-F238E27FC236}">
+                <a16:creationId xmlns:a16="http://schemas.microsoft.com/office/drawing/2014/main" id="{D76D55D5-9F41-1944-D013-01B6957EED6A}"/>
+              </a:ext>
+            </a:extLst>
+          </p:cNvPr>
+          <p:cNvGrpSpPr/>
+          <p:nvPr/>
+        </p:nvGrpSpPr>
+        <p:grpSpPr>
+          <a:xfrm>
+            <a:off x="427664" y="925862"/>
+            <a:ext cx="2390504" cy="1047597"/>
+            <a:chOff x="891539" y="1333106"/>
+            <a:chExt cx="2390504" cy="1047597"/>
+          </a:xfrm>
+        </p:grpSpPr>
+        <mc:AlternateContent xmlns:mc="http://schemas.openxmlformats.org/markup-compatibility/2006">
+          <mc:Choice xmlns:a14="http://schemas.microsoft.com/office/drawing/2010/main" Requires="a14">
+            <p:sp>
+              <p:nvSpPr>
+                <p:cNvPr id="2" name="Rectangle: Rounded Corners 1">
+                  <a:extLst>
+                    <a:ext uri="{FF2B5EF4-FFF2-40B4-BE49-F238E27FC236}">
+                      <a16:creationId xmlns:a16="http://schemas.microsoft.com/office/drawing/2014/main" id="{45BDECC0-7F20-8D4A-4EFC-7AEB83CEE0AB}"/>
+                    </a:ext>
+                  </a:extLst>
+                </p:cNvPr>
+                <p:cNvSpPr/>
+                <p:nvPr/>
+              </p:nvSpPr>
+              <p:spPr>
+                <a:xfrm>
+                  <a:off x="891539" y="1433256"/>
+                  <a:ext cx="2390504" cy="947447"/>
+                </a:xfrm>
+                <a:prstGeom prst="roundRect">
+                  <a:avLst>
+                    <a:gd name="adj" fmla="val 4292"/>
+                  </a:avLst>
+                </a:prstGeom>
+                <a:solidFill>
+                  <a:schemeClr val="bg1"/>
+                </a:solidFill>
+                <a:ln w="6350">
+                  <a:solidFill>
+                    <a:schemeClr val="accent3"/>
+                  </a:solidFill>
+                </a:ln>
+              </p:spPr>
+              <p:style>
+                <a:lnRef idx="2">
+                  <a:schemeClr val="accent1">
+                    <a:shade val="15000"/>
+                  </a:schemeClr>
+                </a:lnRef>
+                <a:fillRef idx="1">
+                  <a:schemeClr val="accent1"/>
+                </a:fillRef>
+                <a:effectRef idx="0">
+                  <a:schemeClr val="accent1"/>
+                </a:effectRef>
+                <a:fontRef idx="minor">
+                  <a:schemeClr val="lt1"/>
+                </a:fontRef>
+              </p:style>
+              <p:txBody>
+                <a:bodyPr rtlCol="0" anchor="ctr"/>
+                <a:lstStyle/>
+                <a:p>
+                  <a:pPr algn="ctr"/>
+                  <a:r>
+                    <a:rPr lang="en-US" sz="1000" dirty="0">
+                      <a:solidFill>
+                        <a:schemeClr val="tx2"/>
+                      </a:solidFill>
+                    </a:rPr>
+                    <a:t>Compute the value of the shape function for node </a:t>
+                  </a:r>
+                  <a14:m>
+                    <m:oMath xmlns:m="http://schemas.openxmlformats.org/officeDocument/2006/math">
+                      <m:r>
+                        <a:rPr lang="en-US" sz="1000" b="1" i="1" smtClean="0">
+                          <a:solidFill>
+                            <a:schemeClr val="accent1"/>
+                          </a:solidFill>
+                          <a:latin typeface="Cambria Math" panose="02040503050406030204" pitchFamily="18" charset="0"/>
+                        </a:rPr>
+                        <m:t>𝒊</m:t>
+                      </m:r>
+                    </m:oMath>
+                  </a14:m>
+                  <a:r>
+                    <a:rPr lang="en-US" sz="1000" dirty="0">
+                      <a:solidFill>
+                        <a:schemeClr val="tx2"/>
+                      </a:solidFill>
+                    </a:rPr>
+                    <a:t> as a function of position within the element in terms of the natural coordinate system </a:t>
+                  </a:r>
+                  <a14:m>
+                    <m:oMath xmlns:m="http://schemas.openxmlformats.org/officeDocument/2006/math">
+                      <m:r>
+                        <a:rPr lang="en-US" sz="1000" b="1" i="1" smtClean="0">
+                          <a:solidFill>
+                            <a:schemeClr val="tx2"/>
+                          </a:solidFill>
+                          <a:latin typeface="Cambria Math" panose="02040503050406030204" pitchFamily="18" charset="0"/>
+                        </a:rPr>
+                        <m:t>𝜼</m:t>
+                      </m:r>
+                    </m:oMath>
+                  </a14:m>
+                  <a:endParaRPr lang="en-US" sz="1000" b="1" dirty="0">
+                    <a:solidFill>
+                      <a:schemeClr val="tx2"/>
+                    </a:solidFill>
+                  </a:endParaRPr>
+                </a:p>
+              </p:txBody>
+            </p:sp>
+          </mc:Choice>
+          <mc:Fallback>
+            <p:sp>
+              <p:nvSpPr>
+                <p:cNvPr id="2" name="Rectangle: Rounded Corners 1">
+                  <a:extLst>
+                    <a:ext uri="{FF2B5EF4-FFF2-40B4-BE49-F238E27FC236}">
+                      <a16:creationId xmlns:a16="http://schemas.microsoft.com/office/drawing/2014/main" id="{45BDECC0-7F20-8D4A-4EFC-7AEB83CEE0AB}"/>
+                    </a:ext>
+                  </a:extLst>
+                </p:cNvPr>
+                <p:cNvSpPr>
+                  <a:spLocks noRot="1" noChangeAspect="1" noMove="1" noResize="1" noEditPoints="1" noAdjustHandles="1" noChangeArrowheads="1" noChangeShapeType="1" noTextEdit="1"/>
+                </p:cNvSpPr>
+                <p:nvPr/>
+              </p:nvSpPr>
+              <p:spPr>
+                <a:xfrm>
+                  <a:off x="891539" y="1433256"/>
+                  <a:ext cx="2390504" cy="947447"/>
+                </a:xfrm>
+                <a:prstGeom prst="roundRect">
+                  <a:avLst>
+                    <a:gd name="adj" fmla="val 4292"/>
+                  </a:avLst>
+                </a:prstGeom>
+                <a:blipFill>
+                  <a:blip r:embed="rId2"/>
+                  <a:stretch>
+                    <a:fillRect/>
+                  </a:stretch>
+                </a:blipFill>
+                <a:ln w="6350">
+                  <a:solidFill>
+                    <a:schemeClr val="accent3"/>
+                  </a:solidFill>
+                </a:ln>
+              </p:spPr>
+              <p:txBody>
+                <a:bodyPr/>
+                <a:lstStyle/>
+                <a:p>
+                  <a:r>
+                    <a:rPr lang="en-US">
+                      <a:noFill/>
+                    </a:rPr>
+                    <a:t> </a:t>
+                  </a:r>
+                </a:p>
+              </p:txBody>
+            </p:sp>
+          </mc:Fallback>
+        </mc:AlternateContent>
+        <mc:AlternateContent xmlns:mc="http://schemas.openxmlformats.org/markup-compatibility/2006" xmlns:a14="http://schemas.microsoft.com/office/drawing/2010/main">
+          <mc:Choice Requires="a14">
+            <p:sp>
+              <p:nvSpPr>
+                <p:cNvPr id="9" name="Rectangle: Rounded Corners 8">
+                  <a:extLst>
+                    <a:ext uri="{FF2B5EF4-FFF2-40B4-BE49-F238E27FC236}">
+                      <a16:creationId xmlns:a16="http://schemas.microsoft.com/office/drawing/2014/main" id="{7092B8B5-8164-F02A-51ED-5F47EF1A458C}"/>
+                    </a:ext>
+                  </a:extLst>
+                </p:cNvPr>
+                <p:cNvSpPr/>
+                <p:nvPr/>
+              </p:nvSpPr>
+              <p:spPr>
+                <a:xfrm>
+                  <a:off x="1227909" y="1333106"/>
+                  <a:ext cx="1861457" cy="200299"/>
+                </a:xfrm>
+                <a:prstGeom prst="roundRect">
+                  <a:avLst>
+                    <a:gd name="adj" fmla="val 50000"/>
+                  </a:avLst>
+                </a:prstGeom>
+                <a:solidFill>
+                  <a:srgbClr val="C00000"/>
+                </a:solidFill>
+                <a:ln w="6350">
+                  <a:solidFill>
+                    <a:schemeClr val="accent3"/>
+                  </a:solidFill>
+                </a:ln>
+              </p:spPr>
+              <p:style>
+                <a:lnRef idx="2">
+                  <a:schemeClr val="accent1">
+                    <a:shade val="15000"/>
+                  </a:schemeClr>
+                </a:lnRef>
+                <a:fillRef idx="1">
+                  <a:schemeClr val="accent1"/>
+                </a:fillRef>
+                <a:effectRef idx="0">
+                  <a:schemeClr val="accent1"/>
+                </a:effectRef>
+                <a:fontRef idx="minor">
+                  <a:schemeClr val="lt1"/>
+                </a:fontRef>
+              </p:style>
+              <p:txBody>
+                <a:bodyPr rtlCol="0" anchor="ctr"/>
+                <a:lstStyle/>
+                <a:p>
+                  <a:pPr algn="ctr"/>
+                  <a:r>
+                    <a:rPr lang="en-US" sz="1000" b="1" dirty="0" err="1">
+                      <a:solidFill>
+                        <a:schemeClr val="bg1"/>
+                      </a:solidFill>
+                    </a:rPr>
+                    <a:t>self.shape_n</a:t>
+                  </a:r>
+                  <a14:m>
+                    <m:oMath xmlns:m="http://schemas.openxmlformats.org/officeDocument/2006/math">
+                      <m:r>
+                        <a:rPr lang="en-US" sz="1000" b="1" i="1" smtClean="0">
+                          <a:solidFill>
+                            <a:schemeClr val="bg1"/>
+                          </a:solidFill>
+                          <a:latin typeface="Cambria Math" panose="02040503050406030204" pitchFamily="18" charset="0"/>
+                        </a:rPr>
+                        <m:t>𝒊</m:t>
+                      </m:r>
+                    </m:oMath>
+                  </a14:m>
+                  <a:endParaRPr lang="en-US" sz="1000" b="1" i="1" dirty="0">
+                    <a:solidFill>
+                      <a:schemeClr val="bg1"/>
+                    </a:solidFill>
+                  </a:endParaRPr>
+                </a:p>
+              </p:txBody>
+            </p:sp>
+          </mc:Choice>
+          <mc:Fallback xmlns="">
+            <p:sp>
+              <p:nvSpPr>
+                <p:cNvPr id="9" name="Rectangle: Rounded Corners 8">
+                  <a:extLst>
+                    <a:ext uri="{FF2B5EF4-FFF2-40B4-BE49-F238E27FC236}">
+                      <a16:creationId xmlns:a16="http://schemas.microsoft.com/office/drawing/2014/main" id="{7092B8B5-8164-F02A-51ED-5F47EF1A458C}"/>
+                    </a:ext>
+                  </a:extLst>
+                </p:cNvPr>
+                <p:cNvSpPr>
+                  <a:spLocks noRot="1" noChangeAspect="1" noMove="1" noResize="1" noEditPoints="1" noAdjustHandles="1" noChangeArrowheads="1" noChangeShapeType="1" noTextEdit="1"/>
+                </p:cNvSpPr>
+                <p:nvPr/>
+              </p:nvSpPr>
+              <p:spPr>
+                <a:xfrm>
+                  <a:off x="1227909" y="1333106"/>
+                  <a:ext cx="1861457" cy="200299"/>
+                </a:xfrm>
+                <a:prstGeom prst="roundRect">
+                  <a:avLst>
+                    <a:gd name="adj" fmla="val 50000"/>
+                  </a:avLst>
+                </a:prstGeom>
+                <a:blipFill>
+                  <a:blip r:embed="rId5"/>
+                  <a:stretch>
+                    <a:fillRect t="-8824" b="-23529"/>
+                  </a:stretch>
+                </a:blipFill>
+                <a:ln w="6350">
+                  <a:solidFill>
+                    <a:schemeClr val="accent3"/>
+                  </a:solidFill>
+                </a:ln>
+              </p:spPr>
+              <p:txBody>
+                <a:bodyPr/>
+                <a:lstStyle/>
+                <a:p>
+                  <a:r>
+                    <a:rPr lang="en-US">
+                      <a:noFill/>
+                    </a:rPr>
+                    <a:t> </a:t>
+                  </a:r>
+                </a:p>
+              </p:txBody>
+            </p:sp>
+          </mc:Fallback>
+        </mc:AlternateContent>
+      </p:grpSp>
+      <p:grpSp>
+        <p:nvGrpSpPr>
+          <p:cNvPr id="30" name="Group 29">
+            <a:extLst>
+              <a:ext uri="{FF2B5EF4-FFF2-40B4-BE49-F238E27FC236}">
+                <a16:creationId xmlns:a16="http://schemas.microsoft.com/office/drawing/2014/main" id="{16E1A6F5-466C-5CDD-0DAA-F320B92768AB}"/>
+              </a:ext>
+            </a:extLst>
+          </p:cNvPr>
+          <p:cNvGrpSpPr/>
+          <p:nvPr/>
+        </p:nvGrpSpPr>
+        <p:grpSpPr>
+          <a:xfrm>
+            <a:off x="2141188" y="2363455"/>
+            <a:ext cx="3333699" cy="1210586"/>
+            <a:chOff x="3672346" y="1273933"/>
+            <a:chExt cx="3333699" cy="1210586"/>
+          </a:xfrm>
+        </p:grpSpPr>
+        <mc:AlternateContent xmlns:mc="http://schemas.openxmlformats.org/markup-compatibility/2006" xmlns:a14="http://schemas.microsoft.com/office/drawing/2010/main">
+          <mc:Choice Requires="a14">
+            <p:sp>
+              <p:nvSpPr>
+                <p:cNvPr id="4" name="Rectangle: Rounded Corners 3">
+                  <a:extLst>
+                    <a:ext uri="{FF2B5EF4-FFF2-40B4-BE49-F238E27FC236}">
+                      <a16:creationId xmlns:a16="http://schemas.microsoft.com/office/drawing/2014/main" id="{84DB9DED-2D6D-559B-A613-D5CC9CD6CDFF}"/>
+                    </a:ext>
+                  </a:extLst>
+                </p:cNvPr>
+                <p:cNvSpPr/>
+                <p:nvPr/>
+              </p:nvSpPr>
+              <p:spPr>
+                <a:xfrm>
+                  <a:off x="3672346" y="1375565"/>
+                  <a:ext cx="3333699" cy="1108954"/>
+                </a:xfrm>
+                <a:prstGeom prst="roundRect">
+                  <a:avLst>
+                    <a:gd name="adj" fmla="val 4292"/>
+                  </a:avLst>
+                </a:prstGeom>
+                <a:solidFill>
+                  <a:schemeClr val="bg1"/>
+                </a:solidFill>
+                <a:ln w="6350">
+                  <a:solidFill>
+                    <a:schemeClr val="accent3"/>
+                  </a:solidFill>
+                </a:ln>
+              </p:spPr>
+              <p:style>
+                <a:lnRef idx="2">
+                  <a:schemeClr val="accent1">
+                    <a:shade val="15000"/>
+                  </a:schemeClr>
+                </a:lnRef>
+                <a:fillRef idx="1">
+                  <a:schemeClr val="accent1"/>
+                </a:fillRef>
+                <a:effectRef idx="0">
+                  <a:schemeClr val="accent1"/>
+                </a:effectRef>
+                <a:fontRef idx="minor">
+                  <a:schemeClr val="lt1"/>
+                </a:fontRef>
+              </p:style>
+              <p:txBody>
+                <a:bodyPr rtlCol="0" anchor="ctr"/>
+                <a:lstStyle/>
+                <a:p>
+                  <a:pPr algn="ctr"/>
+                  <a:r>
+                    <a:rPr lang="en-US" sz="1000" dirty="0">
+                      <a:solidFill>
+                        <a:schemeClr val="tx2"/>
+                      </a:solidFill>
+                    </a:rPr>
+                    <a:t>Compute the shape function matrix </a:t>
+                  </a:r>
+                  <a14:m>
+                    <m:oMath xmlns:m="http://schemas.openxmlformats.org/officeDocument/2006/math">
+                      <m:r>
+                        <a:rPr lang="en-US" sz="1000">
+                          <a:solidFill>
+                            <a:schemeClr val="tx2"/>
+                          </a:solidFill>
+                          <a:latin typeface="Cambria Math" panose="02040503050406030204" pitchFamily="18" charset="0"/>
+                        </a:rPr>
+                        <m:t>𝐍</m:t>
+                      </m:r>
+                    </m:oMath>
+                  </a14:m>
+                  <a:r>
+                    <a:rPr lang="en-US" sz="1000" dirty="0">
+                      <a:solidFill>
+                        <a:schemeClr val="tx2"/>
+                      </a:solidFill>
+                    </a:rPr>
+                    <a:t> for a 2D element with </a:t>
+                  </a:r>
+                  <a14:m>
+                    <m:oMath xmlns:m="http://schemas.openxmlformats.org/officeDocument/2006/math">
+                      <m:r>
+                        <a:rPr lang="en-US" sz="1000">
+                          <a:solidFill>
+                            <a:schemeClr val="tx2"/>
+                          </a:solidFill>
+                          <a:latin typeface="Cambria Math" panose="02040503050406030204" pitchFamily="18" charset="0"/>
+                        </a:rPr>
+                        <m:t>𝒌</m:t>
+                      </m:r>
+                    </m:oMath>
+                  </a14:m>
+                  <a:r>
+                    <a:rPr lang="en-US" sz="1000" dirty="0">
+                      <a:solidFill>
+                        <a:schemeClr val="tx2"/>
+                      </a:solidFill>
+                    </a:rPr>
+                    <a:t> nodes in terms of the natural coordinate system </a:t>
+                  </a:r>
+                  <a14:m>
+                    <m:oMath xmlns:m="http://schemas.openxmlformats.org/officeDocument/2006/math">
+                      <m:r>
+                        <a:rPr lang="en-US" sz="1000">
+                          <a:solidFill>
+                            <a:schemeClr val="tx2"/>
+                          </a:solidFill>
+                          <a:latin typeface="Cambria Math" panose="02040503050406030204" pitchFamily="18" charset="0"/>
+                        </a:rPr>
+                        <m:t>𝜼</m:t>
+                      </m:r>
+                    </m:oMath>
+                  </a14:m>
+                  <a:endParaRPr lang="en-US" sz="1000" dirty="0">
+                    <a:solidFill>
+                      <a:schemeClr val="tx2"/>
+                    </a:solidFill>
+                  </a:endParaRPr>
+                </a:p>
+                <a:p>
+                  <a:pPr algn="ctr"/>
+                  <a:endParaRPr lang="en-US" sz="1000" dirty="0">
+                    <a:solidFill>
+                      <a:schemeClr val="tx2"/>
+                    </a:solidFill>
+                  </a:endParaRPr>
+                </a:p>
+                <a:p>
+                  <a:pPr algn="ctr"/>
+                  <a14:m>
+                    <m:oMathPara xmlns:m="http://schemas.openxmlformats.org/officeDocument/2006/math">
+                      <m:oMathParaPr>
+                        <m:jc m:val="centerGroup"/>
+                      </m:oMathParaPr>
+                      <m:oMath xmlns:m="http://schemas.openxmlformats.org/officeDocument/2006/math">
+                        <m:r>
+                          <a:rPr lang="en-US" sz="1000">
+                            <a:solidFill>
+                              <a:schemeClr val="tx2"/>
+                            </a:solidFill>
+                            <a:latin typeface="Cambria Math" panose="02040503050406030204" pitchFamily="18" charset="0"/>
+                          </a:rPr>
+                          <m:t>𝐍</m:t>
+                        </m:r>
+                        <m:d>
+                          <m:dPr>
+                            <m:ctrlPr>
+                              <a:rPr lang="en-US" sz="1000" i="1">
+                                <a:solidFill>
+                                  <a:schemeClr val="tx2"/>
+                                </a:solidFill>
+                                <a:latin typeface="Cambria Math" panose="02040503050406030204" pitchFamily="18" charset="0"/>
+                              </a:rPr>
+                            </m:ctrlPr>
+                          </m:dPr>
+                          <m:e>
+                            <m:r>
+                              <a:rPr lang="en-US" sz="1000">
+                                <a:solidFill>
+                                  <a:schemeClr val="tx2"/>
+                                </a:solidFill>
+                                <a:latin typeface="Cambria Math" panose="02040503050406030204" pitchFamily="18" charset="0"/>
+                              </a:rPr>
+                              <m:t>𝜼</m:t>
+                            </m:r>
+                          </m:e>
+                        </m:d>
+                        <m:r>
+                          <a:rPr lang="en-US" sz="1000">
+                            <a:solidFill>
+                              <a:schemeClr val="tx2"/>
+                            </a:solidFill>
+                            <a:latin typeface="Cambria Math" panose="02040503050406030204" pitchFamily="18" charset="0"/>
+                          </a:rPr>
+                          <m:t>=</m:t>
+                        </m:r>
+                        <m:d>
+                          <m:dPr>
+                            <m:begChr m:val="["/>
+                            <m:endChr m:val="]"/>
+                            <m:ctrlPr>
+                              <a:rPr lang="en-US" sz="1000" i="1">
+                                <a:solidFill>
+                                  <a:schemeClr val="tx2"/>
+                                </a:solidFill>
+                                <a:latin typeface="Cambria Math" panose="02040503050406030204" pitchFamily="18" charset="0"/>
+                              </a:rPr>
+                            </m:ctrlPr>
+                          </m:dPr>
+                          <m:e>
+                            <m:m>
+                              <m:mPr>
+                                <m:mcs>
+                                  <m:mc>
+                                    <m:mcPr>
+                                      <m:count m:val="5"/>
+                                      <m:mcJc m:val="center"/>
+                                    </m:mcPr>
+                                  </m:mc>
+                                </m:mcs>
+                                <m:ctrlPr>
+                                  <a:rPr lang="en-US" sz="1000" i="1">
+                                    <a:solidFill>
+                                      <a:schemeClr val="tx2"/>
+                                    </a:solidFill>
+                                    <a:latin typeface="Cambria Math" panose="02040503050406030204" pitchFamily="18" charset="0"/>
+                                  </a:rPr>
+                                </m:ctrlPr>
+                              </m:mPr>
+                              <m:mr>
+                                <m:e>
+                                  <m:sSub>
+                                    <m:sSubPr>
+                                      <m:ctrlPr>
+                                        <a:rPr lang="en-US" sz="1000" i="1">
+                                          <a:solidFill>
+                                            <a:schemeClr val="tx2"/>
+                                          </a:solidFill>
+                                          <a:latin typeface="Cambria Math" panose="02040503050406030204" pitchFamily="18" charset="0"/>
+                                        </a:rPr>
+                                      </m:ctrlPr>
+                                    </m:sSubPr>
+                                    <m:e>
+                                      <m:r>
+                                        <m:rPr>
+                                          <m:brk m:alnAt="7"/>
+                                        </m:rPr>
+                                        <a:rPr lang="en-US" sz="1000">
+                                          <a:solidFill>
+                                            <a:schemeClr val="tx2"/>
+                                          </a:solidFill>
+                                          <a:latin typeface="Cambria Math" panose="02040503050406030204" pitchFamily="18" charset="0"/>
+                                        </a:rPr>
+                                        <m:t>𝑁</m:t>
+                                      </m:r>
+                                    </m:e>
+                                    <m:sub>
+                                      <m:r>
+                                        <m:rPr>
+                                          <m:brk m:alnAt="7"/>
+                                        </m:rPr>
+                                        <a:rPr lang="en-US" sz="1000">
+                                          <a:solidFill>
+                                            <a:schemeClr val="tx2"/>
+                                          </a:solidFill>
+                                          <a:latin typeface="Cambria Math" panose="02040503050406030204" pitchFamily="18" charset="0"/>
+                                        </a:rPr>
+                                        <m:t>1</m:t>
+                                      </m:r>
+                                    </m:sub>
+                                  </m:sSub>
+                                  <m:d>
+                                    <m:dPr>
+                                      <m:ctrlPr>
+                                        <a:rPr lang="en-US" sz="1000" i="1">
+                                          <a:solidFill>
+                                            <a:schemeClr val="tx2"/>
+                                          </a:solidFill>
+                                          <a:latin typeface="Cambria Math" panose="02040503050406030204" pitchFamily="18" charset="0"/>
+                                        </a:rPr>
+                                      </m:ctrlPr>
+                                    </m:dPr>
+                                    <m:e>
+                                      <m:r>
+                                        <a:rPr lang="en-US" sz="1000">
+                                          <a:solidFill>
+                                            <a:schemeClr val="tx2"/>
+                                          </a:solidFill>
+                                          <a:latin typeface="Cambria Math" panose="02040503050406030204" pitchFamily="18" charset="0"/>
+                                        </a:rPr>
+                                        <m:t>𝜼</m:t>
+                                      </m:r>
+                                    </m:e>
+                                  </m:d>
+                                </m:e>
+                                <m:e>
+                                  <m:r>
+                                    <a:rPr lang="en-US" sz="1000">
+                                      <a:solidFill>
+                                        <a:schemeClr val="tx2"/>
+                                      </a:solidFill>
+                                      <a:latin typeface="Cambria Math" panose="02040503050406030204" pitchFamily="18" charset="0"/>
+                                    </a:rPr>
+                                    <m:t>0</m:t>
+                                  </m:r>
+                                </m:e>
+                                <m:e>
+                                  <m:r>
+                                    <a:rPr lang="en-US" sz="1000">
+                                      <a:solidFill>
+                                        <a:schemeClr val="tx2"/>
+                                      </a:solidFill>
+                                      <a:latin typeface="Cambria Math" panose="02040503050406030204" pitchFamily="18" charset="0"/>
+                                    </a:rPr>
+                                    <m:t>⋯</m:t>
+                                  </m:r>
+                                </m:e>
+                                <m:e>
+                                  <m:sSub>
+                                    <m:sSubPr>
+                                      <m:ctrlPr>
+                                        <a:rPr lang="en-US" sz="1000" i="1">
+                                          <a:solidFill>
+                                            <a:schemeClr val="tx2"/>
+                                          </a:solidFill>
+                                          <a:latin typeface="Cambria Math" panose="02040503050406030204" pitchFamily="18" charset="0"/>
+                                        </a:rPr>
+                                      </m:ctrlPr>
+                                    </m:sSubPr>
+                                    <m:e>
+                                      <m:r>
+                                        <a:rPr lang="en-US" sz="1000">
+                                          <a:solidFill>
+                                            <a:schemeClr val="tx2"/>
+                                          </a:solidFill>
+                                          <a:latin typeface="Cambria Math" panose="02040503050406030204" pitchFamily="18" charset="0"/>
+                                        </a:rPr>
+                                        <m:t>𝑁</m:t>
+                                      </m:r>
+                                    </m:e>
+                                    <m:sub>
+                                      <m:r>
+                                        <a:rPr lang="en-US" sz="1000">
+                                          <a:solidFill>
+                                            <a:schemeClr val="tx2"/>
+                                          </a:solidFill>
+                                          <a:latin typeface="Cambria Math" panose="02040503050406030204" pitchFamily="18" charset="0"/>
+                                        </a:rPr>
+                                        <m:t>𝑘</m:t>
+                                      </m:r>
+                                    </m:sub>
+                                  </m:sSub>
+                                  <m:d>
+                                    <m:dPr>
+                                      <m:ctrlPr>
+                                        <a:rPr lang="en-US" sz="1000" i="1">
+                                          <a:solidFill>
+                                            <a:schemeClr val="tx2"/>
+                                          </a:solidFill>
+                                          <a:latin typeface="Cambria Math" panose="02040503050406030204" pitchFamily="18" charset="0"/>
+                                        </a:rPr>
+                                      </m:ctrlPr>
+                                    </m:dPr>
+                                    <m:e>
+                                      <m:r>
+                                        <a:rPr lang="en-US" sz="1000">
+                                          <a:solidFill>
+                                            <a:schemeClr val="tx2"/>
+                                          </a:solidFill>
+                                          <a:latin typeface="Cambria Math" panose="02040503050406030204" pitchFamily="18" charset="0"/>
+                                        </a:rPr>
+                                        <m:t>𝜼</m:t>
+                                      </m:r>
+                                    </m:e>
+                                  </m:d>
+                                </m:e>
+                                <m:e>
+                                  <m:r>
+                                    <a:rPr lang="en-US" sz="1000">
+                                      <a:solidFill>
+                                        <a:schemeClr val="tx2"/>
+                                      </a:solidFill>
+                                      <a:latin typeface="Cambria Math" panose="02040503050406030204" pitchFamily="18" charset="0"/>
+                                    </a:rPr>
+                                    <m:t>0</m:t>
+                                  </m:r>
+                                </m:e>
+                              </m:mr>
+                              <m:mr>
+                                <m:e>
+                                  <m:r>
+                                    <a:rPr lang="en-US" sz="1000">
+                                      <a:solidFill>
+                                        <a:schemeClr val="tx2"/>
+                                      </a:solidFill>
+                                      <a:latin typeface="Cambria Math" panose="02040503050406030204" pitchFamily="18" charset="0"/>
+                                    </a:rPr>
+                                    <m:t>0</m:t>
+                                  </m:r>
+                                </m:e>
+                                <m:e>
+                                  <m:sSub>
+                                    <m:sSubPr>
+                                      <m:ctrlPr>
+                                        <a:rPr lang="en-US" sz="1000" i="1">
+                                          <a:solidFill>
+                                            <a:schemeClr val="tx2"/>
+                                          </a:solidFill>
+                                          <a:latin typeface="Cambria Math" panose="02040503050406030204" pitchFamily="18" charset="0"/>
+                                        </a:rPr>
+                                      </m:ctrlPr>
+                                    </m:sSubPr>
+                                    <m:e>
+                                      <m:r>
+                                        <m:rPr>
+                                          <m:brk m:alnAt="7"/>
+                                        </m:rPr>
+                                        <a:rPr lang="en-US" sz="1000">
+                                          <a:solidFill>
+                                            <a:schemeClr val="tx2"/>
+                                          </a:solidFill>
+                                          <a:latin typeface="Cambria Math" panose="02040503050406030204" pitchFamily="18" charset="0"/>
+                                        </a:rPr>
+                                        <m:t>𝑁</m:t>
+                                      </m:r>
+                                    </m:e>
+                                    <m:sub>
+                                      <m:r>
+                                        <m:rPr>
+                                          <m:brk m:alnAt="7"/>
+                                        </m:rPr>
+                                        <a:rPr lang="en-US" sz="1000">
+                                          <a:solidFill>
+                                            <a:schemeClr val="tx2"/>
+                                          </a:solidFill>
+                                          <a:latin typeface="Cambria Math" panose="02040503050406030204" pitchFamily="18" charset="0"/>
+                                        </a:rPr>
+                                        <m:t>1</m:t>
+                                      </m:r>
+                                    </m:sub>
+                                  </m:sSub>
+                                  <m:d>
+                                    <m:dPr>
+                                      <m:ctrlPr>
+                                        <a:rPr lang="en-US" sz="1000" i="1">
+                                          <a:solidFill>
+                                            <a:schemeClr val="tx2"/>
+                                          </a:solidFill>
+                                          <a:latin typeface="Cambria Math" panose="02040503050406030204" pitchFamily="18" charset="0"/>
+                                        </a:rPr>
+                                      </m:ctrlPr>
+                                    </m:dPr>
+                                    <m:e>
+                                      <m:r>
+                                        <a:rPr lang="en-US" sz="1000">
+                                          <a:solidFill>
+                                            <a:schemeClr val="tx2"/>
+                                          </a:solidFill>
+                                          <a:latin typeface="Cambria Math" panose="02040503050406030204" pitchFamily="18" charset="0"/>
+                                        </a:rPr>
+                                        <m:t>𝜼</m:t>
+                                      </m:r>
+                                    </m:e>
+                                  </m:d>
+                                </m:e>
+                                <m:e>
+                                  <m:r>
+                                    <a:rPr lang="en-US" sz="1000">
+                                      <a:solidFill>
+                                        <a:schemeClr val="tx2"/>
+                                      </a:solidFill>
+                                      <a:latin typeface="Cambria Math" panose="02040503050406030204" pitchFamily="18" charset="0"/>
+                                    </a:rPr>
+                                    <m:t>⋯</m:t>
+                                  </m:r>
+                                </m:e>
+                                <m:e>
+                                  <m:r>
+                                    <a:rPr lang="en-US" sz="1000">
+                                      <a:solidFill>
+                                        <a:schemeClr val="tx2"/>
+                                      </a:solidFill>
+                                      <a:latin typeface="Cambria Math" panose="02040503050406030204" pitchFamily="18" charset="0"/>
+                                    </a:rPr>
+                                    <m:t>0</m:t>
+                                  </m:r>
+                                </m:e>
+                                <m:e>
+                                  <m:sSub>
+                                    <m:sSubPr>
+                                      <m:ctrlPr>
+                                        <a:rPr lang="en-US" sz="1000" i="1">
+                                          <a:solidFill>
+                                            <a:schemeClr val="tx2"/>
+                                          </a:solidFill>
+                                          <a:latin typeface="Cambria Math" panose="02040503050406030204" pitchFamily="18" charset="0"/>
+                                        </a:rPr>
+                                      </m:ctrlPr>
+                                    </m:sSubPr>
+                                    <m:e>
+                                      <m:r>
+                                        <a:rPr lang="en-US" sz="1000">
+                                          <a:solidFill>
+                                            <a:schemeClr val="tx2"/>
+                                          </a:solidFill>
+                                          <a:latin typeface="Cambria Math" panose="02040503050406030204" pitchFamily="18" charset="0"/>
+                                        </a:rPr>
+                                        <m:t>𝑁</m:t>
+                                      </m:r>
+                                    </m:e>
+                                    <m:sub>
+                                      <m:r>
+                                        <a:rPr lang="en-US" sz="1000">
+                                          <a:solidFill>
+                                            <a:schemeClr val="tx2"/>
+                                          </a:solidFill>
+                                          <a:latin typeface="Cambria Math" panose="02040503050406030204" pitchFamily="18" charset="0"/>
+                                        </a:rPr>
+                                        <m:t>𝑘</m:t>
+                                      </m:r>
+                                    </m:sub>
+                                  </m:sSub>
+                                  <m:d>
+                                    <m:dPr>
+                                      <m:ctrlPr>
+                                        <a:rPr lang="en-US" sz="1000" i="1">
+                                          <a:solidFill>
+                                            <a:schemeClr val="tx2"/>
+                                          </a:solidFill>
+                                          <a:latin typeface="Cambria Math" panose="02040503050406030204" pitchFamily="18" charset="0"/>
+                                        </a:rPr>
+                                      </m:ctrlPr>
+                                    </m:dPr>
+                                    <m:e>
+                                      <m:r>
+                                        <a:rPr lang="en-US" sz="1000">
+                                          <a:solidFill>
+                                            <a:schemeClr val="tx2"/>
+                                          </a:solidFill>
+                                          <a:latin typeface="Cambria Math" panose="02040503050406030204" pitchFamily="18" charset="0"/>
+                                        </a:rPr>
+                                        <m:t>𝜼</m:t>
+                                      </m:r>
+                                    </m:e>
+                                  </m:d>
+                                </m:e>
+                              </m:mr>
+                            </m:m>
+                          </m:e>
+                        </m:d>
+                      </m:oMath>
+                    </m:oMathPara>
+                  </a14:m>
+                  <a:endParaRPr lang="en-US" sz="1000" dirty="0">
+                    <a:solidFill>
+                      <a:schemeClr val="tx2"/>
+                    </a:solidFill>
+                  </a:endParaRPr>
+                </a:p>
+              </p:txBody>
+            </p:sp>
+          </mc:Choice>
+          <mc:Fallback xmlns="">
+            <p:sp>
+              <p:nvSpPr>
+                <p:cNvPr id="4" name="Rectangle: Rounded Corners 3">
+                  <a:extLst>
+                    <a:ext uri="{FF2B5EF4-FFF2-40B4-BE49-F238E27FC236}">
+                      <a16:creationId xmlns:a16="http://schemas.microsoft.com/office/drawing/2014/main" id="{84DB9DED-2D6D-559B-A613-D5CC9CD6CDFF}"/>
+                    </a:ext>
+                  </a:extLst>
+                </p:cNvPr>
+                <p:cNvSpPr>
+                  <a:spLocks noRot="1" noChangeAspect="1" noMove="1" noResize="1" noEditPoints="1" noAdjustHandles="1" noChangeArrowheads="1" noChangeShapeType="1" noTextEdit="1"/>
+                </p:cNvSpPr>
+                <p:nvPr/>
+              </p:nvSpPr>
+              <p:spPr>
+                <a:xfrm>
+                  <a:off x="3672346" y="1375565"/>
+                  <a:ext cx="3333699" cy="1108954"/>
+                </a:xfrm>
+                <a:prstGeom prst="roundRect">
+                  <a:avLst>
+                    <a:gd name="adj" fmla="val 4292"/>
+                  </a:avLst>
+                </a:prstGeom>
+                <a:blipFill>
+                  <a:blip r:embed="rId6"/>
+                  <a:stretch>
+                    <a:fillRect/>
+                  </a:stretch>
+                </a:blipFill>
+                <a:ln w="6350">
+                  <a:solidFill>
+                    <a:schemeClr val="accent3"/>
+                  </a:solidFill>
+                </a:ln>
+              </p:spPr>
+              <p:txBody>
+                <a:bodyPr/>
+                <a:lstStyle/>
+                <a:p>
+                  <a:r>
+                    <a:rPr lang="en-US">
+                      <a:noFill/>
+                    </a:rPr>
+                    <a:t> </a:t>
+                  </a:r>
+                </a:p>
+              </p:txBody>
+            </p:sp>
+          </mc:Fallback>
+        </mc:AlternateContent>
+        <p:sp>
+          <p:nvSpPr>
+            <p:cNvPr id="18" name="Rectangle: Rounded Corners 17">
+              <a:extLst>
+                <a:ext uri="{FF2B5EF4-FFF2-40B4-BE49-F238E27FC236}">
+                  <a16:creationId xmlns:a16="http://schemas.microsoft.com/office/drawing/2014/main" id="{554819B0-D793-F908-0A6B-B61EC5B0B600}"/>
+                </a:ext>
+              </a:extLst>
+            </p:cNvPr>
+            <p:cNvSpPr/>
+            <p:nvPr/>
+          </p:nvSpPr>
+          <p:spPr>
+            <a:xfrm>
+              <a:off x="4408467" y="1273933"/>
+              <a:ext cx="1861457" cy="200299"/>
+            </a:xfrm>
+            <a:prstGeom prst="roundRect">
+              <a:avLst>
+                <a:gd name="adj" fmla="val 50000"/>
+              </a:avLst>
+            </a:prstGeom>
+            <a:solidFill>
+              <a:schemeClr val="accent6">
+                <a:lumMod val="20000"/>
+                <a:lumOff val="80000"/>
+              </a:schemeClr>
+            </a:solidFill>
+            <a:ln w="6350">
+              <a:solidFill>
+                <a:schemeClr val="accent3"/>
+              </a:solidFill>
+            </a:ln>
+          </p:spPr>
+          <p:style>
+            <a:lnRef idx="2">
+              <a:schemeClr val="accent1">
+                <a:shade val="15000"/>
+              </a:schemeClr>
+            </a:lnRef>
+            <a:fillRef idx="1">
+              <a:schemeClr val="accent1"/>
+            </a:fillRef>
+            <a:effectRef idx="0">
+              <a:schemeClr val="accent1"/>
+            </a:effectRef>
+            <a:fontRef idx="minor">
+              <a:schemeClr val="lt1"/>
+            </a:fontRef>
+          </p:style>
+          <p:txBody>
+            <a:bodyPr rtlCol="0" anchor="ctr"/>
+            <a:lstStyle/>
+            <a:p>
+              <a:pPr algn="ctr"/>
+              <a:r>
+                <a:rPr lang="en-US" sz="1000" b="1" dirty="0" err="1">
+                  <a:solidFill>
+                    <a:schemeClr val="tx2"/>
+                  </a:solidFill>
+                </a:rPr>
+                <a:t>self.N</a:t>
+              </a:r>
+              <a:endParaRPr lang="en-US" sz="1000" b="1" dirty="0">
+                <a:solidFill>
+                  <a:schemeClr val="tx2"/>
+                </a:solidFill>
+              </a:endParaRPr>
+            </a:p>
+          </p:txBody>
+        </p:sp>
+      </p:grpSp>
+      <p:grpSp>
+        <p:nvGrpSpPr>
+          <p:cNvPr id="26" name="Group 25">
+            <a:extLst>
+              <a:ext uri="{FF2B5EF4-FFF2-40B4-BE49-F238E27FC236}">
+                <a16:creationId xmlns:a16="http://schemas.microsoft.com/office/drawing/2014/main" id="{88A87B16-00A1-13DE-0C47-02C4B4A85CC3}"/>
+              </a:ext>
+            </a:extLst>
+          </p:cNvPr>
+          <p:cNvGrpSpPr/>
+          <p:nvPr/>
+        </p:nvGrpSpPr>
+        <p:grpSpPr>
+          <a:xfrm>
+            <a:off x="5087907" y="4724026"/>
+            <a:ext cx="2592979" cy="1429452"/>
+            <a:chOff x="758731" y="2978905"/>
+            <a:chExt cx="2592979" cy="1429452"/>
+          </a:xfrm>
+        </p:grpSpPr>
+        <mc:AlternateContent xmlns:mc="http://schemas.openxmlformats.org/markup-compatibility/2006">
+          <mc:Choice xmlns:a14="http://schemas.microsoft.com/office/drawing/2010/main" Requires="a14">
+            <p:sp>
+              <p:nvSpPr>
+                <p:cNvPr id="3" name="Rectangle: Rounded Corners 2">
+                  <a:extLst>
+                    <a:ext uri="{FF2B5EF4-FFF2-40B4-BE49-F238E27FC236}">
+                      <a16:creationId xmlns:a16="http://schemas.microsoft.com/office/drawing/2014/main" id="{0190D99D-C06E-897E-3F2F-35D62AF4B7AE}"/>
+                    </a:ext>
+                  </a:extLst>
+                </p:cNvPr>
+                <p:cNvSpPr/>
+                <p:nvPr/>
+              </p:nvSpPr>
+              <p:spPr>
+                <a:xfrm>
+                  <a:off x="758731" y="3079055"/>
+                  <a:ext cx="2592979" cy="1329302"/>
+                </a:xfrm>
+                <a:prstGeom prst="roundRect">
+                  <a:avLst>
+                    <a:gd name="adj" fmla="val 4292"/>
+                  </a:avLst>
+                </a:prstGeom>
+                <a:solidFill>
+                  <a:schemeClr val="bg1"/>
+                </a:solidFill>
+                <a:ln w="6350">
+                  <a:solidFill>
+                    <a:schemeClr val="accent3"/>
+                  </a:solidFill>
+                </a:ln>
+              </p:spPr>
+              <p:style>
+                <a:lnRef idx="2">
+                  <a:schemeClr val="accent1">
+                    <a:shade val="15000"/>
+                  </a:schemeClr>
+                </a:lnRef>
+                <a:fillRef idx="1">
+                  <a:schemeClr val="accent1"/>
+                </a:fillRef>
+                <a:effectRef idx="0">
+                  <a:schemeClr val="accent1"/>
+                </a:effectRef>
+                <a:fontRef idx="minor">
+                  <a:schemeClr val="lt1"/>
+                </a:fontRef>
+              </p:style>
+              <p:txBody>
+                <a:bodyPr rtlCol="0" anchor="ctr"/>
+                <a:lstStyle/>
+                <a:p>
+                  <a:pPr algn="ctr"/>
+                  <a:r>
+                    <a:rPr lang="en-US" sz="1000" dirty="0">
+                      <a:solidFill>
+                        <a:schemeClr val="tx2"/>
+                      </a:solidFill>
+                    </a:rPr>
+                    <a:t>Interpolate the value of quantity </a:t>
+                  </a:r>
+                  <a14:m>
+                    <m:oMath xmlns:m="http://schemas.openxmlformats.org/officeDocument/2006/math">
+                      <m:r>
+                        <a:rPr lang="en-US" sz="1000">
+                          <a:solidFill>
+                            <a:schemeClr val="tx2"/>
+                          </a:solidFill>
+                          <a:latin typeface="Cambria Math" panose="02040503050406030204" pitchFamily="18" charset="0"/>
+                        </a:rPr>
+                        <m:t>𝝓</m:t>
+                      </m:r>
+                    </m:oMath>
+                  </a14:m>
+                  <a:r>
+                    <a:rPr lang="en-US" sz="1000" dirty="0">
+                      <a:solidFill>
+                        <a:schemeClr val="tx2"/>
+                      </a:solidFill>
+                    </a:rPr>
+                    <a:t> as a function of position within the element given a vector of nodal values </a:t>
+                  </a:r>
+                  <a14:m>
+                    <m:oMath xmlns:m="http://schemas.openxmlformats.org/officeDocument/2006/math">
+                      <m:acc>
+                        <m:accPr>
+                          <m:chr m:val="̂"/>
+                          <m:ctrlPr>
+                            <a:rPr lang="en-US" sz="1000" i="1">
+                              <a:solidFill>
+                                <a:schemeClr val="tx2"/>
+                              </a:solidFill>
+                              <a:latin typeface="Cambria Math" panose="02040503050406030204" pitchFamily="18" charset="0"/>
+                            </a:rPr>
+                          </m:ctrlPr>
+                        </m:accPr>
+                        <m:e>
+                          <m:r>
+                            <a:rPr lang="en-US" sz="1000">
+                              <a:solidFill>
+                                <a:schemeClr val="tx2"/>
+                              </a:solidFill>
+                              <a:latin typeface="Cambria Math" panose="02040503050406030204" pitchFamily="18" charset="0"/>
+                            </a:rPr>
+                            <m:t>𝝓</m:t>
+                          </m:r>
+                        </m:e>
+                      </m:acc>
+                    </m:oMath>
+                  </a14:m>
+                  <a:r>
+                    <a:rPr lang="en-US" sz="1000" dirty="0">
+                      <a:solidFill>
+                        <a:schemeClr val="tx2"/>
+                      </a:solidFill>
+                    </a:rPr>
+                    <a:t> for a grid of </a:t>
+                  </a:r>
+                  <a14:m>
+                    <m:oMath xmlns:m="http://schemas.openxmlformats.org/officeDocument/2006/math">
+                      <m:r>
+                        <m:rPr>
+                          <m:sty m:val="p"/>
+                        </m:rPr>
+                        <a:rPr lang="en-US" sz="1000" b="0" i="0" smtClean="0">
+                          <a:solidFill>
+                            <a:schemeClr val="tx2"/>
+                          </a:solidFill>
+                          <a:latin typeface="Cambria Math" panose="02040503050406030204" pitchFamily="18" charset="0"/>
+                        </a:rPr>
+                        <m:t>p</m:t>
+                      </m:r>
+                    </m:oMath>
+                  </a14:m>
+                  <a:r>
+                    <a:rPr lang="en-US" sz="1000" dirty="0">
+                      <a:solidFill>
+                        <a:schemeClr val="tx2"/>
+                      </a:solidFill>
+                    </a:rPr>
+                    <a:t> coordinates in the natural coordinate system </a:t>
+                  </a:r>
+                  <a14:m>
+                    <m:oMath xmlns:m="http://schemas.openxmlformats.org/officeDocument/2006/math">
+                      <m:r>
+                        <a:rPr lang="en-US" sz="1000">
+                          <a:solidFill>
+                            <a:schemeClr val="tx2"/>
+                          </a:solidFill>
+                          <a:latin typeface="Cambria Math" panose="02040503050406030204" pitchFamily="18" charset="0"/>
+                        </a:rPr>
+                        <m:t>𝜼</m:t>
+                      </m:r>
+                    </m:oMath>
+                  </a14:m>
+                  <a:r>
+                    <a:rPr lang="en-US" sz="1000" dirty="0">
+                      <a:solidFill>
+                        <a:schemeClr val="tx2"/>
+                      </a:solidFill>
+                    </a:rPr>
+                    <a:t> using shape functions</a:t>
+                  </a:r>
+                </a:p>
+                <a:p>
+                  <a:pPr algn="ctr"/>
+                  <a:endParaRPr lang="en-US" sz="1000" dirty="0">
+                    <a:solidFill>
+                      <a:schemeClr val="tx2"/>
+                    </a:solidFill>
+                  </a:endParaRPr>
+                </a:p>
+                <a:p>
+                  <a:pPr algn="ctr"/>
+                  <a14:m>
+                    <m:oMathPara xmlns:m="http://schemas.openxmlformats.org/officeDocument/2006/math">
+                      <m:oMathParaPr>
+                        <m:jc m:val="centerGroup"/>
+                      </m:oMathParaPr>
+                      <m:oMath xmlns:m="http://schemas.openxmlformats.org/officeDocument/2006/math">
+                        <m:r>
+                          <a:rPr lang="en-US" sz="1000">
+                            <a:solidFill>
+                              <a:schemeClr val="tx2"/>
+                            </a:solidFill>
+                            <a:latin typeface="Cambria Math" panose="02040503050406030204" pitchFamily="18" charset="0"/>
+                          </a:rPr>
+                          <m:t>𝝓</m:t>
+                        </m:r>
+                        <m:d>
+                          <m:dPr>
+                            <m:ctrlPr>
+                              <a:rPr lang="en-US" sz="1000" i="1">
+                                <a:solidFill>
+                                  <a:schemeClr val="tx2"/>
+                                </a:solidFill>
+                                <a:latin typeface="Cambria Math" panose="02040503050406030204" pitchFamily="18" charset="0"/>
+                              </a:rPr>
+                            </m:ctrlPr>
+                          </m:dPr>
+                          <m:e>
+                            <m:r>
+                              <a:rPr lang="en-US" sz="1000">
+                                <a:solidFill>
+                                  <a:schemeClr val="tx2"/>
+                                </a:solidFill>
+                                <a:latin typeface="Cambria Math" panose="02040503050406030204" pitchFamily="18" charset="0"/>
+                              </a:rPr>
+                              <m:t>𝜼</m:t>
+                            </m:r>
+                          </m:e>
+                        </m:d>
+                        <m:r>
+                          <a:rPr lang="en-US" sz="1000">
+                            <a:solidFill>
+                              <a:schemeClr val="tx2"/>
+                            </a:solidFill>
+                            <a:latin typeface="Cambria Math" panose="02040503050406030204" pitchFamily="18" charset="0"/>
+                          </a:rPr>
+                          <m:t>=</m:t>
+                        </m:r>
+                        <m:r>
+                          <a:rPr lang="en-US" sz="1000">
+                            <a:solidFill>
+                              <a:schemeClr val="tx2"/>
+                            </a:solidFill>
+                            <a:latin typeface="Cambria Math" panose="02040503050406030204" pitchFamily="18" charset="0"/>
+                          </a:rPr>
+                          <m:t>𝐍</m:t>
+                        </m:r>
+                        <m:r>
+                          <a:rPr lang="en-US" sz="1000">
+                            <a:solidFill>
+                              <a:schemeClr val="tx2"/>
+                            </a:solidFill>
+                            <a:latin typeface="Cambria Math" panose="02040503050406030204" pitchFamily="18" charset="0"/>
+                          </a:rPr>
+                          <m:t>(</m:t>
+                        </m:r>
+                        <m:r>
+                          <a:rPr lang="en-US" sz="1000">
+                            <a:solidFill>
+                              <a:schemeClr val="tx2"/>
+                            </a:solidFill>
+                            <a:latin typeface="Cambria Math" panose="02040503050406030204" pitchFamily="18" charset="0"/>
+                          </a:rPr>
+                          <m:t>𝜼</m:t>
+                        </m:r>
+                        <m:r>
+                          <a:rPr lang="en-US" sz="1000">
+                            <a:solidFill>
+                              <a:schemeClr val="tx2"/>
+                            </a:solidFill>
+                            <a:latin typeface="Cambria Math" panose="02040503050406030204" pitchFamily="18" charset="0"/>
+                          </a:rPr>
+                          <m:t>)</m:t>
+                        </m:r>
+                        <m:acc>
+                          <m:accPr>
+                            <m:chr m:val="̂"/>
+                            <m:ctrlPr>
+                              <a:rPr lang="en-US" sz="1000" i="1">
+                                <a:solidFill>
+                                  <a:schemeClr val="tx2"/>
+                                </a:solidFill>
+                                <a:latin typeface="Cambria Math" panose="02040503050406030204" pitchFamily="18" charset="0"/>
+                              </a:rPr>
+                            </m:ctrlPr>
+                          </m:accPr>
+                          <m:e>
+                            <m:r>
+                              <a:rPr lang="en-US" sz="1000">
+                                <a:solidFill>
+                                  <a:schemeClr val="tx2"/>
+                                </a:solidFill>
+                                <a:latin typeface="Cambria Math" panose="02040503050406030204" pitchFamily="18" charset="0"/>
+                              </a:rPr>
+                              <m:t>𝝓</m:t>
+                            </m:r>
+                          </m:e>
+                        </m:acc>
+                      </m:oMath>
+                    </m:oMathPara>
+                  </a14:m>
+                  <a:endParaRPr lang="en-US" sz="1000" dirty="0">
+                    <a:solidFill>
+                      <a:schemeClr val="tx2"/>
+                    </a:solidFill>
+                  </a:endParaRPr>
+                </a:p>
+              </p:txBody>
+            </p:sp>
+          </mc:Choice>
+          <mc:Fallback>
+            <p:sp>
+              <p:nvSpPr>
+                <p:cNvPr id="3" name="Rectangle: Rounded Corners 2">
+                  <a:extLst>
+                    <a:ext uri="{FF2B5EF4-FFF2-40B4-BE49-F238E27FC236}">
+                      <a16:creationId xmlns:a16="http://schemas.microsoft.com/office/drawing/2014/main" id="{0190D99D-C06E-897E-3F2F-35D62AF4B7AE}"/>
+                    </a:ext>
+                  </a:extLst>
+                </p:cNvPr>
+                <p:cNvSpPr>
+                  <a:spLocks noRot="1" noChangeAspect="1" noMove="1" noResize="1" noEditPoints="1" noAdjustHandles="1" noChangeArrowheads="1" noChangeShapeType="1" noTextEdit="1"/>
+                </p:cNvSpPr>
+                <p:nvPr/>
+              </p:nvSpPr>
+              <p:spPr>
+                <a:xfrm>
+                  <a:off x="758731" y="3079055"/>
+                  <a:ext cx="2592979" cy="1329302"/>
+                </a:xfrm>
+                <a:prstGeom prst="roundRect">
+                  <a:avLst>
+                    <a:gd name="adj" fmla="val 4292"/>
+                  </a:avLst>
+                </a:prstGeom>
+                <a:blipFill>
+                  <a:blip r:embed="rId7"/>
+                  <a:stretch>
+                    <a:fillRect/>
+                  </a:stretch>
+                </a:blipFill>
+                <a:ln w="6350">
+                  <a:solidFill>
+                    <a:schemeClr val="accent3"/>
+                  </a:solidFill>
+                </a:ln>
+              </p:spPr>
+              <p:txBody>
+                <a:bodyPr/>
+                <a:lstStyle/>
+                <a:p>
+                  <a:r>
+                    <a:rPr lang="en-US">
+                      <a:noFill/>
+                    </a:rPr>
+                    <a:t> </a:t>
+                  </a:r>
+                </a:p>
+              </p:txBody>
+            </p:sp>
+          </mc:Fallback>
+        </mc:AlternateContent>
+        <p:sp>
+          <p:nvSpPr>
+            <p:cNvPr id="25" name="Rectangle: Rounded Corners 24">
+              <a:extLst>
+                <a:ext uri="{FF2B5EF4-FFF2-40B4-BE49-F238E27FC236}">
+                  <a16:creationId xmlns:a16="http://schemas.microsoft.com/office/drawing/2014/main" id="{72D0B35E-7B2E-7EEF-9EE6-7C7C5433E8B8}"/>
+                </a:ext>
+              </a:extLst>
+            </p:cNvPr>
+            <p:cNvSpPr/>
+            <p:nvPr/>
+          </p:nvSpPr>
+          <p:spPr>
+            <a:xfrm>
+              <a:off x="1124492" y="2978905"/>
+              <a:ext cx="1861457" cy="200299"/>
+            </a:xfrm>
+            <a:prstGeom prst="roundRect">
+              <a:avLst>
+                <a:gd name="adj" fmla="val 50000"/>
+              </a:avLst>
+            </a:prstGeom>
+            <a:solidFill>
+              <a:schemeClr val="accent6">
+                <a:lumMod val="20000"/>
+                <a:lumOff val="80000"/>
+              </a:schemeClr>
+            </a:solidFill>
+            <a:ln w="6350">
+              <a:solidFill>
+                <a:schemeClr val="accent3"/>
+              </a:solidFill>
+            </a:ln>
+          </p:spPr>
+          <p:style>
+            <a:lnRef idx="2">
+              <a:schemeClr val="accent1">
+                <a:shade val="15000"/>
+              </a:schemeClr>
+            </a:lnRef>
+            <a:fillRef idx="1">
+              <a:schemeClr val="accent1"/>
+            </a:fillRef>
+            <a:effectRef idx="0">
+              <a:schemeClr val="accent1"/>
+            </a:effectRef>
+            <a:fontRef idx="minor">
+              <a:schemeClr val="lt1"/>
+            </a:fontRef>
+          </p:style>
+          <p:txBody>
+            <a:bodyPr rtlCol="0" anchor="ctr"/>
+            <a:lstStyle/>
+            <a:p>
+              <a:pPr algn="ctr"/>
+              <a:r>
+                <a:rPr lang="en-US" sz="1000" b="1" dirty="0" err="1">
+                  <a:solidFill>
+                    <a:schemeClr val="tx2"/>
+                  </a:solidFill>
+                </a:rPr>
+                <a:t>self.interpolate</a:t>
+              </a:r>
+              <a:endParaRPr lang="en-US" sz="1000" b="1" dirty="0">
+                <a:solidFill>
+                  <a:schemeClr val="tx2"/>
+                </a:solidFill>
+              </a:endParaRPr>
+            </a:p>
+          </p:txBody>
+        </p:sp>
+      </p:grpSp>
+      <mc:AlternateContent xmlns:mc="http://schemas.openxmlformats.org/markup-compatibility/2006">
+        <mc:Choice xmlns:a14="http://schemas.microsoft.com/office/drawing/2010/main" Requires="a14">
+          <p:sp>
+            <p:nvSpPr>
+              <p:cNvPr id="27" name="Rectangle: Rounded Corners 26">
+                <a:extLst>
+                  <a:ext uri="{FF2B5EF4-FFF2-40B4-BE49-F238E27FC236}">
+                    <a16:creationId xmlns:a16="http://schemas.microsoft.com/office/drawing/2014/main" id="{84B0EF12-34C9-7EF1-BA43-1BC0F24C4639}"/>
+                  </a:ext>
+                </a:extLst>
+              </p:cNvPr>
+              <p:cNvSpPr/>
+              <p:nvPr/>
+            </p:nvSpPr>
+            <p:spPr>
+              <a:xfrm>
+                <a:off x="429471" y="4548635"/>
+                <a:ext cx="2530333" cy="649524"/>
+              </a:xfrm>
+              <a:prstGeom prst="roundRect">
+                <a:avLst>
+                  <a:gd name="adj" fmla="val 4292"/>
+                </a:avLst>
+              </a:prstGeom>
+              <a:solidFill>
+                <a:schemeClr val="bg1"/>
+              </a:solidFill>
+              <a:ln w="6350">
+                <a:solidFill>
+                  <a:schemeClr val="accent3"/>
+                </a:solidFill>
+              </a:ln>
+            </p:spPr>
+            <p:style>
+              <a:lnRef idx="2">
+                <a:schemeClr val="accent1">
+                  <a:shade val="15000"/>
+                </a:schemeClr>
+              </a:lnRef>
+              <a:fillRef idx="1">
+                <a:schemeClr val="accent1"/>
+              </a:fillRef>
+              <a:effectRef idx="0">
+                <a:schemeClr val="accent1"/>
+              </a:effectRef>
+              <a:fontRef idx="minor">
+                <a:schemeClr val="lt1"/>
+              </a:fontRef>
+            </p:style>
+            <p:txBody>
+              <a:bodyPr rtlCol="0" anchor="ctr"/>
+              <a:lstStyle/>
+              <a:p>
+                <a:pPr algn="ctr"/>
+                <a:r>
+                  <a:rPr lang="en-US" sz="1000" dirty="0">
+                    <a:solidFill>
+                      <a:schemeClr val="tx2"/>
+                    </a:solidFill>
+                  </a:rPr>
+                  <a:t>Return a list of </a:t>
+                </a:r>
+                <a14:m>
+                  <m:oMath xmlns:m="http://schemas.openxmlformats.org/officeDocument/2006/math">
+                    <m:r>
+                      <a:rPr lang="en-US" sz="1000" b="0" i="1" dirty="0" smtClean="0">
+                        <a:solidFill>
+                          <a:schemeClr val="tx2"/>
+                        </a:solidFill>
+                        <a:latin typeface="Cambria Math" panose="02040503050406030204" pitchFamily="18" charset="0"/>
+                      </a:rPr>
+                      <m:t>𝑘</m:t>
+                    </m:r>
+                  </m:oMath>
+                </a14:m>
+                <a:r>
+                  <a:rPr lang="en-US" sz="1000" dirty="0">
+                    <a:solidFill>
+                      <a:schemeClr val="tx2"/>
+                    </a:solidFill>
+                  </a:rPr>
+                  <a:t> shape functions for the element ordered by local node number</a:t>
+                </a:r>
+              </a:p>
+            </p:txBody>
+          </p:sp>
+        </mc:Choice>
+        <mc:Fallback>
+          <p:sp>
+            <p:nvSpPr>
+              <p:cNvPr id="27" name="Rectangle: Rounded Corners 26">
+                <a:extLst>
+                  <a:ext uri="{FF2B5EF4-FFF2-40B4-BE49-F238E27FC236}">
+                    <a16:creationId xmlns:a16="http://schemas.microsoft.com/office/drawing/2014/main" id="{84B0EF12-34C9-7EF1-BA43-1BC0F24C4639}"/>
+                  </a:ext>
+                </a:extLst>
+              </p:cNvPr>
+              <p:cNvSpPr>
+                <a:spLocks noRot="1" noChangeAspect="1" noMove="1" noResize="1" noEditPoints="1" noAdjustHandles="1" noChangeArrowheads="1" noChangeShapeType="1" noTextEdit="1"/>
+              </p:cNvSpPr>
+              <p:nvPr/>
+            </p:nvSpPr>
+            <p:spPr>
+              <a:xfrm>
+                <a:off x="429471" y="4548635"/>
+                <a:ext cx="2530333" cy="649524"/>
+              </a:xfrm>
+              <a:prstGeom prst="roundRect">
+                <a:avLst>
+                  <a:gd name="adj" fmla="val 4292"/>
+                </a:avLst>
+              </a:prstGeom>
+              <a:blipFill>
+                <a:blip r:embed="rId8"/>
+                <a:stretch>
+                  <a:fillRect/>
+                </a:stretch>
+              </a:blipFill>
+              <a:ln w="6350">
+                <a:solidFill>
+                  <a:schemeClr val="accent3"/>
+                </a:solidFill>
+              </a:ln>
+            </p:spPr>
+            <p:txBody>
+              <a:bodyPr/>
+              <a:lstStyle/>
+              <a:p>
+                <a:r>
+                  <a:rPr lang="en-US">
+                    <a:noFill/>
+                  </a:rPr>
+                  <a:t> </a:t>
+                </a:r>
+              </a:p>
+            </p:txBody>
+          </p:sp>
+        </mc:Fallback>
+      </mc:AlternateContent>
+      <p:sp>
+        <p:nvSpPr>
+          <p:cNvPr id="28" name="Rectangle: Rounded Corners 27">
+            <a:extLst>
+              <a:ext uri="{FF2B5EF4-FFF2-40B4-BE49-F238E27FC236}">
+                <a16:creationId xmlns:a16="http://schemas.microsoft.com/office/drawing/2014/main" id="{2553ACE8-6182-77B6-D51D-2C0E3FBF0512}"/>
+              </a:ext>
+            </a:extLst>
+          </p:cNvPr>
+          <p:cNvSpPr/>
+          <p:nvPr/>
+        </p:nvSpPr>
+        <p:spPr>
+          <a:xfrm>
+            <a:off x="763909" y="4448485"/>
+            <a:ext cx="1861457" cy="200299"/>
+          </a:xfrm>
+          <a:prstGeom prst="roundRect">
+            <a:avLst>
+              <a:gd name="adj" fmla="val 50000"/>
+            </a:avLst>
+          </a:prstGeom>
+          <a:solidFill>
+            <a:srgbClr val="C00000"/>
+          </a:solidFill>
+          <a:ln w="6350">
+            <a:solidFill>
+              <a:schemeClr val="accent3"/>
+            </a:solidFill>
+          </a:ln>
+        </p:spPr>
+        <p:style>
+          <a:lnRef idx="2">
+            <a:schemeClr val="accent1">
+              <a:shade val="15000"/>
+            </a:schemeClr>
+          </a:lnRef>
+          <a:fillRef idx="1">
+            <a:schemeClr val="accent1"/>
+          </a:fillRef>
+          <a:effectRef idx="0">
+            <a:schemeClr val="accent1"/>
+          </a:effectRef>
+          <a:fontRef idx="minor">
+            <a:schemeClr val="lt1"/>
+          </a:fontRef>
+        </p:style>
+        <p:txBody>
+          <a:bodyPr rtlCol="0" anchor="ctr"/>
+          <a:lstStyle/>
+          <a:p>
+            <a:pPr algn="ctr"/>
+            <a:r>
+              <a:rPr lang="en-US" sz="1000" b="1" dirty="0" err="1">
+                <a:solidFill>
+                  <a:schemeClr val="bg1"/>
+                </a:solidFill>
+              </a:rPr>
+              <a:t>self.get_shape_funcs</a:t>
+            </a:r>
+            <a:endParaRPr lang="en-US" sz="1000" b="1" dirty="0">
+              <a:solidFill>
+                <a:schemeClr val="bg1"/>
+              </a:solidFill>
+            </a:endParaRPr>
+          </a:p>
+        </p:txBody>
+      </p:sp>
+      <p:cxnSp>
+        <p:nvCxnSpPr>
+          <p:cNvPr id="57" name="Connector: Curved 56">
+            <a:extLst>
+              <a:ext uri="{FF2B5EF4-FFF2-40B4-BE49-F238E27FC236}">
+                <a16:creationId xmlns:a16="http://schemas.microsoft.com/office/drawing/2014/main" id="{FD12610E-1B4D-6AA4-8019-F6F2FF52B66E}"/>
+              </a:ext>
+            </a:extLst>
+          </p:cNvPr>
+          <p:cNvCxnSpPr>
+            <a:cxnSpLocks/>
+            <a:stCxn id="2" idx="2"/>
+            <a:endCxn id="4" idx="1"/>
+          </p:cNvCxnSpPr>
+          <p:nvPr/>
+        </p:nvCxnSpPr>
+        <p:spPr>
+          <a:xfrm rot="16200000" flipH="1">
+            <a:off x="1359000" y="2237375"/>
+            <a:ext cx="1046105" cy="518272"/>
+          </a:xfrm>
+          <a:prstGeom prst="curvedConnector2">
+            <a:avLst/>
+          </a:prstGeom>
+          <a:ln>
+            <a:solidFill>
+              <a:schemeClr val="accent5"/>
+            </a:solidFill>
+            <a:tailEnd type="triangle"/>
+          </a:ln>
+        </p:spPr>
+        <p:style>
+          <a:lnRef idx="2">
+            <a:schemeClr val="accent1"/>
+          </a:lnRef>
+          <a:fillRef idx="0">
+            <a:schemeClr val="accent1"/>
+          </a:fillRef>
+          <a:effectRef idx="1">
+            <a:schemeClr val="accent1"/>
+          </a:effectRef>
+          <a:fontRef idx="minor">
+            <a:schemeClr val="tx1"/>
+          </a:fontRef>
+        </p:style>
+      </p:cxnSp>
+      <p:cxnSp>
+        <p:nvCxnSpPr>
+          <p:cNvPr id="60" name="Connector: Curved 59">
+            <a:extLst>
+              <a:ext uri="{FF2B5EF4-FFF2-40B4-BE49-F238E27FC236}">
+                <a16:creationId xmlns:a16="http://schemas.microsoft.com/office/drawing/2014/main" id="{CDE52AFC-6FED-BB7A-25A9-E7448CC4CDDC}"/>
+              </a:ext>
+            </a:extLst>
+          </p:cNvPr>
+          <p:cNvCxnSpPr>
+            <a:cxnSpLocks/>
+            <a:stCxn id="18" idx="0"/>
+            <a:endCxn id="9" idx="0"/>
+          </p:cNvCxnSpPr>
+          <p:nvPr/>
+        </p:nvCxnSpPr>
+        <p:spPr>
+          <a:xfrm rot="16200000" flipV="1">
+            <a:off x="2032605" y="588021"/>
+            <a:ext cx="1437593" cy="2113275"/>
+          </a:xfrm>
+          <a:prstGeom prst="curvedConnector3">
+            <a:avLst>
+              <a:gd name="adj1" fmla="val 115902"/>
+            </a:avLst>
+          </a:prstGeom>
+          <a:ln>
+            <a:tailEnd type="triangle"/>
+          </a:ln>
+        </p:spPr>
+        <p:style>
+          <a:lnRef idx="2">
+            <a:schemeClr val="accent1"/>
+          </a:lnRef>
+          <a:fillRef idx="0">
+            <a:schemeClr val="accent1"/>
+          </a:fillRef>
+          <a:effectRef idx="1">
+            <a:schemeClr val="accent1"/>
+          </a:effectRef>
+          <a:fontRef idx="minor">
+            <a:schemeClr val="tx1"/>
+          </a:fontRef>
+        </p:style>
+      </p:cxnSp>
+      <mc:AlternateContent xmlns:mc="http://schemas.openxmlformats.org/markup-compatibility/2006">
+        <mc:Choice xmlns:a14="http://schemas.microsoft.com/office/drawing/2010/main" Requires="a14">
+          <p:sp>
+            <p:nvSpPr>
+              <p:cNvPr id="54" name="Rectangle 53">
+                <a:extLst>
+                  <a:ext uri="{FF2B5EF4-FFF2-40B4-BE49-F238E27FC236}">
+                    <a16:creationId xmlns:a16="http://schemas.microsoft.com/office/drawing/2014/main" id="{701288E9-D128-DA8D-1A9C-FD0AC7802881}"/>
+                  </a:ext>
+                </a:extLst>
+              </p:cNvPr>
+              <p:cNvSpPr/>
+              <p:nvPr/>
+            </p:nvSpPr>
+            <p:spPr>
+              <a:xfrm>
+                <a:off x="3082732" y="1315102"/>
+                <a:ext cx="824046" cy="182880"/>
+              </a:xfrm>
+              <a:prstGeom prst="rect">
+                <a:avLst/>
+              </a:prstGeom>
+              <a:solidFill>
+                <a:schemeClr val="accent4">
+                  <a:lumMod val="20000"/>
+                  <a:lumOff val="80000"/>
+                </a:schemeClr>
+              </a:solidFill>
+              <a:ln w="3175">
+                <a:noFill/>
+                <a:prstDash val="sysDot"/>
+              </a:ln>
+            </p:spPr>
+            <p:style>
+              <a:lnRef idx="2">
+                <a:schemeClr val="accent1">
+                  <a:shade val="15000"/>
+                </a:schemeClr>
+              </a:lnRef>
+              <a:fillRef idx="1">
+                <a:schemeClr val="accent1"/>
+              </a:fillRef>
+              <a:effectRef idx="0">
+                <a:schemeClr val="accent1"/>
+              </a:effectRef>
+              <a:fontRef idx="minor">
+                <a:schemeClr val="lt1"/>
+              </a:fontRef>
+            </p:style>
+            <p:txBody>
+              <a:bodyPr rtlCol="0" anchor="ctr"/>
+              <a:lstStyle/>
+              <a:p>
+                <a:pPr algn="ctr"/>
+                <a14:m>
+                  <m:oMathPara xmlns:m="http://schemas.openxmlformats.org/officeDocument/2006/math">
+                    <m:oMathParaPr>
+                      <m:jc m:val="centerGroup"/>
+                    </m:oMathParaPr>
+                    <m:oMath xmlns:m="http://schemas.openxmlformats.org/officeDocument/2006/math">
+                      <m:r>
+                        <a:rPr lang="en-US" sz="900" b="1" i="1" smtClean="0">
+                          <a:solidFill>
+                            <a:schemeClr val="tx1"/>
+                          </a:solidFill>
+                          <a:latin typeface="Cambria Math" panose="02040503050406030204" pitchFamily="18" charset="0"/>
+                        </a:rPr>
+                        <m:t>𝜼</m:t>
+                      </m:r>
+                      <m:r>
+                        <a:rPr lang="en-US" sz="900" b="1" i="1" smtClean="0">
+                          <a:solidFill>
+                            <a:schemeClr val="tx1"/>
+                          </a:solidFill>
+                          <a:latin typeface="Cambria Math" panose="02040503050406030204" pitchFamily="18" charset="0"/>
+                        </a:rPr>
+                        <m:t>=(</m:t>
+                      </m:r>
+                      <m:sSub>
+                        <m:sSubPr>
+                          <m:ctrlPr>
+                            <a:rPr lang="en-US" sz="900" b="1" i="1" smtClean="0">
+                              <a:solidFill>
+                                <a:schemeClr val="tx1"/>
+                              </a:solidFill>
+                              <a:latin typeface="Cambria Math" panose="02040503050406030204" pitchFamily="18" charset="0"/>
+                            </a:rPr>
+                          </m:ctrlPr>
+                        </m:sSubPr>
+                        <m:e>
+                          <m:r>
+                            <a:rPr lang="en-US" sz="900" b="1" i="1" smtClean="0">
+                              <a:solidFill>
+                                <a:schemeClr val="tx1"/>
+                              </a:solidFill>
+                              <a:latin typeface="Cambria Math" panose="02040503050406030204" pitchFamily="18" charset="0"/>
+                            </a:rPr>
+                            <m:t>𝜼</m:t>
+                          </m:r>
+                        </m:e>
+                        <m:sub>
+                          <m:r>
+                            <a:rPr lang="en-US" sz="900" b="1" i="1" smtClean="0">
+                              <a:solidFill>
+                                <a:schemeClr val="tx1"/>
+                              </a:solidFill>
+                              <a:latin typeface="Cambria Math" panose="02040503050406030204" pitchFamily="18" charset="0"/>
+                            </a:rPr>
+                            <m:t>𝟏</m:t>
+                          </m:r>
+                        </m:sub>
+                      </m:sSub>
+                      <m:r>
+                        <a:rPr lang="en-US" sz="900" b="1" i="1" smtClean="0">
+                          <a:solidFill>
+                            <a:schemeClr val="tx1"/>
+                          </a:solidFill>
+                          <a:latin typeface="Cambria Math" panose="02040503050406030204" pitchFamily="18" charset="0"/>
+                        </a:rPr>
+                        <m:t>, </m:t>
+                      </m:r>
+                      <m:sSub>
+                        <m:sSubPr>
+                          <m:ctrlPr>
+                            <a:rPr lang="en-US" sz="900" b="1" i="1" smtClean="0">
+                              <a:solidFill>
+                                <a:schemeClr val="tx1"/>
+                              </a:solidFill>
+                              <a:latin typeface="Cambria Math" panose="02040503050406030204" pitchFamily="18" charset="0"/>
+                            </a:rPr>
+                          </m:ctrlPr>
+                        </m:sSubPr>
+                        <m:e>
+                          <m:r>
+                            <a:rPr lang="en-US" sz="900" b="1" i="1" smtClean="0">
+                              <a:solidFill>
+                                <a:schemeClr val="tx1"/>
+                              </a:solidFill>
+                              <a:latin typeface="Cambria Math" panose="02040503050406030204" pitchFamily="18" charset="0"/>
+                            </a:rPr>
+                            <m:t>𝜼</m:t>
+                          </m:r>
+                        </m:e>
+                        <m:sub>
+                          <m:r>
+                            <a:rPr lang="en-US" sz="900" b="1" i="1" smtClean="0">
+                              <a:solidFill>
+                                <a:schemeClr val="tx1"/>
+                              </a:solidFill>
+                              <a:latin typeface="Cambria Math" panose="02040503050406030204" pitchFamily="18" charset="0"/>
+                            </a:rPr>
+                            <m:t>𝟐</m:t>
+                          </m:r>
+                        </m:sub>
+                      </m:sSub>
+                      <m:r>
+                        <a:rPr lang="en-US" sz="900" b="1" i="1" smtClean="0">
+                          <a:solidFill>
+                            <a:schemeClr val="tx1"/>
+                          </a:solidFill>
+                          <a:latin typeface="Cambria Math" panose="02040503050406030204" pitchFamily="18" charset="0"/>
+                        </a:rPr>
+                        <m:t>)</m:t>
+                      </m:r>
+                    </m:oMath>
+                  </m:oMathPara>
+                </a14:m>
+                <a:endParaRPr lang="en-US" sz="900" b="1" dirty="0">
+                  <a:solidFill>
+                    <a:schemeClr val="tx1"/>
+                  </a:solidFill>
+                </a:endParaRPr>
+              </a:p>
+            </p:txBody>
+          </p:sp>
+        </mc:Choice>
+        <mc:Fallback>
+          <p:sp>
+            <p:nvSpPr>
+              <p:cNvPr id="54" name="Rectangle 53">
+                <a:extLst>
+                  <a:ext uri="{FF2B5EF4-FFF2-40B4-BE49-F238E27FC236}">
+                    <a16:creationId xmlns:a16="http://schemas.microsoft.com/office/drawing/2014/main" id="{701288E9-D128-DA8D-1A9C-FD0AC7802881}"/>
+                  </a:ext>
+                </a:extLst>
+              </p:cNvPr>
+              <p:cNvSpPr>
+                <a:spLocks noRot="1" noChangeAspect="1" noMove="1" noResize="1" noEditPoints="1" noAdjustHandles="1" noChangeArrowheads="1" noChangeShapeType="1" noTextEdit="1"/>
+              </p:cNvSpPr>
+              <p:nvPr/>
+            </p:nvSpPr>
+            <p:spPr>
+              <a:xfrm>
+                <a:off x="3082732" y="1315102"/>
+                <a:ext cx="824046" cy="182880"/>
+              </a:xfrm>
+              <a:prstGeom prst="rect">
+                <a:avLst/>
+              </a:prstGeom>
+              <a:blipFill>
+                <a:blip r:embed="rId9"/>
                 <a:stretch>
                   <a:fillRect b="-10000"/>
                 </a:stretch>
@@ -6621,6 +9633,536 @@
           </p:sp>
         </mc:Fallback>
       </mc:AlternateContent>
+      <mc:AlternateContent xmlns:mc="http://schemas.openxmlformats.org/markup-compatibility/2006">
+        <mc:Choice xmlns:a14="http://schemas.microsoft.com/office/drawing/2010/main" Requires="a14">
+          <p:sp>
+            <p:nvSpPr>
+              <p:cNvPr id="55" name="Rectangle 54">
+                <a:extLst>
+                  <a:ext uri="{FF2B5EF4-FFF2-40B4-BE49-F238E27FC236}">
+                    <a16:creationId xmlns:a16="http://schemas.microsoft.com/office/drawing/2014/main" id="{0E1326CD-7339-F634-8215-D1962CDE049C}"/>
+                  </a:ext>
+                </a:extLst>
+              </p:cNvPr>
+              <p:cNvSpPr/>
+              <p:nvPr/>
+            </p:nvSpPr>
+            <p:spPr>
+              <a:xfrm>
+                <a:off x="1333819" y="2371685"/>
+                <a:ext cx="731520" cy="182880"/>
+              </a:xfrm>
+              <a:prstGeom prst="rect">
+                <a:avLst/>
+              </a:prstGeom>
+              <a:solidFill>
+                <a:schemeClr val="accent5">
+                  <a:lumMod val="20000"/>
+                  <a:lumOff val="80000"/>
+                </a:schemeClr>
+              </a:solidFill>
+              <a:ln w="3175">
+                <a:noFill/>
+                <a:prstDash val="sysDot"/>
+              </a:ln>
+            </p:spPr>
+            <p:style>
+              <a:lnRef idx="2">
+                <a:schemeClr val="accent1">
+                  <a:shade val="15000"/>
+                </a:schemeClr>
+              </a:lnRef>
+              <a:fillRef idx="1">
+                <a:schemeClr val="accent1"/>
+              </a:fillRef>
+              <a:effectRef idx="0">
+                <a:schemeClr val="accent1"/>
+              </a:effectRef>
+              <a:fontRef idx="minor">
+                <a:schemeClr val="lt1"/>
+              </a:fontRef>
+            </p:style>
+            <p:txBody>
+              <a:bodyPr rtlCol="0" anchor="ctr"/>
+              <a:lstStyle/>
+              <a:p>
+                <a:pPr algn="ctr"/>
+                <a14:m>
+                  <m:oMathPara xmlns:m="http://schemas.openxmlformats.org/officeDocument/2006/math">
+                    <m:oMathParaPr>
+                      <m:jc m:val="centerGroup"/>
+                    </m:oMathParaPr>
+                    <m:oMath xmlns:m="http://schemas.openxmlformats.org/officeDocument/2006/math">
+                      <m:sSub>
+                        <m:sSubPr>
+                          <m:ctrlPr>
+                            <a:rPr lang="en-US" sz="900" b="1" i="1" smtClean="0">
+                              <a:solidFill>
+                                <a:schemeClr val="tx1"/>
+                              </a:solidFill>
+                              <a:latin typeface="Cambria Math" panose="02040503050406030204" pitchFamily="18" charset="0"/>
+                            </a:rPr>
+                          </m:ctrlPr>
+                        </m:sSubPr>
+                        <m:e>
+                          <m:r>
+                            <a:rPr lang="en-US" sz="900" b="1" i="1" smtClean="0">
+                              <a:solidFill>
+                                <a:schemeClr val="tx1"/>
+                              </a:solidFill>
+                              <a:latin typeface="Cambria Math" panose="02040503050406030204" pitchFamily="18" charset="0"/>
+                            </a:rPr>
+                            <m:t>𝑵</m:t>
+                          </m:r>
+                        </m:e>
+                        <m:sub>
+                          <m:r>
+                            <a:rPr lang="en-US" sz="900" b="1" i="1" smtClean="0">
+                              <a:solidFill>
+                                <a:schemeClr val="tx1"/>
+                              </a:solidFill>
+                              <a:latin typeface="Cambria Math" panose="02040503050406030204" pitchFamily="18" charset="0"/>
+                            </a:rPr>
+                            <m:t>𝒊</m:t>
+                          </m:r>
+                        </m:sub>
+                      </m:sSub>
+                      <m:r>
+                        <a:rPr lang="en-US" sz="900" b="1" i="1" smtClean="0">
+                          <a:solidFill>
+                            <a:schemeClr val="tx1"/>
+                          </a:solidFill>
+                          <a:latin typeface="Cambria Math" panose="02040503050406030204" pitchFamily="18" charset="0"/>
+                        </a:rPr>
+                        <m:t>(</m:t>
+                      </m:r>
+                      <m:r>
+                        <a:rPr lang="en-US" sz="900" b="1" i="1" smtClean="0">
+                          <a:solidFill>
+                            <a:schemeClr val="tx1"/>
+                          </a:solidFill>
+                          <a:latin typeface="Cambria Math" panose="02040503050406030204" pitchFamily="18" charset="0"/>
+                        </a:rPr>
+                        <m:t>𝜼</m:t>
+                      </m:r>
+                      <m:r>
+                        <a:rPr lang="en-US" sz="900" b="1" i="1" smtClean="0">
+                          <a:solidFill>
+                            <a:schemeClr val="tx1"/>
+                          </a:solidFill>
+                          <a:latin typeface="Cambria Math" panose="02040503050406030204" pitchFamily="18" charset="0"/>
+                        </a:rPr>
+                        <m:t>)</m:t>
+                      </m:r>
+                    </m:oMath>
+                  </m:oMathPara>
+                </a14:m>
+                <a:endParaRPr lang="en-US" sz="900" b="1" dirty="0">
+                  <a:solidFill>
+                    <a:schemeClr val="tx1"/>
+                  </a:solidFill>
+                </a:endParaRPr>
+              </a:p>
+            </p:txBody>
+          </p:sp>
+        </mc:Choice>
+        <mc:Fallback>
+          <p:sp>
+            <p:nvSpPr>
+              <p:cNvPr id="55" name="Rectangle 54">
+                <a:extLst>
+                  <a:ext uri="{FF2B5EF4-FFF2-40B4-BE49-F238E27FC236}">
+                    <a16:creationId xmlns:a16="http://schemas.microsoft.com/office/drawing/2014/main" id="{0E1326CD-7339-F634-8215-D1962CDE049C}"/>
+                  </a:ext>
+                </a:extLst>
+              </p:cNvPr>
+              <p:cNvSpPr>
+                <a:spLocks noRot="1" noChangeAspect="1" noMove="1" noResize="1" noEditPoints="1" noAdjustHandles="1" noChangeArrowheads="1" noChangeShapeType="1" noTextEdit="1"/>
+              </p:cNvSpPr>
+              <p:nvPr/>
+            </p:nvSpPr>
+            <p:spPr>
+              <a:xfrm>
+                <a:off x="1333819" y="2371685"/>
+                <a:ext cx="731520" cy="182880"/>
+              </a:xfrm>
+              <a:prstGeom prst="rect">
+                <a:avLst/>
+              </a:prstGeom>
+              <a:blipFill>
+                <a:blip r:embed="rId10"/>
+                <a:stretch>
+                  <a:fillRect b="-13333"/>
+                </a:stretch>
+              </a:blipFill>
+              <a:ln w="3175">
+                <a:noFill/>
+                <a:prstDash val="sysDot"/>
+              </a:ln>
+            </p:spPr>
+            <p:txBody>
+              <a:bodyPr/>
+              <a:lstStyle/>
+              <a:p>
+                <a:r>
+                  <a:rPr lang="en-US">
+                    <a:noFill/>
+                  </a:rPr>
+                  <a:t> </a:t>
+                </a:r>
+              </a:p>
+            </p:txBody>
+          </p:sp>
+        </mc:Fallback>
+      </mc:AlternateContent>
+      <p:cxnSp>
+        <p:nvCxnSpPr>
+          <p:cNvPr id="63" name="Connector: Curved 62">
+            <a:extLst>
+              <a:ext uri="{FF2B5EF4-FFF2-40B4-BE49-F238E27FC236}">
+                <a16:creationId xmlns:a16="http://schemas.microsoft.com/office/drawing/2014/main" id="{49F4A0CC-69B2-6979-7E6E-B518F57F60D0}"/>
+              </a:ext>
+            </a:extLst>
+          </p:cNvPr>
+          <p:cNvCxnSpPr>
+            <a:cxnSpLocks/>
+            <a:stCxn id="28" idx="0"/>
+            <a:endCxn id="4" idx="1"/>
+          </p:cNvCxnSpPr>
+          <p:nvPr/>
+        </p:nvCxnSpPr>
+        <p:spPr>
+          <a:xfrm rot="5400000" flipH="1" flipV="1">
+            <a:off x="1203453" y="3510750"/>
+            <a:ext cx="1428921" cy="446550"/>
+          </a:xfrm>
+          <a:prstGeom prst="curvedConnector2">
+            <a:avLst/>
+          </a:prstGeom>
+          <a:ln>
+            <a:solidFill>
+              <a:schemeClr val="accent5"/>
+            </a:solidFill>
+            <a:tailEnd type="triangle"/>
+          </a:ln>
+        </p:spPr>
+        <p:style>
+          <a:lnRef idx="2">
+            <a:schemeClr val="accent1"/>
+          </a:lnRef>
+          <a:fillRef idx="0">
+            <a:schemeClr val="accent1"/>
+          </a:fillRef>
+          <a:effectRef idx="1">
+            <a:schemeClr val="accent1"/>
+          </a:effectRef>
+          <a:fontRef idx="minor">
+            <a:schemeClr val="tx1"/>
+          </a:fontRef>
+        </p:style>
+      </p:cxnSp>
+      <mc:AlternateContent xmlns:mc="http://schemas.openxmlformats.org/markup-compatibility/2006">
+        <mc:Choice xmlns:a14="http://schemas.microsoft.com/office/drawing/2010/main" Requires="a14">
+          <p:sp>
+            <p:nvSpPr>
+              <p:cNvPr id="66" name="Rectangle 65">
+                <a:extLst>
+                  <a:ext uri="{FF2B5EF4-FFF2-40B4-BE49-F238E27FC236}">
+                    <a16:creationId xmlns:a16="http://schemas.microsoft.com/office/drawing/2014/main" id="{288AB291-B167-7830-6978-BA10A00B81CC}"/>
+                  </a:ext>
+                </a:extLst>
+              </p:cNvPr>
+              <p:cNvSpPr/>
+              <p:nvPr/>
+            </p:nvSpPr>
+            <p:spPr>
+              <a:xfrm>
+                <a:off x="1330967" y="3792376"/>
+                <a:ext cx="966651" cy="182880"/>
+              </a:xfrm>
+              <a:prstGeom prst="rect">
+                <a:avLst/>
+              </a:prstGeom>
+              <a:solidFill>
+                <a:schemeClr val="accent5">
+                  <a:lumMod val="20000"/>
+                  <a:lumOff val="80000"/>
+                </a:schemeClr>
+              </a:solidFill>
+              <a:ln w="3175">
+                <a:noFill/>
+                <a:prstDash val="sysDot"/>
+              </a:ln>
+            </p:spPr>
+            <p:style>
+              <a:lnRef idx="2">
+                <a:schemeClr val="accent1">
+                  <a:shade val="15000"/>
+                </a:schemeClr>
+              </a:lnRef>
+              <a:fillRef idx="1">
+                <a:schemeClr val="accent1"/>
+              </a:fillRef>
+              <a:effectRef idx="0">
+                <a:schemeClr val="accent1"/>
+              </a:effectRef>
+              <a:fontRef idx="minor">
+                <a:schemeClr val="lt1"/>
+              </a:fontRef>
+            </p:style>
+            <p:txBody>
+              <a:bodyPr rtlCol="0" anchor="ctr"/>
+              <a:lstStyle/>
+              <a:p>
+                <a:pPr algn="ctr"/>
+                <a14:m>
+                  <m:oMathPara xmlns:m="http://schemas.openxmlformats.org/officeDocument/2006/math">
+                    <m:oMathParaPr>
+                      <m:jc m:val="centerGroup"/>
+                    </m:oMathParaPr>
+                    <m:oMath xmlns:m="http://schemas.openxmlformats.org/officeDocument/2006/math">
+                      <m:r>
+                        <a:rPr lang="en-US" sz="900" b="1" i="1" smtClean="0">
+                          <a:solidFill>
+                            <a:schemeClr val="tx1"/>
+                          </a:solidFill>
+                          <a:latin typeface="Cambria Math" panose="02040503050406030204" pitchFamily="18" charset="0"/>
+                        </a:rPr>
+                        <m:t>[</m:t>
+                      </m:r>
+                      <m:sSub>
+                        <m:sSubPr>
+                          <m:ctrlPr>
+                            <a:rPr lang="en-US" sz="900" b="1" i="1" smtClean="0">
+                              <a:solidFill>
+                                <a:schemeClr val="tx1"/>
+                              </a:solidFill>
+                              <a:latin typeface="Cambria Math" panose="02040503050406030204" pitchFamily="18" charset="0"/>
+                            </a:rPr>
+                          </m:ctrlPr>
+                        </m:sSubPr>
+                        <m:e>
+                          <m:r>
+                            <a:rPr lang="en-US" sz="900" b="1" i="1" smtClean="0">
+                              <a:solidFill>
+                                <a:schemeClr val="tx1"/>
+                              </a:solidFill>
+                              <a:latin typeface="Cambria Math" panose="02040503050406030204" pitchFamily="18" charset="0"/>
+                            </a:rPr>
+                            <m:t>𝑵</m:t>
+                          </m:r>
+                        </m:e>
+                        <m:sub>
+                          <m:r>
+                            <a:rPr lang="en-US" sz="900" b="1" i="1" smtClean="0">
+                              <a:solidFill>
+                                <a:schemeClr val="tx1"/>
+                              </a:solidFill>
+                              <a:latin typeface="Cambria Math" panose="02040503050406030204" pitchFamily="18" charset="0"/>
+                            </a:rPr>
+                            <m:t>𝟏</m:t>
+                          </m:r>
+                        </m:sub>
+                      </m:sSub>
+                      <m:r>
+                        <a:rPr lang="en-US" sz="900" b="1" i="1" smtClean="0">
+                          <a:solidFill>
+                            <a:schemeClr val="tx1"/>
+                          </a:solidFill>
+                          <a:latin typeface="Cambria Math" panose="02040503050406030204" pitchFamily="18" charset="0"/>
+                        </a:rPr>
+                        <m:t>, </m:t>
+                      </m:r>
+                      <m:sSub>
+                        <m:sSubPr>
+                          <m:ctrlPr>
+                            <a:rPr lang="en-US" sz="900" b="1" i="1" smtClean="0">
+                              <a:solidFill>
+                                <a:schemeClr val="tx1"/>
+                              </a:solidFill>
+                              <a:latin typeface="Cambria Math" panose="02040503050406030204" pitchFamily="18" charset="0"/>
+                            </a:rPr>
+                          </m:ctrlPr>
+                        </m:sSubPr>
+                        <m:e>
+                          <m:r>
+                            <a:rPr lang="en-US" sz="900" b="1" i="1" smtClean="0">
+                              <a:solidFill>
+                                <a:schemeClr val="tx1"/>
+                              </a:solidFill>
+                              <a:latin typeface="Cambria Math" panose="02040503050406030204" pitchFamily="18" charset="0"/>
+                            </a:rPr>
+                            <m:t>𝑵</m:t>
+                          </m:r>
+                        </m:e>
+                        <m:sub>
+                          <m:r>
+                            <a:rPr lang="en-US" sz="900" b="1" i="1" smtClean="0">
+                              <a:solidFill>
+                                <a:schemeClr val="tx1"/>
+                              </a:solidFill>
+                              <a:latin typeface="Cambria Math" panose="02040503050406030204" pitchFamily="18" charset="0"/>
+                            </a:rPr>
+                            <m:t>𝟐</m:t>
+                          </m:r>
+                        </m:sub>
+                      </m:sSub>
+                      <m:r>
+                        <a:rPr lang="en-US" sz="900" b="1" i="1" smtClean="0">
+                          <a:solidFill>
+                            <a:schemeClr val="tx1"/>
+                          </a:solidFill>
+                          <a:latin typeface="Cambria Math" panose="02040503050406030204" pitchFamily="18" charset="0"/>
+                        </a:rPr>
+                        <m:t>, .., </m:t>
+                      </m:r>
+                      <m:sSub>
+                        <m:sSubPr>
+                          <m:ctrlPr>
+                            <a:rPr lang="en-US" sz="900" b="1" i="1" smtClean="0">
+                              <a:solidFill>
+                                <a:schemeClr val="tx1"/>
+                              </a:solidFill>
+                              <a:latin typeface="Cambria Math" panose="02040503050406030204" pitchFamily="18" charset="0"/>
+                            </a:rPr>
+                          </m:ctrlPr>
+                        </m:sSubPr>
+                        <m:e>
+                          <m:r>
+                            <a:rPr lang="en-US" sz="900" b="1" i="1" smtClean="0">
+                              <a:solidFill>
+                                <a:schemeClr val="tx1"/>
+                              </a:solidFill>
+                              <a:latin typeface="Cambria Math" panose="02040503050406030204" pitchFamily="18" charset="0"/>
+                            </a:rPr>
+                            <m:t>𝑵</m:t>
+                          </m:r>
+                        </m:e>
+                        <m:sub>
+                          <m:r>
+                            <a:rPr lang="en-US" sz="900" b="1" i="1" smtClean="0">
+                              <a:solidFill>
+                                <a:schemeClr val="tx1"/>
+                              </a:solidFill>
+                              <a:latin typeface="Cambria Math" panose="02040503050406030204" pitchFamily="18" charset="0"/>
+                            </a:rPr>
+                            <m:t>𝒌</m:t>
+                          </m:r>
+                        </m:sub>
+                      </m:sSub>
+                      <m:r>
+                        <a:rPr lang="en-US" sz="900" b="1" i="1" smtClean="0">
+                          <a:solidFill>
+                            <a:schemeClr val="tx1"/>
+                          </a:solidFill>
+                          <a:latin typeface="Cambria Math" panose="02040503050406030204" pitchFamily="18" charset="0"/>
+                        </a:rPr>
+                        <m:t>]</m:t>
+                      </m:r>
+                    </m:oMath>
+                  </m:oMathPara>
+                </a14:m>
+                <a:endParaRPr lang="en-US" sz="900" b="1" dirty="0">
+                  <a:solidFill>
+                    <a:schemeClr val="tx1"/>
+                  </a:solidFill>
+                </a:endParaRPr>
+              </a:p>
+            </p:txBody>
+          </p:sp>
+        </mc:Choice>
+        <mc:Fallback>
+          <p:sp>
+            <p:nvSpPr>
+              <p:cNvPr id="66" name="Rectangle 65">
+                <a:extLst>
+                  <a:ext uri="{FF2B5EF4-FFF2-40B4-BE49-F238E27FC236}">
+                    <a16:creationId xmlns:a16="http://schemas.microsoft.com/office/drawing/2014/main" id="{288AB291-B167-7830-6978-BA10A00B81CC}"/>
+                  </a:ext>
+                </a:extLst>
+              </p:cNvPr>
+              <p:cNvSpPr>
+                <a:spLocks noRot="1" noChangeAspect="1" noMove="1" noResize="1" noEditPoints="1" noAdjustHandles="1" noChangeArrowheads="1" noChangeShapeType="1" noTextEdit="1"/>
+              </p:cNvSpPr>
+              <p:nvPr/>
+            </p:nvSpPr>
+            <p:spPr>
+              <a:xfrm>
+                <a:off x="1330967" y="3792376"/>
+                <a:ext cx="966651" cy="182880"/>
+              </a:xfrm>
+              <a:prstGeom prst="rect">
+                <a:avLst/>
+              </a:prstGeom>
+              <a:blipFill>
+                <a:blip r:embed="rId11"/>
+                <a:stretch>
+                  <a:fillRect b="-13333"/>
+                </a:stretch>
+              </a:blipFill>
+              <a:ln w="3175">
+                <a:noFill/>
+                <a:prstDash val="sysDot"/>
+              </a:ln>
+            </p:spPr>
+            <p:txBody>
+              <a:bodyPr/>
+              <a:lstStyle/>
+              <a:p>
+                <a:r>
+                  <a:rPr lang="en-US">
+                    <a:noFill/>
+                  </a:rPr>
+                  <a:t> </a:t>
+                </a:r>
+              </a:p>
+            </p:txBody>
+          </p:sp>
+        </mc:Fallback>
+      </mc:AlternateContent>
+      <p:cxnSp>
+        <p:nvCxnSpPr>
+          <p:cNvPr id="67" name="Connector: Curved 66">
+            <a:extLst>
+              <a:ext uri="{FF2B5EF4-FFF2-40B4-BE49-F238E27FC236}">
+                <a16:creationId xmlns:a16="http://schemas.microsoft.com/office/drawing/2014/main" id="{86FFCDFE-29E8-1506-F117-7B026A61C2EF}"/>
+              </a:ext>
+            </a:extLst>
+          </p:cNvPr>
+          <p:cNvCxnSpPr>
+            <a:cxnSpLocks/>
+            <a:stCxn id="25" idx="0"/>
+            <a:endCxn id="4" idx="3"/>
+          </p:cNvCxnSpPr>
+          <p:nvPr/>
+        </p:nvCxnSpPr>
+        <p:spPr>
+          <a:xfrm rot="16200000" flipV="1">
+            <a:off x="5077411" y="3417040"/>
+            <a:ext cx="1704462" cy="909510"/>
+          </a:xfrm>
+          <a:prstGeom prst="curvedConnector2">
+            <a:avLst/>
+          </a:prstGeom>
+          <a:ln>
+            <a:tailEnd type="triangle"/>
+          </a:ln>
+        </p:spPr>
+        <p:style>
+          <a:lnRef idx="2">
+            <a:schemeClr val="accent1"/>
+          </a:lnRef>
+          <a:fillRef idx="0">
+            <a:schemeClr val="accent1"/>
+          </a:fillRef>
+          <a:effectRef idx="1">
+            <a:schemeClr val="accent1"/>
+          </a:effectRef>
+          <a:fontRef idx="minor">
+            <a:schemeClr val="tx1"/>
+          </a:fontRef>
+        </p:style>
+      </p:cxnSp>
       <p:cxnSp>
         <p:nvCxnSpPr>
           <p:cNvPr id="71" name="Connector: Curved 70">
@@ -6639,8 +10181,8 @@
         </p:nvCxnSpPr>
         <p:spPr>
           <a:xfrm rot="16200000" flipH="1">
-            <a:off x="5603542" y="2135156"/>
-            <a:ext cx="1241622" cy="2189380"/>
+            <a:off x="3490579" y="3891499"/>
+            <a:ext cx="1914786" cy="1279869"/>
           </a:xfrm>
           <a:prstGeom prst="curvedConnector2">
             <a:avLst/>
@@ -6683,7 +10225,7 @@
             </p:nvSpPr>
             <p:spPr>
               <a:xfrm>
-                <a:off x="5400307" y="3361653"/>
+                <a:off x="3623926" y="4462322"/>
                 <a:ext cx="824046" cy="182880"/>
               </a:xfrm>
               <a:prstGeom prst="rect">
@@ -6792,14 +10334,14 @@
             </p:nvSpPr>
             <p:spPr>
               <a:xfrm>
-                <a:off x="5400307" y="3361653"/>
+                <a:off x="3623926" y="4462322"/>
                 <a:ext cx="824046" cy="182880"/>
               </a:xfrm>
               <a:prstGeom prst="rect">
                 <a:avLst/>
               </a:prstGeom>
               <a:blipFill>
-                <a:blip r:embed="rId13"/>
+                <a:blip r:embed="rId12"/>
                 <a:stretch>
                   <a:fillRect b="-13333"/>
                 </a:stretch>
@@ -6838,8 +10380,8 @@
         </p:nvSpPr>
         <p:spPr>
           <a:xfrm>
-            <a:off x="8615534" y="268689"/>
-            <a:ext cx="1361793" cy="259758"/>
+            <a:off x="6031655" y="566972"/>
+            <a:ext cx="1861458" cy="259758"/>
           </a:xfrm>
           <a:prstGeom prst="roundRect">
             <a:avLst>
@@ -6885,7 +10427,7 @@
                   </a:schemeClr>
                 </a:solidFill>
               </a:rPr>
-              <a:t>Class: Linear2D</a:t>
+              <a:t>Generic 2D element class</a:t>
             </a:r>
             <a:endParaRPr lang="en-US" sz="1100" dirty="0">
               <a:solidFill>
@@ -6898,12 +10440,306 @@
           </a:p>
         </p:txBody>
       </p:sp>
+      <mc:AlternateContent xmlns:mc="http://schemas.openxmlformats.org/markup-compatibility/2006">
+        <mc:Choice xmlns:a14="http://schemas.microsoft.com/office/drawing/2010/main" Requires="a14">
+          <p:sp>
+            <p:nvSpPr>
+              <p:cNvPr id="17" name="Rectangle: Rounded Corners 16">
+                <a:extLst>
+                  <a:ext uri="{FF2B5EF4-FFF2-40B4-BE49-F238E27FC236}">
+                    <a16:creationId xmlns:a16="http://schemas.microsoft.com/office/drawing/2014/main" id="{7F703718-46E1-C9C3-74EA-E80EA3511113}"/>
+                  </a:ext>
+                </a:extLst>
+              </p:cNvPr>
+              <p:cNvSpPr/>
+              <p:nvPr/>
+            </p:nvSpPr>
+            <p:spPr>
+              <a:xfrm>
+                <a:off x="9050790" y="1584226"/>
+                <a:ext cx="2053048" cy="1292323"/>
+              </a:xfrm>
+              <a:prstGeom prst="roundRect">
+                <a:avLst>
+                  <a:gd name="adj" fmla="val 4292"/>
+                </a:avLst>
+              </a:prstGeom>
+              <a:solidFill>
+                <a:schemeClr val="accent2">
+                  <a:lumMod val="20000"/>
+                  <a:lumOff val="80000"/>
+                </a:schemeClr>
+              </a:solidFill>
+              <a:ln w="6350">
+                <a:solidFill>
+                  <a:schemeClr val="accent1"/>
+                </a:solidFill>
+              </a:ln>
+            </p:spPr>
+            <p:style>
+              <a:lnRef idx="2">
+                <a:schemeClr val="accent1">
+                  <a:shade val="15000"/>
+                </a:schemeClr>
+              </a:lnRef>
+              <a:fillRef idx="1">
+                <a:schemeClr val="accent1"/>
+              </a:fillRef>
+              <a:effectRef idx="0">
+                <a:schemeClr val="accent1"/>
+              </a:effectRef>
+              <a:fontRef idx="minor">
+                <a:schemeClr val="lt1"/>
+              </a:fontRef>
+            </p:style>
+            <p:txBody>
+              <a:bodyPr rtlCol="0" anchor="ctr"/>
+              <a:lstStyle/>
+              <a:p>
+                <a:pPr algn="ctr"/>
+                <a:r>
+                  <a:rPr lang="en-US" sz="1000" dirty="0">
+                    <a:solidFill>
+                      <a:schemeClr val="tx2"/>
+                    </a:solidFill>
+                  </a:rPr>
+                  <a:t>Plot the value of interpolated quantity </a:t>
+                </a:r>
+                <a14:m>
+                  <m:oMath xmlns:m="http://schemas.openxmlformats.org/officeDocument/2006/math">
+                    <m:r>
+                      <a:rPr lang="en-US" sz="1000" b="1" i="1">
+                        <a:solidFill>
+                          <a:schemeClr val="tx2"/>
+                        </a:solidFill>
+                        <a:latin typeface="Cambria Math" panose="02040503050406030204" pitchFamily="18" charset="0"/>
+                      </a:rPr>
+                      <m:t>𝝓</m:t>
+                    </m:r>
+                  </m:oMath>
+                </a14:m>
+                <a:r>
+                  <a:rPr lang="en-US" sz="1000" b="1" dirty="0">
+                    <a:solidFill>
+                      <a:schemeClr val="tx2"/>
+                    </a:solidFill>
+                  </a:rPr>
+                  <a:t> </a:t>
+                </a:r>
+                <a:r>
+                  <a:rPr lang="en-US" sz="1000" dirty="0">
+                    <a:solidFill>
+                      <a:schemeClr val="tx2"/>
+                    </a:solidFill>
+                  </a:rPr>
+                  <a:t>within the element in either the natural (</a:t>
+                </a:r>
+                <a14:m>
+                  <m:oMath xmlns:m="http://schemas.openxmlformats.org/officeDocument/2006/math">
+                    <m:r>
+                      <a:rPr lang="en-US" sz="1000" b="1" i="1">
+                        <a:solidFill>
+                          <a:schemeClr val="tx2"/>
+                        </a:solidFill>
+                        <a:latin typeface="Cambria Math" panose="02040503050406030204" pitchFamily="18" charset="0"/>
+                      </a:rPr>
+                      <m:t>𝜼</m:t>
+                    </m:r>
+                  </m:oMath>
+                </a14:m>
+                <a:r>
+                  <a:rPr lang="en-US" sz="1000" dirty="0">
+                    <a:solidFill>
+                      <a:schemeClr val="tx2"/>
+                    </a:solidFill>
+                  </a:rPr>
+                  <a:t>) or local (</a:t>
+                </a:r>
+                <a14:m>
+                  <m:oMath xmlns:m="http://schemas.openxmlformats.org/officeDocument/2006/math">
+                    <m:r>
+                      <a:rPr lang="en-US" sz="1000" b="1" i="1">
+                        <a:solidFill>
+                          <a:schemeClr val="tx2"/>
+                        </a:solidFill>
+                        <a:latin typeface="Cambria Math" panose="02040503050406030204" pitchFamily="18" charset="0"/>
+                      </a:rPr>
+                      <m:t>𝒙</m:t>
+                    </m:r>
+                  </m:oMath>
+                </a14:m>
+                <a:r>
+                  <a:rPr lang="en-US" sz="1000" dirty="0">
+                    <a:solidFill>
+                      <a:schemeClr val="tx2"/>
+                    </a:solidFill>
+                  </a:rPr>
+                  <a:t>) coordinate systems for a </a:t>
+                </a:r>
+                <a14:m>
+                  <m:oMath xmlns:m="http://schemas.openxmlformats.org/officeDocument/2006/math">
+                    <m:r>
+                      <m:rPr>
+                        <m:sty m:val="p"/>
+                      </m:rPr>
+                      <a:rPr lang="en-US" sz="1000">
+                        <a:solidFill>
+                          <a:schemeClr val="tx2"/>
+                        </a:solidFill>
+                        <a:latin typeface="Cambria Math" panose="02040503050406030204" pitchFamily="18" charset="0"/>
+                      </a:rPr>
+                      <m:t>p</m:t>
+                    </m:r>
+                    <m:r>
+                      <a:rPr lang="en-US" sz="1000">
+                        <a:solidFill>
+                          <a:schemeClr val="tx2"/>
+                        </a:solidFill>
+                        <a:latin typeface="Cambria Math" panose="02040503050406030204" pitchFamily="18" charset="0"/>
+                      </a:rPr>
+                      <m:t> </m:t>
+                    </m:r>
+                    <m:r>
+                      <m:rPr>
+                        <m:sty m:val="p"/>
+                      </m:rPr>
+                      <a:rPr lang="en-US" sz="1000">
+                        <a:solidFill>
+                          <a:schemeClr val="tx2"/>
+                        </a:solidFill>
+                        <a:latin typeface="Cambria Math" panose="02040503050406030204" pitchFamily="18" charset="0"/>
+                      </a:rPr>
+                      <m:t>x</m:t>
+                    </m:r>
+                    <m:r>
+                      <a:rPr lang="en-US" sz="1000">
+                        <a:solidFill>
+                          <a:schemeClr val="tx2"/>
+                        </a:solidFill>
+                        <a:latin typeface="Cambria Math" panose="02040503050406030204" pitchFamily="18" charset="0"/>
+                      </a:rPr>
+                      <m:t> </m:t>
+                    </m:r>
+                    <m:r>
+                      <m:rPr>
+                        <m:sty m:val="p"/>
+                      </m:rPr>
+                      <a:rPr lang="en-US" sz="1000">
+                        <a:solidFill>
+                          <a:schemeClr val="tx2"/>
+                        </a:solidFill>
+                        <a:latin typeface="Cambria Math" panose="02040503050406030204" pitchFamily="18" charset="0"/>
+                      </a:rPr>
+                      <m:t>p</m:t>
+                    </m:r>
+                  </m:oMath>
+                </a14:m>
+                <a:r>
+                  <a:rPr lang="en-US" sz="1000" dirty="0">
+                    <a:solidFill>
+                      <a:schemeClr val="tx2"/>
+                    </a:solidFill>
+                  </a:rPr>
+                  <a:t> grid of coordinates given a given a vector of nodal values </a:t>
+                </a:r>
+                <a14:m>
+                  <m:oMath xmlns:m="http://schemas.openxmlformats.org/officeDocument/2006/math">
+                    <m:acc>
+                      <m:accPr>
+                        <m:chr m:val="̂"/>
+                        <m:ctrlPr>
+                          <a:rPr lang="en-US" sz="1000" i="1">
+                            <a:solidFill>
+                              <a:schemeClr val="tx2"/>
+                            </a:solidFill>
+                            <a:latin typeface="Cambria Math" panose="02040503050406030204" pitchFamily="18" charset="0"/>
+                          </a:rPr>
+                        </m:ctrlPr>
+                      </m:accPr>
+                      <m:e>
+                        <m:r>
+                          <a:rPr lang="en-US" sz="1000" b="1" i="1">
+                            <a:solidFill>
+                              <a:schemeClr val="tx2"/>
+                            </a:solidFill>
+                            <a:latin typeface="Cambria Math" panose="02040503050406030204" pitchFamily="18" charset="0"/>
+                          </a:rPr>
+                          <m:t>𝝓</m:t>
+                        </m:r>
+                      </m:e>
+                    </m:acc>
+                  </m:oMath>
+                </a14:m>
+                <a:r>
+                  <a:rPr lang="en-US" sz="1000" dirty="0">
+                    <a:solidFill>
+                      <a:schemeClr val="tx2"/>
+                    </a:solidFill>
+                  </a:rPr>
+                  <a:t> </a:t>
+                </a:r>
+              </a:p>
+            </p:txBody>
+          </p:sp>
+        </mc:Choice>
+        <mc:Fallback>
+          <p:sp>
+            <p:nvSpPr>
+              <p:cNvPr id="17" name="Rectangle: Rounded Corners 16">
+                <a:extLst>
+                  <a:ext uri="{FF2B5EF4-FFF2-40B4-BE49-F238E27FC236}">
+                    <a16:creationId xmlns:a16="http://schemas.microsoft.com/office/drawing/2014/main" id="{7F703718-46E1-C9C3-74EA-E80EA3511113}"/>
+                  </a:ext>
+                </a:extLst>
+              </p:cNvPr>
+              <p:cNvSpPr>
+                <a:spLocks noRot="1" noChangeAspect="1" noMove="1" noResize="1" noEditPoints="1" noAdjustHandles="1" noChangeArrowheads="1" noChangeShapeType="1" noTextEdit="1"/>
+              </p:cNvSpPr>
+              <p:nvPr/>
+            </p:nvSpPr>
+            <p:spPr>
+              <a:xfrm>
+                <a:off x="9050790" y="1584226"/>
+                <a:ext cx="2053048" cy="1292323"/>
+              </a:xfrm>
+              <a:prstGeom prst="roundRect">
+                <a:avLst>
+                  <a:gd name="adj" fmla="val 4292"/>
+                </a:avLst>
+              </a:prstGeom>
+              <a:blipFill>
+                <a:blip r:embed="rId13"/>
+                <a:stretch>
+                  <a:fillRect/>
+                </a:stretch>
+              </a:blipFill>
+              <a:ln w="6350">
+                <a:solidFill>
+                  <a:schemeClr val="accent1"/>
+                </a:solidFill>
+              </a:ln>
+            </p:spPr>
+            <p:txBody>
+              <a:bodyPr/>
+              <a:lstStyle/>
+              <a:p>
+                <a:r>
+                  <a:rPr lang="en-US">
+                    <a:noFill/>
+                  </a:rPr>
+                  <a:t> </a:t>
+                </a:r>
+              </a:p>
+            </p:txBody>
+          </p:sp>
+        </mc:Fallback>
+      </mc:AlternateContent>
       <p:sp>
         <p:nvSpPr>
-          <p:cNvPr id="80" name="Rectangle: Rounded Corners 79">
+          <p:cNvPr id="21" name="Rectangle: Rounded Corners 20">
             <a:extLst>
               <a:ext uri="{FF2B5EF4-FFF2-40B4-BE49-F238E27FC236}">
-                <a16:creationId xmlns:a16="http://schemas.microsoft.com/office/drawing/2014/main" id="{C3427693-ADF8-4E9C-99D4-CBEE5DC5BF1D}"/>
+                <a16:creationId xmlns:a16="http://schemas.microsoft.com/office/drawing/2014/main" id="{4B692998-8BA8-64BF-74AE-86E4CFC5C414}"/>
               </a:ext>
             </a:extLst>
           </p:cNvPr>
@@ -6912,7 +10748,7 @@
         </p:nvSpPr>
         <p:spPr>
           <a:xfrm>
-            <a:off x="637905" y="5264346"/>
+            <a:off x="9146586" y="1484078"/>
             <a:ext cx="1861457" cy="200299"/>
           </a:xfrm>
           <a:prstGeom prst="roundRect">
@@ -6966,12 +10802,881 @@
           </a:p>
         </p:txBody>
       </p:sp>
+      <p:cxnSp>
+        <p:nvCxnSpPr>
+          <p:cNvPr id="22" name="Connector: Curved 21">
+            <a:extLst>
+              <a:ext uri="{FF2B5EF4-FFF2-40B4-BE49-F238E27FC236}">
+                <a16:creationId xmlns:a16="http://schemas.microsoft.com/office/drawing/2014/main" id="{4CF4F8DA-D040-A216-076C-B74EFE685A5F}"/>
+              </a:ext>
+            </a:extLst>
+          </p:cNvPr>
+          <p:cNvCxnSpPr>
+            <a:cxnSpLocks/>
+            <a:stCxn id="17" idx="2"/>
+            <a:endCxn id="3" idx="3"/>
+          </p:cNvCxnSpPr>
+          <p:nvPr/>
+        </p:nvCxnSpPr>
+        <p:spPr>
+          <a:xfrm rot="5400000">
+            <a:off x="7572961" y="2984474"/>
+            <a:ext cx="2612278" cy="2396428"/>
+          </a:xfrm>
+          <a:prstGeom prst="curvedConnector2">
+            <a:avLst/>
+          </a:prstGeom>
+          <a:ln>
+            <a:tailEnd type="triangle"/>
+          </a:ln>
+        </p:spPr>
+        <p:style>
+          <a:lnRef idx="2">
+            <a:schemeClr val="accent1"/>
+          </a:lnRef>
+          <a:fillRef idx="0">
+            <a:schemeClr val="accent1"/>
+          </a:fillRef>
+          <a:effectRef idx="1">
+            <a:schemeClr val="accent1"/>
+          </a:effectRef>
+          <a:fontRef idx="minor">
+            <a:schemeClr val="tx1"/>
+          </a:fontRef>
+        </p:style>
+      </p:cxnSp>
+      <mc:AlternateContent xmlns:mc="http://schemas.openxmlformats.org/markup-compatibility/2006">
+        <mc:Choice xmlns:a14="http://schemas.microsoft.com/office/drawing/2010/main" Requires="a14">
+          <p:sp>
+            <p:nvSpPr>
+              <p:cNvPr id="29" name="Rectangle 28">
+                <a:extLst>
+                  <a:ext uri="{FF2B5EF4-FFF2-40B4-BE49-F238E27FC236}">
+                    <a16:creationId xmlns:a16="http://schemas.microsoft.com/office/drawing/2014/main" id="{F2081628-EE62-E6A4-3D52-BB83408CA877}"/>
+                  </a:ext>
+                </a:extLst>
+              </p:cNvPr>
+              <p:cNvSpPr/>
+              <p:nvPr/>
+            </p:nvSpPr>
+            <p:spPr>
+              <a:xfrm>
+                <a:off x="8897065" y="4139196"/>
+                <a:ext cx="1012933" cy="584830"/>
+              </a:xfrm>
+              <a:prstGeom prst="rect">
+                <a:avLst/>
+              </a:prstGeom>
+              <a:solidFill>
+                <a:schemeClr val="accent4">
+                  <a:lumMod val="20000"/>
+                  <a:lumOff val="80000"/>
+                </a:schemeClr>
+              </a:solidFill>
+              <a:ln w="3175">
+                <a:noFill/>
+                <a:prstDash val="sysDot"/>
+              </a:ln>
+            </p:spPr>
+            <p:style>
+              <a:lnRef idx="2">
+                <a:schemeClr val="accent1">
+                  <a:shade val="15000"/>
+                </a:schemeClr>
+              </a:lnRef>
+              <a:fillRef idx="1">
+                <a:schemeClr val="accent1"/>
+              </a:fillRef>
+              <a:effectRef idx="0">
+                <a:schemeClr val="accent1"/>
+              </a:effectRef>
+              <a:fontRef idx="minor">
+                <a:schemeClr val="lt1"/>
+              </a:fontRef>
+            </p:style>
+            <p:txBody>
+              <a:bodyPr rtlCol="0" anchor="ctr"/>
+              <a:lstStyle/>
+              <a:p>
+                <a:pPr algn="ctr"/>
+                <a14:m>
+                  <m:oMathPara xmlns:m="http://schemas.openxmlformats.org/officeDocument/2006/math">
+                    <m:oMathParaPr>
+                      <m:jc m:val="centerGroup"/>
+                    </m:oMathParaPr>
+                    <m:oMath xmlns:m="http://schemas.openxmlformats.org/officeDocument/2006/math">
+                      <m:r>
+                        <a:rPr lang="en-US" sz="900" b="1" i="1" smtClean="0">
+                          <a:solidFill>
+                            <a:schemeClr val="tx1"/>
+                          </a:solidFill>
+                          <a:latin typeface="Cambria Math" panose="02040503050406030204" pitchFamily="18" charset="0"/>
+                        </a:rPr>
+                        <m:t>𝒑</m:t>
+                      </m:r>
+                      <m:r>
+                        <a:rPr lang="en-US" sz="900" b="1" i="1" smtClean="0">
+                          <a:solidFill>
+                            <a:schemeClr val="tx1"/>
+                          </a:solidFill>
+                          <a:latin typeface="Cambria Math" panose="02040503050406030204" pitchFamily="18" charset="0"/>
+                        </a:rPr>
+                        <m:t>:</m:t>
+                      </m:r>
+                      <m:r>
+                        <a:rPr lang="en-US" sz="900" b="1" i="1" smtClean="0">
+                          <a:solidFill>
+                            <a:schemeClr val="tx1"/>
+                          </a:solidFill>
+                          <a:latin typeface="Cambria Math" panose="02040503050406030204" pitchFamily="18" charset="0"/>
+                        </a:rPr>
+                        <m:t>𝒈𝒓𝒊𝒅</m:t>
+                      </m:r>
+                      <m:r>
+                        <a:rPr lang="en-US" sz="900" b="1" i="1" smtClean="0">
+                          <a:solidFill>
+                            <a:schemeClr val="tx1"/>
+                          </a:solidFill>
+                          <a:latin typeface="Cambria Math" panose="02040503050406030204" pitchFamily="18" charset="0"/>
+                        </a:rPr>
+                        <m:t> </m:t>
+                      </m:r>
+                      <m:r>
+                        <a:rPr lang="en-US" sz="900" b="1" i="1" smtClean="0">
+                          <a:solidFill>
+                            <a:schemeClr val="tx1"/>
+                          </a:solidFill>
+                          <a:latin typeface="Cambria Math" panose="02040503050406030204" pitchFamily="18" charset="0"/>
+                        </a:rPr>
+                        <m:t>𝒔𝒊𝒛𝒆</m:t>
+                      </m:r>
+                    </m:oMath>
+                  </m:oMathPara>
+                </a14:m>
+                <a:endParaRPr lang="en-US" sz="900" b="1" dirty="0">
+                  <a:solidFill>
+                    <a:schemeClr val="tx1"/>
+                  </a:solidFill>
+                </a:endParaRPr>
+              </a:p>
+              <a:p>
+                <a:pPr algn="ctr"/>
+                <a14:m>
+                  <m:oMathPara xmlns:m="http://schemas.openxmlformats.org/officeDocument/2006/math">
+                    <m:oMathParaPr>
+                      <m:jc m:val="centerGroup"/>
+                    </m:oMathParaPr>
+                    <m:oMath xmlns:m="http://schemas.openxmlformats.org/officeDocument/2006/math">
+                      <m:r>
+                        <a:rPr lang="en-US" sz="900" b="1" i="1" smtClean="0">
+                          <a:solidFill>
+                            <a:schemeClr val="tx1"/>
+                          </a:solidFill>
+                          <a:latin typeface="Cambria Math" panose="02040503050406030204" pitchFamily="18" charset="0"/>
+                        </a:rPr>
+                        <m:t>𝒄𝒐𝒐𝒓𝒅</m:t>
+                      </m:r>
+                      <m:r>
+                        <a:rPr lang="en-US" sz="900" b="1" i="1" smtClean="0">
+                          <a:solidFill>
+                            <a:schemeClr val="tx1"/>
+                          </a:solidFill>
+                          <a:latin typeface="Cambria Math" panose="02040503050406030204" pitchFamily="18" charset="0"/>
+                        </a:rPr>
+                        <m:t>. </m:t>
+                      </m:r>
+                      <m:r>
+                        <a:rPr lang="en-US" sz="900" b="1" i="1" smtClean="0">
+                          <a:solidFill>
+                            <a:schemeClr val="tx1"/>
+                          </a:solidFill>
+                          <a:latin typeface="Cambria Math" panose="02040503050406030204" pitchFamily="18" charset="0"/>
+                        </a:rPr>
+                        <m:t>𝒔𝒚𝒔</m:t>
+                      </m:r>
+                    </m:oMath>
+                  </m:oMathPara>
+                </a14:m>
+                <a:endParaRPr lang="en-US" sz="900" b="1" dirty="0">
+                  <a:solidFill>
+                    <a:schemeClr val="tx1"/>
+                  </a:solidFill>
+                </a:endParaRPr>
+              </a:p>
+              <a:p>
+                <a:pPr algn="ctr"/>
+                <a14:m>
+                  <m:oMathPara xmlns:m="http://schemas.openxmlformats.org/officeDocument/2006/math">
+                    <m:oMathParaPr>
+                      <m:jc m:val="centerGroup"/>
+                    </m:oMathParaPr>
+                    <m:oMath xmlns:m="http://schemas.openxmlformats.org/officeDocument/2006/math">
+                      <m:r>
+                        <a:rPr lang="en-US" sz="900" b="1" i="1" smtClean="0">
+                          <a:solidFill>
+                            <a:schemeClr val="tx1"/>
+                          </a:solidFill>
+                          <a:latin typeface="Cambria Math" panose="02040503050406030204" pitchFamily="18" charset="0"/>
+                        </a:rPr>
+                        <m:t>𝒒</m:t>
+                      </m:r>
+                      <m:r>
+                        <a:rPr lang="en-US" sz="900" b="1" i="1" smtClean="0">
+                          <a:solidFill>
+                            <a:schemeClr val="tx1"/>
+                          </a:solidFill>
+                          <a:latin typeface="Cambria Math" panose="02040503050406030204" pitchFamily="18" charset="0"/>
+                        </a:rPr>
+                        <m:t>:</m:t>
+                      </m:r>
+                      <m:r>
+                        <a:rPr lang="en-US" sz="900" b="1" i="1" smtClean="0">
+                          <a:solidFill>
+                            <a:schemeClr val="tx1"/>
+                          </a:solidFill>
+                          <a:latin typeface="Cambria Math" panose="02040503050406030204" pitchFamily="18" charset="0"/>
+                        </a:rPr>
+                        <m:t>𝒏𝒐𝒅𝒂𝒍</m:t>
+                      </m:r>
+                      <m:r>
+                        <a:rPr lang="en-US" sz="900" b="1" i="1" smtClean="0">
+                          <a:solidFill>
+                            <a:schemeClr val="tx1"/>
+                          </a:solidFill>
+                          <a:latin typeface="Cambria Math" panose="02040503050406030204" pitchFamily="18" charset="0"/>
+                        </a:rPr>
+                        <m:t> </m:t>
+                      </m:r>
+                      <m:r>
+                        <a:rPr lang="en-US" sz="900" b="1" i="1" smtClean="0">
+                          <a:solidFill>
+                            <a:schemeClr val="tx1"/>
+                          </a:solidFill>
+                          <a:latin typeface="Cambria Math" panose="02040503050406030204" pitchFamily="18" charset="0"/>
+                        </a:rPr>
+                        <m:t>𝒗𝒂𝒍𝒖𝒆𝒔</m:t>
+                      </m:r>
+                    </m:oMath>
+                  </m:oMathPara>
+                </a14:m>
+                <a:endParaRPr lang="en-US" sz="900" b="1" dirty="0">
+                  <a:solidFill>
+                    <a:schemeClr val="tx1"/>
+                  </a:solidFill>
+                </a:endParaRPr>
+              </a:p>
+            </p:txBody>
+          </p:sp>
+        </mc:Choice>
+        <mc:Fallback>
+          <p:sp>
+            <p:nvSpPr>
+              <p:cNvPr id="29" name="Rectangle 28">
+                <a:extLst>
+                  <a:ext uri="{FF2B5EF4-FFF2-40B4-BE49-F238E27FC236}">
+                    <a16:creationId xmlns:a16="http://schemas.microsoft.com/office/drawing/2014/main" id="{F2081628-EE62-E6A4-3D52-BB83408CA877}"/>
+                  </a:ext>
+                </a:extLst>
+              </p:cNvPr>
+              <p:cNvSpPr>
+                <a:spLocks noRot="1" noChangeAspect="1" noMove="1" noResize="1" noEditPoints="1" noAdjustHandles="1" noChangeArrowheads="1" noChangeShapeType="1" noTextEdit="1"/>
+              </p:cNvSpPr>
+              <p:nvPr/>
+            </p:nvSpPr>
+            <p:spPr>
+              <a:xfrm>
+                <a:off x="8897065" y="4139196"/>
+                <a:ext cx="1012933" cy="584830"/>
+              </a:xfrm>
+              <a:prstGeom prst="rect">
+                <a:avLst/>
+              </a:prstGeom>
+              <a:blipFill>
+                <a:blip r:embed="rId14"/>
+                <a:stretch>
+                  <a:fillRect/>
+                </a:stretch>
+              </a:blipFill>
+              <a:ln w="3175">
+                <a:noFill/>
+                <a:prstDash val="sysDot"/>
+              </a:ln>
+            </p:spPr>
+            <p:txBody>
+              <a:bodyPr/>
+              <a:lstStyle/>
+              <a:p>
+                <a:r>
+                  <a:rPr lang="en-US">
+                    <a:noFill/>
+                  </a:rPr>
+                  <a:t> </a:t>
+                </a:r>
+              </a:p>
+            </p:txBody>
+          </p:sp>
+        </mc:Fallback>
+      </mc:AlternateContent>
+      <p:cxnSp>
+        <p:nvCxnSpPr>
+          <p:cNvPr id="35" name="Connector: Curved 34">
+            <a:extLst>
+              <a:ext uri="{FF2B5EF4-FFF2-40B4-BE49-F238E27FC236}">
+                <a16:creationId xmlns:a16="http://schemas.microsoft.com/office/drawing/2014/main" id="{2E87D520-32EF-158C-63CC-8308CDDF29E0}"/>
+              </a:ext>
+            </a:extLst>
+          </p:cNvPr>
+          <p:cNvCxnSpPr>
+            <a:cxnSpLocks/>
+            <a:stCxn id="25" idx="0"/>
+            <a:endCxn id="17" idx="1"/>
+          </p:cNvCxnSpPr>
+          <p:nvPr/>
+        </p:nvCxnSpPr>
+        <p:spPr>
+          <a:xfrm rot="5400000" flipH="1" flipV="1">
+            <a:off x="6470774" y="2144011"/>
+            <a:ext cx="2493638" cy="2666393"/>
+          </a:xfrm>
+          <a:prstGeom prst="curvedConnector2">
+            <a:avLst/>
+          </a:prstGeom>
+          <a:ln>
+            <a:solidFill>
+              <a:schemeClr val="accent5"/>
+            </a:solidFill>
+            <a:tailEnd type="triangle"/>
+          </a:ln>
+        </p:spPr>
+        <p:style>
+          <a:lnRef idx="2">
+            <a:schemeClr val="accent1"/>
+          </a:lnRef>
+          <a:fillRef idx="0">
+            <a:schemeClr val="accent1"/>
+          </a:fillRef>
+          <a:effectRef idx="1">
+            <a:schemeClr val="accent1"/>
+          </a:effectRef>
+          <a:fontRef idx="minor">
+            <a:schemeClr val="tx1"/>
+          </a:fontRef>
+        </p:style>
+      </p:cxnSp>
+      <mc:AlternateContent xmlns:mc="http://schemas.openxmlformats.org/markup-compatibility/2006">
+        <mc:Choice xmlns:a14="http://schemas.microsoft.com/office/drawing/2010/main" Requires="a14">
+          <p:sp>
+            <p:nvSpPr>
+              <p:cNvPr id="68" name="Rectangle 67">
+                <a:extLst>
+                  <a:ext uri="{FF2B5EF4-FFF2-40B4-BE49-F238E27FC236}">
+                    <a16:creationId xmlns:a16="http://schemas.microsoft.com/office/drawing/2014/main" id="{F552B1DD-6B37-FDE2-E648-967C903B202C}"/>
+                  </a:ext>
+                </a:extLst>
+              </p:cNvPr>
+              <p:cNvSpPr/>
+              <p:nvPr/>
+            </p:nvSpPr>
+            <p:spPr>
+              <a:xfrm>
+                <a:off x="5661590" y="3391160"/>
+                <a:ext cx="824046" cy="182880"/>
+              </a:xfrm>
+              <a:prstGeom prst="rect">
+                <a:avLst/>
+              </a:prstGeom>
+              <a:solidFill>
+                <a:schemeClr val="accent4">
+                  <a:lumMod val="20000"/>
+                  <a:lumOff val="80000"/>
+                </a:schemeClr>
+              </a:solidFill>
+              <a:ln w="3175">
+                <a:noFill/>
+                <a:prstDash val="sysDot"/>
+              </a:ln>
+            </p:spPr>
+            <p:style>
+              <a:lnRef idx="2">
+                <a:schemeClr val="accent1">
+                  <a:shade val="15000"/>
+                </a:schemeClr>
+              </a:lnRef>
+              <a:fillRef idx="1">
+                <a:schemeClr val="accent1"/>
+              </a:fillRef>
+              <a:effectRef idx="0">
+                <a:schemeClr val="accent1"/>
+              </a:effectRef>
+              <a:fontRef idx="minor">
+                <a:schemeClr val="lt1"/>
+              </a:fontRef>
+            </p:style>
+            <p:txBody>
+              <a:bodyPr rtlCol="0" anchor="ctr"/>
+              <a:lstStyle/>
+              <a:p>
+                <a:pPr algn="ctr"/>
+                <a14:m>
+                  <m:oMathPara xmlns:m="http://schemas.openxmlformats.org/officeDocument/2006/math">
+                    <m:oMathParaPr>
+                      <m:jc m:val="centerGroup"/>
+                    </m:oMathParaPr>
+                    <m:oMath xmlns:m="http://schemas.openxmlformats.org/officeDocument/2006/math">
+                      <m:r>
+                        <a:rPr lang="en-US" sz="900" b="1" i="1" smtClean="0">
+                          <a:solidFill>
+                            <a:schemeClr val="tx1"/>
+                          </a:solidFill>
+                          <a:latin typeface="Cambria Math" panose="02040503050406030204" pitchFamily="18" charset="0"/>
+                        </a:rPr>
+                        <m:t>𝜼</m:t>
+                      </m:r>
+                      <m:r>
+                        <a:rPr lang="en-US" sz="900" b="1" i="1" smtClean="0">
+                          <a:solidFill>
+                            <a:schemeClr val="tx1"/>
+                          </a:solidFill>
+                          <a:latin typeface="Cambria Math" panose="02040503050406030204" pitchFamily="18" charset="0"/>
+                        </a:rPr>
+                        <m:t>=(</m:t>
+                      </m:r>
+                      <m:sSub>
+                        <m:sSubPr>
+                          <m:ctrlPr>
+                            <a:rPr lang="en-US" sz="900" b="1" i="1" smtClean="0">
+                              <a:solidFill>
+                                <a:schemeClr val="tx1"/>
+                              </a:solidFill>
+                              <a:latin typeface="Cambria Math" panose="02040503050406030204" pitchFamily="18" charset="0"/>
+                            </a:rPr>
+                          </m:ctrlPr>
+                        </m:sSubPr>
+                        <m:e>
+                          <m:r>
+                            <a:rPr lang="en-US" sz="900" b="1" i="1" smtClean="0">
+                              <a:solidFill>
+                                <a:schemeClr val="tx1"/>
+                              </a:solidFill>
+                              <a:latin typeface="Cambria Math" panose="02040503050406030204" pitchFamily="18" charset="0"/>
+                            </a:rPr>
+                            <m:t>𝜼</m:t>
+                          </m:r>
+                        </m:e>
+                        <m:sub>
+                          <m:r>
+                            <a:rPr lang="en-US" sz="900" b="1" i="1" smtClean="0">
+                              <a:solidFill>
+                                <a:schemeClr val="tx1"/>
+                              </a:solidFill>
+                              <a:latin typeface="Cambria Math" panose="02040503050406030204" pitchFamily="18" charset="0"/>
+                            </a:rPr>
+                            <m:t>𝟏</m:t>
+                          </m:r>
+                        </m:sub>
+                      </m:sSub>
+                      <m:r>
+                        <a:rPr lang="en-US" sz="900" b="1" i="1" smtClean="0">
+                          <a:solidFill>
+                            <a:schemeClr val="tx1"/>
+                          </a:solidFill>
+                          <a:latin typeface="Cambria Math" panose="02040503050406030204" pitchFamily="18" charset="0"/>
+                        </a:rPr>
+                        <m:t>, </m:t>
+                      </m:r>
+                      <m:sSub>
+                        <m:sSubPr>
+                          <m:ctrlPr>
+                            <a:rPr lang="en-US" sz="900" b="1" i="1" smtClean="0">
+                              <a:solidFill>
+                                <a:schemeClr val="tx1"/>
+                              </a:solidFill>
+                              <a:latin typeface="Cambria Math" panose="02040503050406030204" pitchFamily="18" charset="0"/>
+                            </a:rPr>
+                          </m:ctrlPr>
+                        </m:sSubPr>
+                        <m:e>
+                          <m:r>
+                            <a:rPr lang="en-US" sz="900" b="1" i="1" smtClean="0">
+                              <a:solidFill>
+                                <a:schemeClr val="tx1"/>
+                              </a:solidFill>
+                              <a:latin typeface="Cambria Math" panose="02040503050406030204" pitchFamily="18" charset="0"/>
+                            </a:rPr>
+                            <m:t>𝜼</m:t>
+                          </m:r>
+                        </m:e>
+                        <m:sub>
+                          <m:r>
+                            <a:rPr lang="en-US" sz="900" b="1" i="1" smtClean="0">
+                              <a:solidFill>
+                                <a:schemeClr val="tx1"/>
+                              </a:solidFill>
+                              <a:latin typeface="Cambria Math" panose="02040503050406030204" pitchFamily="18" charset="0"/>
+                            </a:rPr>
+                            <m:t>𝟐</m:t>
+                          </m:r>
+                        </m:sub>
+                      </m:sSub>
+                      <m:r>
+                        <a:rPr lang="en-US" sz="900" b="1" i="1" smtClean="0">
+                          <a:solidFill>
+                            <a:schemeClr val="tx1"/>
+                          </a:solidFill>
+                          <a:latin typeface="Cambria Math" panose="02040503050406030204" pitchFamily="18" charset="0"/>
+                        </a:rPr>
+                        <m:t>)</m:t>
+                      </m:r>
+                    </m:oMath>
+                  </m:oMathPara>
+                </a14:m>
+                <a:endParaRPr lang="en-US" sz="900" b="1" dirty="0">
+                  <a:solidFill>
+                    <a:schemeClr val="tx1"/>
+                  </a:solidFill>
+                </a:endParaRPr>
+              </a:p>
+            </p:txBody>
+          </p:sp>
+        </mc:Choice>
+        <mc:Fallback>
+          <p:sp>
+            <p:nvSpPr>
+              <p:cNvPr id="68" name="Rectangle 67">
+                <a:extLst>
+                  <a:ext uri="{FF2B5EF4-FFF2-40B4-BE49-F238E27FC236}">
+                    <a16:creationId xmlns:a16="http://schemas.microsoft.com/office/drawing/2014/main" id="{F552B1DD-6B37-FDE2-E648-967C903B202C}"/>
+                  </a:ext>
+                </a:extLst>
+              </p:cNvPr>
+              <p:cNvSpPr>
+                <a:spLocks noRot="1" noChangeAspect="1" noMove="1" noResize="1" noEditPoints="1" noAdjustHandles="1" noChangeArrowheads="1" noChangeShapeType="1" noTextEdit="1"/>
+              </p:cNvSpPr>
+              <p:nvPr/>
+            </p:nvSpPr>
+            <p:spPr>
+              <a:xfrm>
+                <a:off x="5661590" y="3391160"/>
+                <a:ext cx="824046" cy="182880"/>
+              </a:xfrm>
+              <a:prstGeom prst="rect">
+                <a:avLst/>
+              </a:prstGeom>
+              <a:blipFill>
+                <a:blip r:embed="rId15"/>
+                <a:stretch>
+                  <a:fillRect b="-13333"/>
+                </a:stretch>
+              </a:blipFill>
+              <a:ln w="3175">
+                <a:noFill/>
+                <a:prstDash val="sysDot"/>
+              </a:ln>
+            </p:spPr>
+            <p:txBody>
+              <a:bodyPr/>
+              <a:lstStyle/>
+              <a:p>
+                <a:r>
+                  <a:rPr lang="en-US">
+                    <a:noFill/>
+                  </a:rPr>
+                  <a:t> </a:t>
+                </a:r>
+              </a:p>
+            </p:txBody>
+          </p:sp>
+        </mc:Fallback>
+      </mc:AlternateContent>
+      <mc:AlternateContent xmlns:mc="http://schemas.openxmlformats.org/markup-compatibility/2006">
+        <mc:Choice xmlns:a14="http://schemas.microsoft.com/office/drawing/2010/main" Requires="a14">
+          <p:sp>
+            <p:nvSpPr>
+              <p:cNvPr id="43" name="Rectangle 42">
+                <a:extLst>
+                  <a:ext uri="{FF2B5EF4-FFF2-40B4-BE49-F238E27FC236}">
+                    <a16:creationId xmlns:a16="http://schemas.microsoft.com/office/drawing/2014/main" id="{C270D549-046F-EC4F-1E4B-9A045C3FB6FE}"/>
+                  </a:ext>
+                </a:extLst>
+              </p:cNvPr>
+              <p:cNvSpPr/>
+              <p:nvPr/>
+            </p:nvSpPr>
+            <p:spPr>
+              <a:xfrm>
+                <a:off x="6599331" y="2634062"/>
+                <a:ext cx="1431588" cy="661588"/>
+              </a:xfrm>
+              <a:prstGeom prst="rect">
+                <a:avLst/>
+              </a:prstGeom>
+              <a:solidFill>
+                <a:schemeClr val="accent5">
+                  <a:lumMod val="20000"/>
+                  <a:lumOff val="80000"/>
+                </a:schemeClr>
+              </a:solidFill>
+              <a:ln w="3175">
+                <a:noFill/>
+                <a:prstDash val="sysDot"/>
+              </a:ln>
+            </p:spPr>
+            <p:style>
+              <a:lnRef idx="2">
+                <a:schemeClr val="accent1">
+                  <a:shade val="15000"/>
+                </a:schemeClr>
+              </a:lnRef>
+              <a:fillRef idx="1">
+                <a:schemeClr val="accent1"/>
+              </a:fillRef>
+              <a:effectRef idx="0">
+                <a:schemeClr val="accent1"/>
+              </a:effectRef>
+              <a:fontRef idx="minor">
+                <a:schemeClr val="lt1"/>
+              </a:fontRef>
+            </p:style>
+            <p:txBody>
+              <a:bodyPr rtlCol="0" anchor="ctr"/>
+              <a:lstStyle/>
+              <a:p>
+                <a:pPr algn="ctr"/>
+                <a14:m>
+                  <m:oMath xmlns:m="http://schemas.openxmlformats.org/officeDocument/2006/math">
+                    <m:r>
+                      <a:rPr lang="en-US" sz="900" b="1">
+                        <a:solidFill>
+                          <a:schemeClr val="tx1"/>
+                        </a:solidFill>
+                      </a:rPr>
+                      <m:t>𝝓</m:t>
+                    </m:r>
+                    <m:d>
+                      <m:dPr>
+                        <m:ctrlPr>
+                          <a:rPr lang="en-US" sz="900" b="1">
+                            <a:solidFill>
+                              <a:schemeClr val="tx1"/>
+                            </a:solidFill>
+                          </a:rPr>
+                        </m:ctrlPr>
+                      </m:dPr>
+                      <m:e>
+                        <m:r>
+                          <a:rPr lang="en-US" sz="900" b="1">
+                            <a:solidFill>
+                              <a:schemeClr val="tx1"/>
+                            </a:solidFill>
+                          </a:rPr>
+                          <m:t>𝜼</m:t>
+                        </m:r>
+                      </m:e>
+                    </m:d>
+                  </m:oMath>
+                </a14:m>
+                <a:r>
+                  <a:rPr lang="en-US" sz="900" b="1" dirty="0">
+                    <a:solidFill>
+                      <a:schemeClr val="tx1"/>
+                    </a:solidFill>
+                  </a:rPr>
+                  <a:t>: displacements within the element</a:t>
+                </a:r>
+              </a:p>
+              <a:p>
+                <a:pPr algn="ctr"/>
+                <a14:m>
+                  <m:oMath xmlns:m="http://schemas.openxmlformats.org/officeDocument/2006/math">
+                    <m:r>
+                      <a:rPr lang="en-US" sz="900" b="1" smtClean="0">
+                        <a:solidFill>
+                          <a:schemeClr val="tx1"/>
+                        </a:solidFill>
+                        <a:latin typeface="Cambria Math" panose="02040503050406030204" pitchFamily="18" charset="0"/>
+                      </a:rPr>
+                      <m:t>𝝓</m:t>
+                    </m:r>
+                    <m:d>
+                      <m:dPr>
+                        <m:ctrlPr>
+                          <a:rPr lang="en-US" sz="900" b="1" i="1">
+                            <a:solidFill>
+                              <a:schemeClr val="tx1"/>
+                            </a:solidFill>
+                            <a:latin typeface="Cambria Math" panose="02040503050406030204" pitchFamily="18" charset="0"/>
+                          </a:rPr>
+                        </m:ctrlPr>
+                      </m:dPr>
+                      <m:e>
+                        <m:r>
+                          <a:rPr lang="en-US" sz="900" b="1">
+                            <a:solidFill>
+                              <a:schemeClr val="tx1"/>
+                            </a:solidFill>
+                            <a:latin typeface="Cambria Math" panose="02040503050406030204" pitchFamily="18" charset="0"/>
+                          </a:rPr>
+                          <m:t>𝜼</m:t>
+                        </m:r>
+                      </m:e>
+                    </m:d>
+                  </m:oMath>
+                </a14:m>
+                <a:r>
+                  <a:rPr lang="en-US" sz="900" b="1" dirty="0">
+                    <a:solidFill>
+                      <a:schemeClr val="tx1"/>
+                    </a:solidFill>
+                  </a:rPr>
+                  <a:t>: </a:t>
+                </a:r>
+                <a14:m>
+                  <m:oMath xmlns:m="http://schemas.openxmlformats.org/officeDocument/2006/math">
+                    <m:r>
+                      <a:rPr lang="en-US" sz="900" b="1">
+                        <a:solidFill>
+                          <a:schemeClr val="tx1"/>
+                        </a:solidFill>
+                        <a:latin typeface="Cambria Math" panose="02040503050406030204" pitchFamily="18" charset="0"/>
+                      </a:rPr>
+                      <m:t>𝜼</m:t>
+                    </m:r>
+                  </m:oMath>
+                </a14:m>
+                <a:r>
+                  <a:rPr lang="en-US" sz="900" b="1" dirty="0">
+                    <a:solidFill>
+                      <a:schemeClr val="tx1"/>
+                    </a:solidFill>
+                  </a:rPr>
+                  <a:t> or </a:t>
+                </a:r>
+                <a14:m>
+                  <m:oMath xmlns:m="http://schemas.openxmlformats.org/officeDocument/2006/math">
+                    <m:r>
+                      <a:rPr lang="en-US" sz="900" b="1">
+                        <a:solidFill>
+                          <a:schemeClr val="tx1"/>
+                        </a:solidFill>
+                        <a:latin typeface="Cambria Math" panose="02040503050406030204" pitchFamily="18" charset="0"/>
+                      </a:rPr>
+                      <m:t>𝒙</m:t>
+                    </m:r>
+                  </m:oMath>
+                </a14:m>
+                <a:r>
+                  <a:rPr lang="en-US" sz="900" b="1" dirty="0">
+                    <a:solidFill>
+                      <a:schemeClr val="tx1"/>
+                    </a:solidFill>
+                  </a:rPr>
+                  <a:t> positions within the element</a:t>
+                </a:r>
+              </a:p>
+            </p:txBody>
+          </p:sp>
+        </mc:Choice>
+        <mc:Fallback>
+          <p:sp>
+            <p:nvSpPr>
+              <p:cNvPr id="43" name="Rectangle 42">
+                <a:extLst>
+                  <a:ext uri="{FF2B5EF4-FFF2-40B4-BE49-F238E27FC236}">
+                    <a16:creationId xmlns:a16="http://schemas.microsoft.com/office/drawing/2014/main" id="{C270D549-046F-EC4F-1E4B-9A045C3FB6FE}"/>
+                  </a:ext>
+                </a:extLst>
+              </p:cNvPr>
+              <p:cNvSpPr>
+                <a:spLocks noRot="1" noChangeAspect="1" noMove="1" noResize="1" noEditPoints="1" noAdjustHandles="1" noChangeArrowheads="1" noChangeShapeType="1" noTextEdit="1"/>
+              </p:cNvSpPr>
+              <p:nvPr/>
+            </p:nvSpPr>
+            <p:spPr>
+              <a:xfrm>
+                <a:off x="6599331" y="2634062"/>
+                <a:ext cx="1431588" cy="661588"/>
+              </a:xfrm>
+              <a:prstGeom prst="rect">
+                <a:avLst/>
+              </a:prstGeom>
+              <a:blipFill>
+                <a:blip r:embed="rId16"/>
+                <a:stretch>
+                  <a:fillRect b="-1835"/>
+                </a:stretch>
+              </a:blipFill>
+              <a:ln w="3175">
+                <a:noFill/>
+                <a:prstDash val="sysDot"/>
+              </a:ln>
+            </p:spPr>
+            <p:txBody>
+              <a:bodyPr/>
+              <a:lstStyle/>
+              <a:p>
+                <a:r>
+                  <a:rPr lang="en-US">
+                    <a:noFill/>
+                  </a:rPr>
+                  <a:t> </a:t>
+                </a:r>
+              </a:p>
+            </p:txBody>
+          </p:sp>
+        </mc:Fallback>
+      </mc:AlternateContent>
+      <p:cxnSp>
+        <p:nvCxnSpPr>
+          <p:cNvPr id="50" name="Connector: Curved 49">
+            <a:extLst>
+              <a:ext uri="{FF2B5EF4-FFF2-40B4-BE49-F238E27FC236}">
+                <a16:creationId xmlns:a16="http://schemas.microsoft.com/office/drawing/2014/main" id="{14876F95-09A7-3F08-B230-FD44CE4ECA3F}"/>
+              </a:ext>
+            </a:extLst>
+          </p:cNvPr>
+          <p:cNvCxnSpPr>
+            <a:cxnSpLocks/>
+            <a:stCxn id="17" idx="3"/>
+            <a:endCxn id="58" idx="0"/>
+          </p:cNvCxnSpPr>
+          <p:nvPr/>
+        </p:nvCxnSpPr>
+        <p:spPr>
+          <a:xfrm>
+            <a:off x="11103838" y="2230388"/>
+            <a:ext cx="217416" cy="1648525"/>
+          </a:xfrm>
+          <a:prstGeom prst="curvedConnector2">
+            <a:avLst/>
+          </a:prstGeom>
+          <a:ln>
+            <a:solidFill>
+              <a:schemeClr val="accent5"/>
+            </a:solidFill>
+            <a:tailEnd type="triangle"/>
+          </a:ln>
+        </p:spPr>
+        <p:style>
+          <a:lnRef idx="2">
+            <a:schemeClr val="accent1"/>
+          </a:lnRef>
+          <a:fillRef idx="0">
+            <a:schemeClr val="accent1"/>
+          </a:fillRef>
+          <a:effectRef idx="1">
+            <a:schemeClr val="accent1"/>
+          </a:effectRef>
+          <a:fontRef idx="minor">
+            <a:schemeClr val="tx1"/>
+          </a:fontRef>
+        </p:style>
+      </p:cxnSp>
       <p:sp>
         <p:nvSpPr>
-          <p:cNvPr id="81" name="Rectangle: Rounded Corners 80">
+          <p:cNvPr id="58" name="Oval 57">
             <a:extLst>
               <a:ext uri="{FF2B5EF4-FFF2-40B4-BE49-F238E27FC236}">
-                <a16:creationId xmlns:a16="http://schemas.microsoft.com/office/drawing/2014/main" id="{4B692998-8BA8-64BF-74AE-86E4CFC5C414}"/>
+                <a16:creationId xmlns:a16="http://schemas.microsoft.com/office/drawing/2014/main" id="{02C5E808-FE5F-623E-BA07-6C55860B08D9}"/>
               </a:ext>
             </a:extLst>
           </p:cNvPr>
@@ -6980,20 +11685,18 @@
         </p:nvSpPr>
         <p:spPr>
           <a:xfrm>
-            <a:off x="3246364" y="5240567"/>
-            <a:ext cx="1861457" cy="200299"/>
+            <a:off x="10704897" y="3878913"/>
+            <a:ext cx="1232713" cy="280789"/>
           </a:xfrm>
-          <a:prstGeom prst="roundRect">
-            <a:avLst>
-              <a:gd name="adj" fmla="val 50000"/>
-            </a:avLst>
+          <a:prstGeom prst="ellipse">
+            <a:avLst/>
           </a:prstGeom>
           <a:solidFill>
-            <a:schemeClr val="tx2"/>
+            <a:schemeClr val="tx1"/>
           </a:solidFill>
           <a:ln w="6350">
             <a:solidFill>
-              <a:schemeClr val="tx1"/>
+              <a:schemeClr val="accent1"/>
             </a:solidFill>
           </a:ln>
         </p:spPr>
@@ -7019,25 +11722,224 @@
           <a:p>
             <a:pPr algn="ctr"/>
             <a:r>
-              <a:rPr lang="en-US" sz="1000" b="1" dirty="0" err="1">
+              <a:rPr lang="en-US" sz="1000" dirty="0">
                 <a:solidFill>
                   <a:schemeClr val="bg1"/>
                 </a:solidFill>
               </a:rPr>
-              <a:t>plot_shape_functions</a:t>
+              <a:t>Figure(s)</a:t>
             </a:r>
-            <a:endParaRPr lang="en-US" sz="1000" b="1" dirty="0">
-              <a:solidFill>
-                <a:schemeClr val="bg1"/>
-              </a:solidFill>
-            </a:endParaRPr>
           </a:p>
         </p:txBody>
       </p:sp>
+      <mc:AlternateContent xmlns:mc="http://schemas.openxmlformats.org/markup-compatibility/2006">
+        <mc:Choice xmlns:a14="http://schemas.microsoft.com/office/drawing/2010/main" Requires="a14">
+          <p:sp>
+            <p:nvSpPr>
+              <p:cNvPr id="42" name="Rectangle 41">
+                <a:extLst>
+                  <a:ext uri="{FF2B5EF4-FFF2-40B4-BE49-F238E27FC236}">
+                    <a16:creationId xmlns:a16="http://schemas.microsoft.com/office/drawing/2014/main" id="{6BF6B8E9-2654-5425-7A87-C62BA0FF4EB3}"/>
+                  </a:ext>
+                </a:extLst>
+              </p:cNvPr>
+              <p:cNvSpPr/>
+              <p:nvPr/>
+            </p:nvSpPr>
+            <p:spPr>
+              <a:xfrm>
+                <a:off x="10653394" y="3138471"/>
+                <a:ext cx="1327231" cy="426304"/>
+              </a:xfrm>
+              <a:prstGeom prst="rect">
+                <a:avLst/>
+              </a:prstGeom>
+              <a:solidFill>
+                <a:schemeClr val="accent5">
+                  <a:lumMod val="20000"/>
+                  <a:lumOff val="80000"/>
+                </a:schemeClr>
+              </a:solidFill>
+              <a:ln w="3175">
+                <a:noFill/>
+                <a:prstDash val="sysDot"/>
+              </a:ln>
+            </p:spPr>
+            <p:style>
+              <a:lnRef idx="2">
+                <a:schemeClr val="accent1">
+                  <a:shade val="15000"/>
+                </a:schemeClr>
+              </a:lnRef>
+              <a:fillRef idx="1">
+                <a:schemeClr val="accent1"/>
+              </a:fillRef>
+              <a:effectRef idx="0">
+                <a:schemeClr val="accent1"/>
+              </a:effectRef>
+              <a:fontRef idx="minor">
+                <a:schemeClr val="lt1"/>
+              </a:fontRef>
+            </p:style>
+            <p:txBody>
+              <a:bodyPr rtlCol="0" anchor="ctr"/>
+              <a:lstStyle/>
+              <a:p>
+                <a:pPr algn="ctr"/>
+                <a14:m>
+                  <m:oMath xmlns:m="http://schemas.openxmlformats.org/officeDocument/2006/math">
+                    <m:r>
+                      <a:rPr lang="en-US" sz="900" b="1" smtClean="0">
+                        <a:solidFill>
+                          <a:schemeClr val="tx1"/>
+                        </a:solidFill>
+                        <a:latin typeface="Cambria Math" panose="02040503050406030204" pitchFamily="18" charset="0"/>
+                      </a:rPr>
+                      <m:t>𝝓</m:t>
+                    </m:r>
+                    <m:d>
+                      <m:dPr>
+                        <m:ctrlPr>
+                          <a:rPr lang="en-US" sz="900" b="1" i="1">
+                            <a:solidFill>
+                              <a:schemeClr val="tx1"/>
+                            </a:solidFill>
+                            <a:latin typeface="Cambria Math" panose="02040503050406030204" pitchFamily="18" charset="0"/>
+                          </a:rPr>
+                        </m:ctrlPr>
+                      </m:dPr>
+                      <m:e>
+                        <m:r>
+                          <a:rPr lang="en-US" sz="900" b="1">
+                            <a:solidFill>
+                              <a:schemeClr val="tx1"/>
+                            </a:solidFill>
+                            <a:latin typeface="Cambria Math" panose="02040503050406030204" pitchFamily="18" charset="0"/>
+                          </a:rPr>
+                          <m:t>𝜼</m:t>
+                        </m:r>
+                      </m:e>
+                    </m:d>
+                  </m:oMath>
+                </a14:m>
+                <a:r>
+                  <a:rPr lang="en-US" sz="900" b="1" dirty="0">
+                    <a:solidFill>
+                      <a:schemeClr val="tx1"/>
+                    </a:solidFill>
+                  </a:rPr>
+                  <a:t> or </a:t>
+                </a:r>
+                <a14:m>
+                  <m:oMath xmlns:m="http://schemas.openxmlformats.org/officeDocument/2006/math">
+                    <m:r>
+                      <a:rPr lang="en-US" sz="900" b="1" i="1" smtClean="0">
+                        <a:solidFill>
+                          <a:schemeClr val="tx1"/>
+                        </a:solidFill>
+                        <a:latin typeface="Cambria Math" panose="02040503050406030204" pitchFamily="18" charset="0"/>
+                      </a:rPr>
+                      <m:t>𝝓</m:t>
+                    </m:r>
+                    <m:d>
+                      <m:dPr>
+                        <m:ctrlPr>
+                          <a:rPr lang="en-US" sz="900" b="1" i="1" smtClean="0">
+                            <a:solidFill>
+                              <a:schemeClr val="tx1"/>
+                            </a:solidFill>
+                            <a:latin typeface="Cambria Math" panose="02040503050406030204" pitchFamily="18" charset="0"/>
+                          </a:rPr>
+                        </m:ctrlPr>
+                      </m:dPr>
+                      <m:e>
+                        <m:r>
+                          <a:rPr lang="en-US" sz="900" b="1" i="1" smtClean="0">
+                            <a:solidFill>
+                              <a:schemeClr val="tx1"/>
+                            </a:solidFill>
+                            <a:latin typeface="Cambria Math" panose="02040503050406030204" pitchFamily="18" charset="0"/>
+                          </a:rPr>
+                          <m:t>𝒙</m:t>
+                        </m:r>
+                      </m:e>
+                    </m:d>
+                    <m:r>
+                      <a:rPr lang="en-US" sz="900" b="1" i="0" smtClean="0">
+                        <a:solidFill>
+                          <a:schemeClr val="tx1"/>
+                        </a:solidFill>
+                        <a:latin typeface="Cambria Math" panose="02040503050406030204" pitchFamily="18" charset="0"/>
+                      </a:rPr>
+                      <m:t>:</m:t>
+                    </m:r>
+                  </m:oMath>
+                </a14:m>
+                <a:r>
+                  <a:rPr lang="en-US" sz="900" b="1" dirty="0">
+                    <a:solidFill>
+                      <a:schemeClr val="tx1"/>
+                    </a:solidFill>
+                  </a:rPr>
+                  <a:t> displacements within the element</a:t>
+                </a:r>
+              </a:p>
+            </p:txBody>
+          </p:sp>
+        </mc:Choice>
+        <mc:Fallback>
+          <p:sp>
+            <p:nvSpPr>
+              <p:cNvPr id="42" name="Rectangle 41">
+                <a:extLst>
+                  <a:ext uri="{FF2B5EF4-FFF2-40B4-BE49-F238E27FC236}">
+                    <a16:creationId xmlns:a16="http://schemas.microsoft.com/office/drawing/2014/main" id="{6BF6B8E9-2654-5425-7A87-C62BA0FF4EB3}"/>
+                  </a:ext>
+                </a:extLst>
+              </p:cNvPr>
+              <p:cNvSpPr>
+                <a:spLocks noRot="1" noChangeAspect="1" noMove="1" noResize="1" noEditPoints="1" noAdjustHandles="1" noChangeArrowheads="1" noChangeShapeType="1" noTextEdit="1"/>
+              </p:cNvSpPr>
+              <p:nvPr/>
+            </p:nvSpPr>
+            <p:spPr>
+              <a:xfrm>
+                <a:off x="10653394" y="3138471"/>
+                <a:ext cx="1327231" cy="426304"/>
+              </a:xfrm>
+              <a:prstGeom prst="rect">
+                <a:avLst/>
+              </a:prstGeom>
+              <a:blipFill>
+                <a:blip r:embed="rId17"/>
+                <a:stretch>
+                  <a:fillRect t="-8571" b="-14286"/>
+                </a:stretch>
+              </a:blipFill>
+              <a:ln w="3175">
+                <a:noFill/>
+                <a:prstDash val="sysDot"/>
+              </a:ln>
+            </p:spPr>
+            <p:txBody>
+              <a:bodyPr/>
+              <a:lstStyle/>
+              <a:p>
+                <a:r>
+                  <a:rPr lang="en-US">
+                    <a:noFill/>
+                  </a:rPr>
+                  <a:t> </a:t>
+                </a:r>
+              </a:p>
+            </p:txBody>
+          </p:sp>
+        </mc:Fallback>
+      </mc:AlternateContent>
     </p:spTree>
     <p:extLst>
       <p:ext uri="{BB962C8B-B14F-4D97-AF65-F5344CB8AC3E}">
-        <p14:creationId xmlns:p14="http://schemas.microsoft.com/office/powerpoint/2010/main" val="1401571357"/>
+        <p14:creationId xmlns:p14="http://schemas.microsoft.com/office/powerpoint/2010/main" val="860182899"/>
       </p:ext>
     </p:extLst>
   </p:cSld>
